--- a/src/d191010/Jihyeyoung/지혜영.pptx
+++ b/src/d191010/Jihyeyoung/지혜영.pptx
@@ -1,35 +1,35 @@
 
 <file path=ppt/presentation.xml><?xml version="1.0" encoding="utf-8"?>
-<p:presentation xmlns:a="http://schemas.openxmlformats.org/drawingml/2006/main" xmlns:r="http://schemas.openxmlformats.org/officeDocument/2006/relationships" xmlns:p="http://schemas.openxmlformats.org/presentationml/2006/main" strictFirstAndLastChars="0" embedTrueTypeFonts="1" saveSubsetFonts="1" autoCompressPictures="0">
+<p:presentation xmlns:a="http://schemas.openxmlformats.org/drawingml/2006/main" xmlns:r="http://schemas.openxmlformats.org/officeDocument/2006/relationships" xmlns:mc="http://schemas.openxmlformats.org/markup-compatibility/2006" xmlns:mv="urn:schemas-microsoft-com:mac:vml" xmlns:p="http://schemas.openxmlformats.org/presentationml/2006/main" xmlns:c="http://schemas.openxmlformats.org/drawingml/2006/chart" xmlns:dgm="http://schemas.openxmlformats.org/drawingml/2006/diagram" xmlns:o="urn:schemas-microsoft-com:office:office" xmlns:v="urn:schemas-microsoft-com:vml" xmlns:pvml="urn:schemas-microsoft-com:office:powerpoint" xmlns:com="http://schemas.openxmlformats.org/drawingml/2006/compatibility" xmlns:p14="http://schemas.microsoft.com/office/powerpoint/2010/main" xmlns:p15="http://schemas.microsoft.com/office/powerpoint/2012/main" autoCompressPictures="0" embedTrueTypeFonts="1" strictFirstAndLastChars="0" saveSubsetFonts="1">
   <p:sldMasterIdLst>
-    <p:sldMasterId id="2147483659" r:id="rId1"/>
+    <p:sldMasterId id="2147483659" r:id="rId4"/>
   </p:sldMasterIdLst>
   <p:notesMasterIdLst>
-    <p:notesMasterId r:id="rId8"/>
+    <p:notesMasterId r:id="rId5"/>
   </p:notesMasterIdLst>
   <p:sldIdLst>
-    <p:sldId id="256" r:id="rId2"/>
-    <p:sldId id="257" r:id="rId3"/>
-    <p:sldId id="258" r:id="rId4"/>
-    <p:sldId id="259" r:id="rId5"/>
-    <p:sldId id="260" r:id="rId6"/>
-    <p:sldId id="261" r:id="rId7"/>
+    <p:sldId id="256" r:id="rId6"/>
+    <p:sldId id="257" r:id="rId7"/>
+    <p:sldId id="258" r:id="rId8"/>
+    <p:sldId id="259" r:id="rId9"/>
+    <p:sldId id="260" r:id="rId10"/>
+    <p:sldId id="261" r:id="rId11"/>
   </p:sldIdLst>
-  <p:sldSz cx="9144000" cy="5143500" type="screen16x9"/>
+  <p:sldSz cy="5143500" cx="9144000"/>
   <p:notesSz cx="6858000" cy="9144000"/>
   <p:embeddedFontLst>
     <p:embeddedFont>
-      <p:font typeface="Average" panose="020B0600000101010101" charset="0"/>
-      <p:regular r:id="rId9"/>
+      <p:font typeface="Average"/>
+      <p:regular r:id="rId12"/>
     </p:embeddedFont>
     <p:embeddedFont>
-      <p:font typeface="Oswald" panose="020B0600000101010101" charset="0"/>
-      <p:regular r:id="rId10"/>
-      <p:bold r:id="rId11"/>
+      <p:font typeface="Oswald"/>
+      <p:regular r:id="rId13"/>
+      <p:bold r:id="rId14"/>
     </p:embeddedFont>
   </p:embeddedFontLst>
   <p:defaultTextStyle>
-    <a:defPPr marR="0" lvl="0" algn="l" rtl="0">
+    <a:defPPr lvl="0" marR="0" rtl="0" algn="l">
       <a:lnSpc>
         <a:spcPct val="100000"/>
       </a:lnSpc>
@@ -40,7 +40,7 @@
         <a:spcPts val="0"/>
       </a:spcAft>
     </a:defPPr>
-    <a:lvl1pPr marR="0" lvl="0" algn="l" rtl="0">
+    <a:lvl1pPr lvl="0" marR="0" rtl="0" algn="l">
       <a:lnSpc>
         <a:spcPct val="100000"/>
       </a:lnSpc>
@@ -54,7 +54,7 @@
         <a:srgbClr val="000000"/>
       </a:buClr>
       <a:buFont typeface="Arial"/>
-      <a:defRPr sz="1400" b="0" i="0" u="none" strike="noStrike" cap="none">
+      <a:defRPr b="0" i="0" sz="1400" u="none" cap="none" strike="noStrike">
         <a:solidFill>
           <a:srgbClr val="000000"/>
         </a:solidFill>
@@ -64,7 +64,7 @@
         <a:sym typeface="Arial"/>
       </a:defRPr>
     </a:lvl1pPr>
-    <a:lvl2pPr marR="0" lvl="1" algn="l" rtl="0">
+    <a:lvl2pPr lvl="1" marR="0" rtl="0" algn="l">
       <a:lnSpc>
         <a:spcPct val="100000"/>
       </a:lnSpc>
@@ -78,7 +78,7 @@
         <a:srgbClr val="000000"/>
       </a:buClr>
       <a:buFont typeface="Arial"/>
-      <a:defRPr sz="1400" b="0" i="0" u="none" strike="noStrike" cap="none">
+      <a:defRPr b="0" i="0" sz="1400" u="none" cap="none" strike="noStrike">
         <a:solidFill>
           <a:srgbClr val="000000"/>
         </a:solidFill>
@@ -88,7 +88,7 @@
         <a:sym typeface="Arial"/>
       </a:defRPr>
     </a:lvl2pPr>
-    <a:lvl3pPr marR="0" lvl="2" algn="l" rtl="0">
+    <a:lvl3pPr lvl="2" marR="0" rtl="0" algn="l">
       <a:lnSpc>
         <a:spcPct val="100000"/>
       </a:lnSpc>
@@ -102,7 +102,7 @@
         <a:srgbClr val="000000"/>
       </a:buClr>
       <a:buFont typeface="Arial"/>
-      <a:defRPr sz="1400" b="0" i="0" u="none" strike="noStrike" cap="none">
+      <a:defRPr b="0" i="0" sz="1400" u="none" cap="none" strike="noStrike">
         <a:solidFill>
           <a:srgbClr val="000000"/>
         </a:solidFill>
@@ -112,7 +112,7 @@
         <a:sym typeface="Arial"/>
       </a:defRPr>
     </a:lvl3pPr>
-    <a:lvl4pPr marR="0" lvl="3" algn="l" rtl="0">
+    <a:lvl4pPr lvl="3" marR="0" rtl="0" algn="l">
       <a:lnSpc>
         <a:spcPct val="100000"/>
       </a:lnSpc>
@@ -126,7 +126,7 @@
         <a:srgbClr val="000000"/>
       </a:buClr>
       <a:buFont typeface="Arial"/>
-      <a:defRPr sz="1400" b="0" i="0" u="none" strike="noStrike" cap="none">
+      <a:defRPr b="0" i="0" sz="1400" u="none" cap="none" strike="noStrike">
         <a:solidFill>
           <a:srgbClr val="000000"/>
         </a:solidFill>
@@ -136,7 +136,7 @@
         <a:sym typeface="Arial"/>
       </a:defRPr>
     </a:lvl4pPr>
-    <a:lvl5pPr marR="0" lvl="4" algn="l" rtl="0">
+    <a:lvl5pPr lvl="4" marR="0" rtl="0" algn="l">
       <a:lnSpc>
         <a:spcPct val="100000"/>
       </a:lnSpc>
@@ -150,7 +150,7 @@
         <a:srgbClr val="000000"/>
       </a:buClr>
       <a:buFont typeface="Arial"/>
-      <a:defRPr sz="1400" b="0" i="0" u="none" strike="noStrike" cap="none">
+      <a:defRPr b="0" i="0" sz="1400" u="none" cap="none" strike="noStrike">
         <a:solidFill>
           <a:srgbClr val="000000"/>
         </a:solidFill>
@@ -160,7 +160,7 @@
         <a:sym typeface="Arial"/>
       </a:defRPr>
     </a:lvl5pPr>
-    <a:lvl6pPr marR="0" lvl="5" algn="l" rtl="0">
+    <a:lvl6pPr lvl="5" marR="0" rtl="0" algn="l">
       <a:lnSpc>
         <a:spcPct val="100000"/>
       </a:lnSpc>
@@ -174,7 +174,7 @@
         <a:srgbClr val="000000"/>
       </a:buClr>
       <a:buFont typeface="Arial"/>
-      <a:defRPr sz="1400" b="0" i="0" u="none" strike="noStrike" cap="none">
+      <a:defRPr b="0" i="0" sz="1400" u="none" cap="none" strike="noStrike">
         <a:solidFill>
           <a:srgbClr val="000000"/>
         </a:solidFill>
@@ -184,7 +184,7 @@
         <a:sym typeface="Arial"/>
       </a:defRPr>
     </a:lvl6pPr>
-    <a:lvl7pPr marR="0" lvl="6" algn="l" rtl="0">
+    <a:lvl7pPr lvl="6" marR="0" rtl="0" algn="l">
       <a:lnSpc>
         <a:spcPct val="100000"/>
       </a:lnSpc>
@@ -198,7 +198,7 @@
         <a:srgbClr val="000000"/>
       </a:buClr>
       <a:buFont typeface="Arial"/>
-      <a:defRPr sz="1400" b="0" i="0" u="none" strike="noStrike" cap="none">
+      <a:defRPr b="0" i="0" sz="1400" u="none" cap="none" strike="noStrike">
         <a:solidFill>
           <a:srgbClr val="000000"/>
         </a:solidFill>
@@ -208,7 +208,7 @@
         <a:sym typeface="Arial"/>
       </a:defRPr>
     </a:lvl7pPr>
-    <a:lvl8pPr marR="0" lvl="7" algn="l" rtl="0">
+    <a:lvl8pPr lvl="7" marR="0" rtl="0" algn="l">
       <a:lnSpc>
         <a:spcPct val="100000"/>
       </a:lnSpc>
@@ -222,7 +222,7 @@
         <a:srgbClr val="000000"/>
       </a:buClr>
       <a:buFont typeface="Arial"/>
-      <a:defRPr sz="1400" b="0" i="0" u="none" strike="noStrike" cap="none">
+      <a:defRPr b="0" i="0" sz="1400" u="none" cap="none" strike="noStrike">
         <a:solidFill>
           <a:srgbClr val="000000"/>
         </a:solidFill>
@@ -232,7 +232,7 @@
         <a:sym typeface="Arial"/>
       </a:defRPr>
     </a:lvl8pPr>
-    <a:lvl9pPr marR="0" lvl="8" algn="l" rtl="0">
+    <a:lvl9pPr lvl="8" marR="0" rtl="0" algn="l">
       <a:lnSpc>
         <a:spcPct val="100000"/>
       </a:lnSpc>
@@ -246,7 +246,7 @@
         <a:srgbClr val="000000"/>
       </a:buClr>
       <a:buFont typeface="Arial"/>
-      <a:defRPr sz="1400" b="0" i="0" u="none" strike="noStrike" cap="none">
+      <a:defRPr b="0" i="0" sz="1400" u="none" cap="none" strike="noStrike">
         <a:solidFill>
           <a:srgbClr val="000000"/>
         </a:solidFill>
@@ -259,7 +259,7 @@
   </p:defaultTextStyle>
   <p:extLst>
     <p:ext uri="{EFAFB233-063F-42B5-8137-9DF3F51BA10A}">
-      <p15:sldGuideLst xmlns:p15="http://schemas.microsoft.com/office/powerpoint/2012/main">
+      <p15:sldGuideLst>
         <p15:guide id="1" orient="horz" pos="1620">
           <p15:clr>
             <a:srgbClr val="A4A3A4"/>
@@ -277,16 +277,11 @@
 </file>
 
 <file path=ppt/notesMasters/notesMaster1.xml><?xml version="1.0" encoding="utf-8"?>
-<p:notesMaster xmlns:a="http://schemas.openxmlformats.org/drawingml/2006/main" xmlns:r="http://schemas.openxmlformats.org/officeDocument/2006/relationships" xmlns:p="http://schemas.openxmlformats.org/presentationml/2006/main">
+<p:notesMaster xmlns:a="http://schemas.openxmlformats.org/drawingml/2006/main" xmlns:r="http://schemas.openxmlformats.org/officeDocument/2006/relationships" xmlns:mc="http://schemas.openxmlformats.org/markup-compatibility/2006" xmlns:mv="urn:schemas-microsoft-com:mac:vml" xmlns:p="http://schemas.openxmlformats.org/presentationml/2006/main" xmlns:c="http://schemas.openxmlformats.org/drawingml/2006/chart" xmlns:dgm="http://schemas.openxmlformats.org/drawingml/2006/diagram" xmlns:o="urn:schemas-microsoft-com:office:office" xmlns:v="urn:schemas-microsoft-com:vml" xmlns:pvml="urn:schemas-microsoft-com:office:powerpoint" xmlns:com="http://schemas.openxmlformats.org/drawingml/2006/compatibility" xmlns:p14="http://schemas.microsoft.com/office/powerpoint/2010/main" xmlns:p15="http://schemas.microsoft.com/office/powerpoint/2012/main">
   <p:cSld>
-    <p:bg>
-      <p:bgRef idx="1001">
-        <a:schemeClr val="bg1"/>
-      </p:bgRef>
-    </p:bg>
     <p:spTree>
       <p:nvGrpSpPr>
-        <p:cNvPr id="1" name="Shape 2"/>
+        <p:cNvPr id="2" name="Shape 2"/>
         <p:cNvGrpSpPr/>
         <p:nvPr/>
       </p:nvGrpSpPr>
@@ -301,11 +296,9 @@
       <p:sp>
         <p:nvSpPr>
           <p:cNvPr id="3" name="Google Shape;3;n"/>
-          <p:cNvSpPr>
-            <a:spLocks noGrp="1" noRot="1" noChangeAspect="1"/>
-          </p:cNvSpPr>
+          <p:cNvSpPr/>
           <p:nvPr>
-            <p:ph type="sldImg" idx="2"/>
+            <p:ph idx="2" type="sldImg"/>
           </p:nvPr>
         </p:nvSpPr>
         <p:spPr>
@@ -314,13 +307,9 @@
             <a:ext cx="6096075" cy="3429000"/>
           </a:xfrm>
           <a:custGeom>
-            <a:avLst/>
-            <a:gdLst/>
-            <a:ahLst/>
-            <a:cxnLst/>
-            <a:rect l="l" t="t" r="r" b="b"/>
+            <a:rect b="b" l="l" r="r" t="t"/>
             <a:pathLst>
-              <a:path w="120000" h="120000" extrusionOk="0">
+              <a:path extrusionOk="0" h="120000" w="120000">
                 <a:moveTo>
                   <a:pt x="0" y="0"/>
                 </a:moveTo>
@@ -338,25 +327,23 @@
             </a:pathLst>
           </a:custGeom>
           <a:noFill/>
-          <a:ln w="9525" cap="flat" cmpd="sng">
+          <a:ln cap="flat" cmpd="sng" w="9525">
             <a:solidFill>
               <a:srgbClr val="000000"/>
             </a:solidFill>
             <a:prstDash val="solid"/>
             <a:round/>
-            <a:headEnd type="none" w="sm" len="sm"/>
-            <a:tailEnd type="none" w="sm" len="sm"/>
+            <a:headEnd len="sm" w="sm" type="none"/>
+            <a:tailEnd len="sm" w="sm" type="none"/>
           </a:ln>
         </p:spPr>
       </p:sp>
       <p:sp>
         <p:nvSpPr>
           <p:cNvPr id="4" name="Google Shape;4;n"/>
-          <p:cNvSpPr txBox="1">
-            <a:spLocks noGrp="1"/>
-          </p:cNvSpPr>
+          <p:cNvSpPr txBox="1"/>
           <p:nvPr>
-            <p:ph type="body" idx="1"/>
+            <p:ph idx="1" type="body"/>
           </p:nvPr>
         </p:nvSpPr>
         <p:spPr>
@@ -373,11 +360,11 @@
           </a:ln>
         </p:spPr>
         <p:txBody>
-          <a:bodyPr spcFirstLastPara="1" wrap="square" lIns="91425" tIns="91425" rIns="91425" bIns="91425" anchor="t" anchorCtr="0">
+          <a:bodyPr anchorCtr="0" anchor="t" bIns="91425" lIns="91425" spcFirstLastPara="1" rIns="91425" wrap="square" tIns="91425">
             <a:noAutofit/>
           </a:bodyPr>
           <a:lstStyle>
-            <a:lvl1pPr marL="457200" lvl="0" indent="-317500">
+            <a:lvl1pPr indent="-317500" lvl="0" marL="457200">
               <a:spcBef>
                 <a:spcPts val="0"/>
               </a:spcBef>
@@ -388,7 +375,7 @@
               <a:buChar char="●"/>
               <a:defRPr sz="1100"/>
             </a:lvl1pPr>
-            <a:lvl2pPr marL="914400" lvl="1" indent="-317500">
+            <a:lvl2pPr indent="-317500" lvl="1" marL="914400">
               <a:spcBef>
                 <a:spcPts val="0"/>
               </a:spcBef>
@@ -399,7 +386,7 @@
               <a:buChar char="○"/>
               <a:defRPr sz="1100"/>
             </a:lvl2pPr>
-            <a:lvl3pPr marL="1371600" lvl="2" indent="-317500">
+            <a:lvl3pPr indent="-317500" lvl="2" marL="1371600">
               <a:spcBef>
                 <a:spcPts val="0"/>
               </a:spcBef>
@@ -410,7 +397,7 @@
               <a:buChar char="■"/>
               <a:defRPr sz="1100"/>
             </a:lvl3pPr>
-            <a:lvl4pPr marL="1828800" lvl="3" indent="-317500">
+            <a:lvl4pPr indent="-317500" lvl="3" marL="1828800">
               <a:spcBef>
                 <a:spcPts val="0"/>
               </a:spcBef>
@@ -421,7 +408,7 @@
               <a:buChar char="●"/>
               <a:defRPr sz="1100"/>
             </a:lvl4pPr>
-            <a:lvl5pPr marL="2286000" lvl="4" indent="-317500">
+            <a:lvl5pPr indent="-317500" lvl="4" marL="2286000">
               <a:spcBef>
                 <a:spcPts val="0"/>
               </a:spcBef>
@@ -432,7 +419,7 @@
               <a:buChar char="○"/>
               <a:defRPr sz="1100"/>
             </a:lvl5pPr>
-            <a:lvl6pPr marL="2743200" lvl="5" indent="-317500">
+            <a:lvl6pPr indent="-317500" lvl="5" marL="2743200">
               <a:spcBef>
                 <a:spcPts val="0"/>
               </a:spcBef>
@@ -443,7 +430,7 @@
               <a:buChar char="■"/>
               <a:defRPr sz="1100"/>
             </a:lvl6pPr>
-            <a:lvl7pPr marL="3200400" lvl="6" indent="-317500">
+            <a:lvl7pPr indent="-317500" lvl="6" marL="3200400">
               <a:spcBef>
                 <a:spcPts val="0"/>
               </a:spcBef>
@@ -454,7 +441,7 @@
               <a:buChar char="●"/>
               <a:defRPr sz="1100"/>
             </a:lvl7pPr>
-            <a:lvl8pPr marL="3657600" lvl="7" indent="-317500">
+            <a:lvl8pPr indent="-317500" lvl="7" marL="3657600">
               <a:spcBef>
                 <a:spcPts val="0"/>
               </a:spcBef>
@@ -465,7 +452,7 @@
               <a:buChar char="○"/>
               <a:defRPr sz="1100"/>
             </a:lvl8pPr>
-            <a:lvl9pPr marL="4114800" lvl="8" indent="-317500">
+            <a:lvl9pPr indent="-317500" lvl="8" marL="4114800">
               <a:spcBef>
                 <a:spcPts val="0"/>
               </a:spcBef>
@@ -477,16 +464,14 @@
               <a:defRPr sz="1100"/>
             </a:lvl9pPr>
           </a:lstStyle>
-          <a:p>
-            <a:endParaRPr/>
-          </a:p>
+          <a:p/>
         </p:txBody>
       </p:sp>
     </p:spTree>
   </p:cSld>
-  <p:clrMap bg1="lt1" tx1="dk1" bg2="dk2" tx2="lt2" accent1="accent1" accent2="accent2" accent3="accent3" accent4="accent4" accent5="accent5" accent6="accent6" hlink="hlink" folHlink="folHlink"/>
+  <p:clrMap accent1="accent1" accent2="accent2" accent3="accent3" accent4="accent4" accent5="accent5" accent6="accent6" bg1="lt1" bg2="dk2" tx1="dk1" tx2="lt2" folHlink="folHlink" hlink="hlink"/>
   <p:notesStyle>
-    <a:defPPr marR="0" lvl="0" algn="l" rtl="0">
+    <a:defPPr lvl="0" marR="0" rtl="0" algn="l">
       <a:lnSpc>
         <a:spcPct val="100000"/>
       </a:lnSpc>
@@ -497,7 +482,7 @@
         <a:spcPts val="0"/>
       </a:spcAft>
     </a:defPPr>
-    <a:lvl1pPr marR="0" lvl="0" algn="l" rtl="0">
+    <a:lvl1pPr lvl="0" marR="0" rtl="0" algn="l">
       <a:lnSpc>
         <a:spcPct val="100000"/>
       </a:lnSpc>
@@ -511,7 +496,7 @@
         <a:srgbClr val="000000"/>
       </a:buClr>
       <a:buFont typeface="Arial"/>
-      <a:defRPr sz="1400" b="0" i="0" u="none" strike="noStrike" cap="none">
+      <a:defRPr b="0" i="0" sz="1400" u="none" cap="none" strike="noStrike">
         <a:solidFill>
           <a:srgbClr val="000000"/>
         </a:solidFill>
@@ -521,7 +506,7 @@
         <a:sym typeface="Arial"/>
       </a:defRPr>
     </a:lvl1pPr>
-    <a:lvl2pPr marR="0" lvl="1" algn="l" rtl="0">
+    <a:lvl2pPr lvl="1" marR="0" rtl="0" algn="l">
       <a:lnSpc>
         <a:spcPct val="100000"/>
       </a:lnSpc>
@@ -535,7 +520,7 @@
         <a:srgbClr val="000000"/>
       </a:buClr>
       <a:buFont typeface="Arial"/>
-      <a:defRPr sz="1400" b="0" i="0" u="none" strike="noStrike" cap="none">
+      <a:defRPr b="0" i="0" sz="1400" u="none" cap="none" strike="noStrike">
         <a:solidFill>
           <a:srgbClr val="000000"/>
         </a:solidFill>
@@ -545,7 +530,7 @@
         <a:sym typeface="Arial"/>
       </a:defRPr>
     </a:lvl2pPr>
-    <a:lvl3pPr marR="0" lvl="2" algn="l" rtl="0">
+    <a:lvl3pPr lvl="2" marR="0" rtl="0" algn="l">
       <a:lnSpc>
         <a:spcPct val="100000"/>
       </a:lnSpc>
@@ -559,7 +544,7 @@
         <a:srgbClr val="000000"/>
       </a:buClr>
       <a:buFont typeface="Arial"/>
-      <a:defRPr sz="1400" b="0" i="0" u="none" strike="noStrike" cap="none">
+      <a:defRPr b="0" i="0" sz="1400" u="none" cap="none" strike="noStrike">
         <a:solidFill>
           <a:srgbClr val="000000"/>
         </a:solidFill>
@@ -569,7 +554,7 @@
         <a:sym typeface="Arial"/>
       </a:defRPr>
     </a:lvl3pPr>
-    <a:lvl4pPr marR="0" lvl="3" algn="l" rtl="0">
+    <a:lvl4pPr lvl="3" marR="0" rtl="0" algn="l">
       <a:lnSpc>
         <a:spcPct val="100000"/>
       </a:lnSpc>
@@ -583,7 +568,7 @@
         <a:srgbClr val="000000"/>
       </a:buClr>
       <a:buFont typeface="Arial"/>
-      <a:defRPr sz="1400" b="0" i="0" u="none" strike="noStrike" cap="none">
+      <a:defRPr b="0" i="0" sz="1400" u="none" cap="none" strike="noStrike">
         <a:solidFill>
           <a:srgbClr val="000000"/>
         </a:solidFill>
@@ -593,7 +578,7 @@
         <a:sym typeface="Arial"/>
       </a:defRPr>
     </a:lvl4pPr>
-    <a:lvl5pPr marR="0" lvl="4" algn="l" rtl="0">
+    <a:lvl5pPr lvl="4" marR="0" rtl="0" algn="l">
       <a:lnSpc>
         <a:spcPct val="100000"/>
       </a:lnSpc>
@@ -607,7 +592,7 @@
         <a:srgbClr val="000000"/>
       </a:buClr>
       <a:buFont typeface="Arial"/>
-      <a:defRPr sz="1400" b="0" i="0" u="none" strike="noStrike" cap="none">
+      <a:defRPr b="0" i="0" sz="1400" u="none" cap="none" strike="noStrike">
         <a:solidFill>
           <a:srgbClr val="000000"/>
         </a:solidFill>
@@ -617,7 +602,7 @@
         <a:sym typeface="Arial"/>
       </a:defRPr>
     </a:lvl5pPr>
-    <a:lvl6pPr marR="0" lvl="5" algn="l" rtl="0">
+    <a:lvl6pPr lvl="5" marR="0" rtl="0" algn="l">
       <a:lnSpc>
         <a:spcPct val="100000"/>
       </a:lnSpc>
@@ -631,7 +616,7 @@
         <a:srgbClr val="000000"/>
       </a:buClr>
       <a:buFont typeface="Arial"/>
-      <a:defRPr sz="1400" b="0" i="0" u="none" strike="noStrike" cap="none">
+      <a:defRPr b="0" i="0" sz="1400" u="none" cap="none" strike="noStrike">
         <a:solidFill>
           <a:srgbClr val="000000"/>
         </a:solidFill>
@@ -641,7 +626,7 @@
         <a:sym typeface="Arial"/>
       </a:defRPr>
     </a:lvl6pPr>
-    <a:lvl7pPr marR="0" lvl="6" algn="l" rtl="0">
+    <a:lvl7pPr lvl="6" marR="0" rtl="0" algn="l">
       <a:lnSpc>
         <a:spcPct val="100000"/>
       </a:lnSpc>
@@ -655,7 +640,7 @@
         <a:srgbClr val="000000"/>
       </a:buClr>
       <a:buFont typeface="Arial"/>
-      <a:defRPr sz="1400" b="0" i="0" u="none" strike="noStrike" cap="none">
+      <a:defRPr b="0" i="0" sz="1400" u="none" cap="none" strike="noStrike">
         <a:solidFill>
           <a:srgbClr val="000000"/>
         </a:solidFill>
@@ -665,7 +650,7 @@
         <a:sym typeface="Arial"/>
       </a:defRPr>
     </a:lvl7pPr>
-    <a:lvl8pPr marR="0" lvl="7" algn="l" rtl="0">
+    <a:lvl8pPr lvl="7" marR="0" rtl="0" algn="l">
       <a:lnSpc>
         <a:spcPct val="100000"/>
       </a:lnSpc>
@@ -679,7 +664,7 @@
         <a:srgbClr val="000000"/>
       </a:buClr>
       <a:buFont typeface="Arial"/>
-      <a:defRPr sz="1400" b="0" i="0" u="none" strike="noStrike" cap="none">
+      <a:defRPr b="0" i="0" sz="1400" u="none" cap="none" strike="noStrike">
         <a:solidFill>
           <a:srgbClr val="000000"/>
         </a:solidFill>
@@ -689,7 +674,7 @@
         <a:sym typeface="Arial"/>
       </a:defRPr>
     </a:lvl8pPr>
-    <a:lvl9pPr marR="0" lvl="8" algn="l" rtl="0">
+    <a:lvl9pPr lvl="8" marR="0" rtl="0" algn="l">
       <a:lnSpc>
         <a:spcPct val="100000"/>
       </a:lnSpc>
@@ -703,7 +688,7 @@
         <a:srgbClr val="000000"/>
       </a:buClr>
       <a:buFont typeface="Arial"/>
-      <a:defRPr sz="1400" b="0" i="0" u="none" strike="noStrike" cap="none">
+      <a:defRPr b="0" i="0" sz="1400" u="none" cap="none" strike="noStrike">
         <a:solidFill>
           <a:srgbClr val="000000"/>
         </a:solidFill>
@@ -718,11 +703,11 @@
 </file>
 
 <file path=ppt/notesSlides/notesSlide1.xml><?xml version="1.0" encoding="utf-8"?>
-<p:notes xmlns:a="http://schemas.openxmlformats.org/drawingml/2006/main" xmlns:r="http://schemas.openxmlformats.org/officeDocument/2006/relationships" xmlns:p="http://schemas.openxmlformats.org/presentationml/2006/main" showMasterSp="0" showMasterPhAnim="0">
+<p:notes xmlns:a="http://schemas.openxmlformats.org/drawingml/2006/main" xmlns:r="http://schemas.openxmlformats.org/officeDocument/2006/relationships" xmlns:mc="http://schemas.openxmlformats.org/markup-compatibility/2006" xmlns:mv="urn:schemas-microsoft-com:mac:vml" xmlns:p="http://schemas.openxmlformats.org/presentationml/2006/main" xmlns:c="http://schemas.openxmlformats.org/drawingml/2006/chart" xmlns:dgm="http://schemas.openxmlformats.org/drawingml/2006/diagram" xmlns:o="urn:schemas-microsoft-com:office:office" xmlns:v="urn:schemas-microsoft-com:vml" xmlns:pvml="urn:schemas-microsoft-com:office:powerpoint" xmlns:com="http://schemas.openxmlformats.org/drawingml/2006/compatibility" xmlns:p14="http://schemas.microsoft.com/office/powerpoint/2010/main" xmlns:p15="http://schemas.microsoft.com/office/powerpoint/2012/main" showMasterPhAnim="0" showMasterSp="0">
   <p:cSld>
     <p:spTree>
       <p:nvGrpSpPr>
-        <p:cNvPr id="1" name="Shape 55"/>
+        <p:cNvPr id="55" name="Shape 55"/>
         <p:cNvGrpSpPr/>
         <p:nvPr/>
       </p:nvGrpSpPr>
@@ -737,11 +722,9 @@
       <p:sp>
         <p:nvSpPr>
           <p:cNvPr id="56" name="Google Shape;56;g6306b4f58a_2_124:notes"/>
-          <p:cNvSpPr>
-            <a:spLocks noGrp="1" noRot="1" noChangeAspect="1"/>
-          </p:cNvSpPr>
+          <p:cNvSpPr/>
           <p:nvPr>
-            <p:ph type="sldImg" idx="2"/>
+            <p:ph idx="2" type="sldImg"/>
           </p:nvPr>
         </p:nvSpPr>
         <p:spPr>
@@ -750,13 +733,9 @@
             <a:ext cx="6096300" cy="3429000"/>
           </a:xfrm>
           <a:custGeom>
-            <a:avLst/>
-            <a:gdLst/>
-            <a:ahLst/>
-            <a:cxnLst/>
-            <a:rect l="l" t="t" r="r" b="b"/>
+            <a:rect b="b" l="l" r="r" t="t"/>
             <a:pathLst>
-              <a:path w="120000" h="120000" extrusionOk="0">
+              <a:path extrusionOk="0" h="120000" w="120000">
                 <a:moveTo>
                   <a:pt x="0" y="0"/>
                 </a:moveTo>
@@ -778,11 +757,9 @@
       <p:sp>
         <p:nvSpPr>
           <p:cNvPr id="57" name="Google Shape;57;g6306b4f58a_2_124:notes"/>
-          <p:cNvSpPr txBox="1">
-            <a:spLocks noGrp="1"/>
-          </p:cNvSpPr>
+          <p:cNvSpPr txBox="1"/>
           <p:nvPr>
-            <p:ph type="body" idx="1"/>
+            <p:ph idx="1" type="body"/>
           </p:nvPr>
         </p:nvSpPr>
         <p:spPr>
@@ -795,12 +772,12 @@
           </a:prstGeom>
         </p:spPr>
         <p:txBody>
-          <a:bodyPr spcFirstLastPara="1" wrap="square" lIns="91425" tIns="91425" rIns="91425" bIns="91425" anchor="t" anchorCtr="0">
+          <a:bodyPr anchorCtr="0" anchor="t" bIns="91425" lIns="91425" spcFirstLastPara="1" rIns="91425" wrap="square" tIns="91425">
             <a:noAutofit/>
           </a:bodyPr>
           <a:lstStyle/>
           <a:p>
-            <a:pPr marL="0" lvl="0" indent="0" algn="l" rtl="0">
+            <a:pPr indent="0" lvl="0" marL="0" rtl="0" algn="l">
               <a:spcBef>
                 <a:spcPts val="0"/>
               </a:spcBef>
@@ -809,6 +786,9 @@
               </a:spcAft>
               <a:buNone/>
             </a:pPr>
+            <a:r>
+              <a:t/>
+            </a:r>
             <a:endParaRPr/>
           </a:p>
         </p:txBody>
@@ -822,11 +802,11 @@
 </file>
 
 <file path=ppt/notesSlides/notesSlide2.xml><?xml version="1.0" encoding="utf-8"?>
-<p:notes xmlns:a="http://schemas.openxmlformats.org/drawingml/2006/main" xmlns:r="http://schemas.openxmlformats.org/officeDocument/2006/relationships" xmlns:p="http://schemas.openxmlformats.org/presentationml/2006/main" showMasterSp="0" showMasterPhAnim="0">
+<p:notes xmlns:a="http://schemas.openxmlformats.org/drawingml/2006/main" xmlns:r="http://schemas.openxmlformats.org/officeDocument/2006/relationships" xmlns:mc="http://schemas.openxmlformats.org/markup-compatibility/2006" xmlns:mv="urn:schemas-microsoft-com:mac:vml" xmlns:p="http://schemas.openxmlformats.org/presentationml/2006/main" xmlns:c="http://schemas.openxmlformats.org/drawingml/2006/chart" xmlns:dgm="http://schemas.openxmlformats.org/drawingml/2006/diagram" xmlns:o="urn:schemas-microsoft-com:office:office" xmlns:v="urn:schemas-microsoft-com:vml" xmlns:pvml="urn:schemas-microsoft-com:office:powerpoint" xmlns:com="http://schemas.openxmlformats.org/drawingml/2006/compatibility" xmlns:p14="http://schemas.microsoft.com/office/powerpoint/2010/main" xmlns:p15="http://schemas.microsoft.com/office/powerpoint/2012/main" showMasterPhAnim="0" showMasterSp="0">
   <p:cSld>
     <p:spTree>
       <p:nvGrpSpPr>
-        <p:cNvPr id="1" name="Shape 61"/>
+        <p:cNvPr id="61" name="Shape 61"/>
         <p:cNvGrpSpPr/>
         <p:nvPr/>
       </p:nvGrpSpPr>
@@ -841,26 +821,20 @@
       <p:sp>
         <p:nvSpPr>
           <p:cNvPr id="62" name="Google Shape;62;g6306b4f58a_2_129:notes"/>
-          <p:cNvSpPr>
-            <a:spLocks noGrp="1" noRot="1" noChangeAspect="1"/>
-          </p:cNvSpPr>
+          <p:cNvSpPr/>
           <p:nvPr>
-            <p:ph type="sldImg" idx="2"/>
+            <p:ph idx="2" type="sldImg"/>
           </p:nvPr>
         </p:nvSpPr>
         <p:spPr>
           <a:xfrm>
-            <a:off x="381000" y="685800"/>
-            <a:ext cx="6096000" cy="3429000"/>
+            <a:off x="381188" y="685800"/>
+            <a:ext cx="6096300" cy="3429000"/>
           </a:xfrm>
           <a:custGeom>
-            <a:avLst/>
-            <a:gdLst/>
-            <a:ahLst/>
-            <a:cxnLst/>
-            <a:rect l="l" t="t" r="r" b="b"/>
+            <a:rect b="b" l="l" r="r" t="t"/>
             <a:pathLst>
-              <a:path w="120000" h="120000" extrusionOk="0">
+              <a:path extrusionOk="0" h="120000" w="120000">
                 <a:moveTo>
                   <a:pt x="0" y="0"/>
                 </a:moveTo>
@@ -882,11 +856,9 @@
       <p:sp>
         <p:nvSpPr>
           <p:cNvPr id="63" name="Google Shape;63;g6306b4f58a_2_129:notes"/>
-          <p:cNvSpPr txBox="1">
-            <a:spLocks noGrp="1"/>
-          </p:cNvSpPr>
+          <p:cNvSpPr txBox="1"/>
           <p:nvPr>
-            <p:ph type="body" idx="1"/>
+            <p:ph idx="1" type="body"/>
           </p:nvPr>
         </p:nvSpPr>
         <p:spPr>
@@ -899,12 +871,12 @@
           </a:prstGeom>
         </p:spPr>
         <p:txBody>
-          <a:bodyPr spcFirstLastPara="1" wrap="square" lIns="91425" tIns="91425" rIns="91425" bIns="91425" anchor="t" anchorCtr="0">
+          <a:bodyPr anchorCtr="0" anchor="t" bIns="91425" lIns="91425" spcFirstLastPara="1" rIns="91425" wrap="square" tIns="91425">
             <a:noAutofit/>
           </a:bodyPr>
           <a:lstStyle/>
           <a:p>
-            <a:pPr marL="0" lvl="0" indent="0" algn="l" rtl="0">
+            <a:pPr indent="0" lvl="0" marL="0" rtl="0" algn="l">
               <a:spcBef>
                 <a:spcPts val="0"/>
               </a:spcBef>
@@ -913,6 +885,9 @@
               </a:spcAft>
               <a:buNone/>
             </a:pPr>
+            <a:r>
+              <a:t/>
+            </a:r>
             <a:endParaRPr/>
           </a:p>
         </p:txBody>
@@ -926,11 +901,11 @@
 </file>
 
 <file path=ppt/notesSlides/notesSlide3.xml><?xml version="1.0" encoding="utf-8"?>
-<p:notes xmlns:a="http://schemas.openxmlformats.org/drawingml/2006/main" xmlns:r="http://schemas.openxmlformats.org/officeDocument/2006/relationships" xmlns:p="http://schemas.openxmlformats.org/presentationml/2006/main" showMasterSp="0" showMasterPhAnim="0">
+<p:notes xmlns:a="http://schemas.openxmlformats.org/drawingml/2006/main" xmlns:r="http://schemas.openxmlformats.org/officeDocument/2006/relationships" xmlns:mc="http://schemas.openxmlformats.org/markup-compatibility/2006" xmlns:mv="urn:schemas-microsoft-com:mac:vml" xmlns:p="http://schemas.openxmlformats.org/presentationml/2006/main" xmlns:c="http://schemas.openxmlformats.org/drawingml/2006/chart" xmlns:dgm="http://schemas.openxmlformats.org/drawingml/2006/diagram" xmlns:o="urn:schemas-microsoft-com:office:office" xmlns:v="urn:schemas-microsoft-com:vml" xmlns:pvml="urn:schemas-microsoft-com:office:powerpoint" xmlns:com="http://schemas.openxmlformats.org/drawingml/2006/compatibility" xmlns:p14="http://schemas.microsoft.com/office/powerpoint/2010/main" xmlns:p15="http://schemas.microsoft.com/office/powerpoint/2012/main" showMasterPhAnim="0" showMasterSp="0">
   <p:cSld>
     <p:spTree>
       <p:nvGrpSpPr>
-        <p:cNvPr id="1" name="Shape 81"/>
+        <p:cNvPr id="81" name="Shape 81"/>
         <p:cNvGrpSpPr/>
         <p:nvPr/>
       </p:nvGrpSpPr>
@@ -945,11 +920,9 @@
       <p:sp>
         <p:nvSpPr>
           <p:cNvPr id="82" name="Google Shape;82;g6306b4f58a_1_25:notes"/>
-          <p:cNvSpPr>
-            <a:spLocks noGrp="1" noRot="1" noChangeAspect="1"/>
-          </p:cNvSpPr>
+          <p:cNvSpPr/>
           <p:nvPr>
-            <p:ph type="sldImg" idx="2"/>
+            <p:ph idx="2" type="sldImg"/>
           </p:nvPr>
         </p:nvSpPr>
         <p:spPr>
@@ -958,13 +931,9 @@
             <a:ext cx="6096300" cy="3429000"/>
           </a:xfrm>
           <a:custGeom>
-            <a:avLst/>
-            <a:gdLst/>
-            <a:ahLst/>
-            <a:cxnLst/>
-            <a:rect l="l" t="t" r="r" b="b"/>
+            <a:rect b="b" l="l" r="r" t="t"/>
             <a:pathLst>
-              <a:path w="120000" h="120000" extrusionOk="0">
+              <a:path extrusionOk="0" h="120000" w="120000">
                 <a:moveTo>
                   <a:pt x="0" y="0"/>
                 </a:moveTo>
@@ -986,11 +955,9 @@
       <p:sp>
         <p:nvSpPr>
           <p:cNvPr id="83" name="Google Shape;83;g6306b4f58a_1_25:notes"/>
-          <p:cNvSpPr txBox="1">
-            <a:spLocks noGrp="1"/>
-          </p:cNvSpPr>
+          <p:cNvSpPr txBox="1"/>
           <p:nvPr>
-            <p:ph type="body" idx="1"/>
+            <p:ph idx="1" type="body"/>
           </p:nvPr>
         </p:nvSpPr>
         <p:spPr>
@@ -1003,12 +970,12 @@
           </a:prstGeom>
         </p:spPr>
         <p:txBody>
-          <a:bodyPr spcFirstLastPara="1" wrap="square" lIns="91425" tIns="91425" rIns="91425" bIns="91425" anchor="t" anchorCtr="0">
+          <a:bodyPr anchorCtr="0" anchor="t" bIns="91425" lIns="91425" spcFirstLastPara="1" rIns="91425" wrap="square" tIns="91425">
             <a:noAutofit/>
           </a:bodyPr>
           <a:lstStyle/>
           <a:p>
-            <a:pPr marL="0" lvl="0" indent="0" algn="l" rtl="0">
+            <a:pPr indent="0" lvl="0" marL="0" rtl="0" algn="l">
               <a:spcBef>
                 <a:spcPts val="0"/>
               </a:spcBef>
@@ -1017,6 +984,9 @@
               </a:spcAft>
               <a:buNone/>
             </a:pPr>
+            <a:r>
+              <a:t/>
+            </a:r>
             <a:endParaRPr/>
           </a:p>
         </p:txBody>
@@ -1030,11 +1000,11 @@
 </file>
 
 <file path=ppt/notesSlides/notesSlide4.xml><?xml version="1.0" encoding="utf-8"?>
-<p:notes xmlns:a="http://schemas.openxmlformats.org/drawingml/2006/main" xmlns:r="http://schemas.openxmlformats.org/officeDocument/2006/relationships" xmlns:p="http://schemas.openxmlformats.org/presentationml/2006/main" showMasterSp="0" showMasterPhAnim="0">
+<p:notes xmlns:a="http://schemas.openxmlformats.org/drawingml/2006/main" xmlns:r="http://schemas.openxmlformats.org/officeDocument/2006/relationships" xmlns:mc="http://schemas.openxmlformats.org/markup-compatibility/2006" xmlns:mv="urn:schemas-microsoft-com:mac:vml" xmlns:p="http://schemas.openxmlformats.org/presentationml/2006/main" xmlns:c="http://schemas.openxmlformats.org/drawingml/2006/chart" xmlns:dgm="http://schemas.openxmlformats.org/drawingml/2006/diagram" xmlns:o="urn:schemas-microsoft-com:office:office" xmlns:v="urn:schemas-microsoft-com:vml" xmlns:pvml="urn:schemas-microsoft-com:office:powerpoint" xmlns:com="http://schemas.openxmlformats.org/drawingml/2006/compatibility" xmlns:p14="http://schemas.microsoft.com/office/powerpoint/2010/main" xmlns:p15="http://schemas.microsoft.com/office/powerpoint/2012/main" showMasterPhAnim="0" showMasterSp="0">
   <p:cSld>
     <p:spTree>
       <p:nvGrpSpPr>
-        <p:cNvPr id="1" name="Shape 103"/>
+        <p:cNvPr id="103" name="Shape 103"/>
         <p:cNvGrpSpPr/>
         <p:nvPr/>
       </p:nvGrpSpPr>
@@ -1049,11 +1019,9 @@
       <p:sp>
         <p:nvSpPr>
           <p:cNvPr id="104" name="Google Shape;104;gc6f980f91_0_5:notes"/>
-          <p:cNvSpPr>
-            <a:spLocks noGrp="1" noRot="1" noChangeAspect="1"/>
-          </p:cNvSpPr>
+          <p:cNvSpPr/>
           <p:nvPr>
-            <p:ph type="sldImg" idx="2"/>
+            <p:ph idx="2" type="sldImg"/>
           </p:nvPr>
         </p:nvSpPr>
         <p:spPr>
@@ -1062,13 +1030,9 @@
             <a:ext cx="6096300" cy="3429000"/>
           </a:xfrm>
           <a:custGeom>
-            <a:avLst/>
-            <a:gdLst/>
-            <a:ahLst/>
-            <a:cxnLst/>
-            <a:rect l="l" t="t" r="r" b="b"/>
+            <a:rect b="b" l="l" r="r" t="t"/>
             <a:pathLst>
-              <a:path w="120000" h="120000" extrusionOk="0">
+              <a:path extrusionOk="0" h="120000" w="120000">
                 <a:moveTo>
                   <a:pt x="0" y="0"/>
                 </a:moveTo>
@@ -1090,11 +1054,9 @@
       <p:sp>
         <p:nvSpPr>
           <p:cNvPr id="105" name="Google Shape;105;gc6f980f91_0_5:notes"/>
-          <p:cNvSpPr txBox="1">
-            <a:spLocks noGrp="1"/>
-          </p:cNvSpPr>
+          <p:cNvSpPr txBox="1"/>
           <p:nvPr>
-            <p:ph type="body" idx="1"/>
+            <p:ph idx="1" type="body"/>
           </p:nvPr>
         </p:nvSpPr>
         <p:spPr>
@@ -1107,12 +1069,12 @@
           </a:prstGeom>
         </p:spPr>
         <p:txBody>
-          <a:bodyPr spcFirstLastPara="1" wrap="square" lIns="91425" tIns="91425" rIns="91425" bIns="91425" anchor="t" anchorCtr="0">
+          <a:bodyPr anchorCtr="0" anchor="t" bIns="91425" lIns="91425" spcFirstLastPara="1" rIns="91425" wrap="square" tIns="91425">
             <a:noAutofit/>
           </a:bodyPr>
           <a:lstStyle/>
           <a:p>
-            <a:pPr marL="0" lvl="0" indent="0" algn="l" rtl="0">
+            <a:pPr indent="0" lvl="0" marL="0" rtl="0" algn="l">
               <a:spcBef>
                 <a:spcPts val="0"/>
               </a:spcBef>
@@ -1121,6 +1083,9 @@
               </a:spcAft>
               <a:buNone/>
             </a:pPr>
+            <a:r>
+              <a:t/>
+            </a:r>
             <a:endParaRPr/>
           </a:p>
         </p:txBody>
@@ -1134,11 +1099,11 @@
 </file>
 
 <file path=ppt/notesSlides/notesSlide5.xml><?xml version="1.0" encoding="utf-8"?>
-<p:notes xmlns:a="http://schemas.openxmlformats.org/drawingml/2006/main" xmlns:r="http://schemas.openxmlformats.org/officeDocument/2006/relationships" xmlns:p="http://schemas.openxmlformats.org/presentationml/2006/main" showMasterSp="0" showMasterPhAnim="0">
+<p:notes xmlns:a="http://schemas.openxmlformats.org/drawingml/2006/main" xmlns:r="http://schemas.openxmlformats.org/officeDocument/2006/relationships" xmlns:mc="http://schemas.openxmlformats.org/markup-compatibility/2006" xmlns:mv="urn:schemas-microsoft-com:mac:vml" xmlns:p="http://schemas.openxmlformats.org/presentationml/2006/main" xmlns:c="http://schemas.openxmlformats.org/drawingml/2006/chart" xmlns:dgm="http://schemas.openxmlformats.org/drawingml/2006/diagram" xmlns:o="urn:schemas-microsoft-com:office:office" xmlns:v="urn:schemas-microsoft-com:vml" xmlns:pvml="urn:schemas-microsoft-com:office:powerpoint" xmlns:com="http://schemas.openxmlformats.org/drawingml/2006/compatibility" xmlns:p14="http://schemas.microsoft.com/office/powerpoint/2010/main" xmlns:p15="http://schemas.microsoft.com/office/powerpoint/2012/main" showMasterPhAnim="0" showMasterSp="0">
   <p:cSld>
     <p:spTree>
       <p:nvGrpSpPr>
-        <p:cNvPr id="1" name="Shape 121"/>
+        <p:cNvPr id="121" name="Shape 121"/>
         <p:cNvGrpSpPr/>
         <p:nvPr/>
       </p:nvGrpSpPr>
@@ -1153,11 +1118,9 @@
       <p:sp>
         <p:nvSpPr>
           <p:cNvPr id="122" name="Google Shape;122;g6306b4f58a_2_27:notes"/>
-          <p:cNvSpPr>
-            <a:spLocks noGrp="1" noRot="1" noChangeAspect="1"/>
-          </p:cNvSpPr>
+          <p:cNvSpPr/>
           <p:nvPr>
-            <p:ph type="sldImg" idx="2"/>
+            <p:ph idx="2" type="sldImg"/>
           </p:nvPr>
         </p:nvSpPr>
         <p:spPr>
@@ -1166,13 +1129,9 @@
             <a:ext cx="6096300" cy="3429000"/>
           </a:xfrm>
           <a:custGeom>
-            <a:avLst/>
-            <a:gdLst/>
-            <a:ahLst/>
-            <a:cxnLst/>
-            <a:rect l="l" t="t" r="r" b="b"/>
+            <a:rect b="b" l="l" r="r" t="t"/>
             <a:pathLst>
-              <a:path w="120000" h="120000" extrusionOk="0">
+              <a:path extrusionOk="0" h="120000" w="120000">
                 <a:moveTo>
                   <a:pt x="0" y="0"/>
                 </a:moveTo>
@@ -1194,11 +1153,9 @@
       <p:sp>
         <p:nvSpPr>
           <p:cNvPr id="123" name="Google Shape;123;g6306b4f58a_2_27:notes"/>
-          <p:cNvSpPr txBox="1">
-            <a:spLocks noGrp="1"/>
-          </p:cNvSpPr>
+          <p:cNvSpPr txBox="1"/>
           <p:nvPr>
-            <p:ph type="body" idx="1"/>
+            <p:ph idx="1" type="body"/>
           </p:nvPr>
         </p:nvSpPr>
         <p:spPr>
@@ -1211,12 +1168,12 @@
           </a:prstGeom>
         </p:spPr>
         <p:txBody>
-          <a:bodyPr spcFirstLastPara="1" wrap="square" lIns="91425" tIns="91425" rIns="91425" bIns="91425" anchor="t" anchorCtr="0">
+          <a:bodyPr anchorCtr="0" anchor="t" bIns="91425" lIns="91425" spcFirstLastPara="1" rIns="91425" wrap="square" tIns="91425">
             <a:noAutofit/>
           </a:bodyPr>
           <a:lstStyle/>
           <a:p>
-            <a:pPr marL="0" lvl="0" indent="0" algn="l" rtl="0">
+            <a:pPr indent="0" lvl="0" marL="0" rtl="0" algn="l">
               <a:spcBef>
                 <a:spcPts val="0"/>
               </a:spcBef>
@@ -1225,6 +1182,9 @@
               </a:spcAft>
               <a:buNone/>
             </a:pPr>
+            <a:r>
+              <a:t/>
+            </a:r>
             <a:endParaRPr/>
           </a:p>
         </p:txBody>
@@ -1238,11 +1198,11 @@
 </file>
 
 <file path=ppt/notesSlides/notesSlide6.xml><?xml version="1.0" encoding="utf-8"?>
-<p:notes xmlns:a="http://schemas.openxmlformats.org/drawingml/2006/main" xmlns:r="http://schemas.openxmlformats.org/officeDocument/2006/relationships" xmlns:p="http://schemas.openxmlformats.org/presentationml/2006/main" showMasterSp="0" showMasterPhAnim="0">
+<p:notes xmlns:a="http://schemas.openxmlformats.org/drawingml/2006/main" xmlns:r="http://schemas.openxmlformats.org/officeDocument/2006/relationships" xmlns:mc="http://schemas.openxmlformats.org/markup-compatibility/2006" xmlns:mv="urn:schemas-microsoft-com:mac:vml" xmlns:p="http://schemas.openxmlformats.org/presentationml/2006/main" xmlns:c="http://schemas.openxmlformats.org/drawingml/2006/chart" xmlns:dgm="http://schemas.openxmlformats.org/drawingml/2006/diagram" xmlns:o="urn:schemas-microsoft-com:office:office" xmlns:v="urn:schemas-microsoft-com:vml" xmlns:pvml="urn:schemas-microsoft-com:office:powerpoint" xmlns:com="http://schemas.openxmlformats.org/drawingml/2006/compatibility" xmlns:p14="http://schemas.microsoft.com/office/powerpoint/2010/main" xmlns:p15="http://schemas.microsoft.com/office/powerpoint/2012/main" showMasterPhAnim="0" showMasterSp="0">
   <p:cSld>
     <p:spTree>
       <p:nvGrpSpPr>
-        <p:cNvPr id="1" name="Shape 146"/>
+        <p:cNvPr id="147" name="Shape 147"/>
         <p:cNvGrpSpPr/>
         <p:nvPr/>
       </p:nvGrpSpPr>
@@ -1256,27 +1216,21 @@
       </p:grpSpPr>
       <p:sp>
         <p:nvSpPr>
-          <p:cNvPr id="147" name="Google Shape;147;g6306b4f58a_2_82:notes"/>
-          <p:cNvSpPr>
-            <a:spLocks noGrp="1" noRot="1" noChangeAspect="1"/>
-          </p:cNvSpPr>
+          <p:cNvPr id="148" name="Google Shape;148;g6306b4f58a_2_82:notes"/>
+          <p:cNvSpPr/>
           <p:nvPr>
-            <p:ph type="sldImg" idx="2"/>
+            <p:ph idx="2" type="sldImg"/>
           </p:nvPr>
         </p:nvSpPr>
         <p:spPr>
           <a:xfrm>
-            <a:off x="381000" y="685800"/>
-            <a:ext cx="6096000" cy="3429000"/>
+            <a:off x="381188" y="685800"/>
+            <a:ext cx="6096300" cy="3429000"/>
           </a:xfrm>
           <a:custGeom>
-            <a:avLst/>
-            <a:gdLst/>
-            <a:ahLst/>
-            <a:cxnLst/>
-            <a:rect l="l" t="t" r="r" b="b"/>
+            <a:rect b="b" l="l" r="r" t="t"/>
             <a:pathLst>
-              <a:path w="120000" h="120000" extrusionOk="0">
+              <a:path extrusionOk="0" h="120000" w="120000">
                 <a:moveTo>
                   <a:pt x="0" y="0"/>
                 </a:moveTo>
@@ -1297,12 +1251,10 @@
       </p:sp>
       <p:sp>
         <p:nvSpPr>
-          <p:cNvPr id="148" name="Google Shape;148;g6306b4f58a_2_82:notes"/>
-          <p:cNvSpPr txBox="1">
-            <a:spLocks noGrp="1"/>
-          </p:cNvSpPr>
+          <p:cNvPr id="149" name="Google Shape;149;g6306b4f58a_2_82:notes"/>
+          <p:cNvSpPr txBox="1"/>
           <p:nvPr>
-            <p:ph type="body" idx="1"/>
+            <p:ph idx="1" type="body"/>
           </p:nvPr>
         </p:nvSpPr>
         <p:spPr>
@@ -1315,12 +1267,12 @@
           </a:prstGeom>
         </p:spPr>
         <p:txBody>
-          <a:bodyPr spcFirstLastPara="1" wrap="square" lIns="91425" tIns="91425" rIns="91425" bIns="91425" anchor="t" anchorCtr="0">
+          <a:bodyPr anchorCtr="0" anchor="t" bIns="91425" lIns="91425" spcFirstLastPara="1" rIns="91425" wrap="square" tIns="91425">
             <a:noAutofit/>
           </a:bodyPr>
           <a:lstStyle/>
           <a:p>
-            <a:pPr marL="0" lvl="0" indent="0" algn="l" rtl="0">
+            <a:pPr indent="0" lvl="0" marL="0" rtl="0" algn="l">
               <a:spcBef>
                 <a:spcPts val="0"/>
               </a:spcBef>
@@ -1329,6 +1281,9 @@
               </a:spcAft>
               <a:buNone/>
             </a:pPr>
+            <a:r>
+              <a:t/>
+            </a:r>
             <a:endParaRPr/>
           </a:p>
         </p:txBody>
@@ -1342,11 +1297,11 @@
 </file>
 
 <file path=ppt/slideLayouts/slideLayout1.xml><?xml version="1.0" encoding="utf-8"?>
-<p:sldLayout xmlns:a="http://schemas.openxmlformats.org/drawingml/2006/main" xmlns:r="http://schemas.openxmlformats.org/officeDocument/2006/relationships" xmlns:p="http://schemas.openxmlformats.org/presentationml/2006/main" matchingName="Title slide" type="title">
+<p:sldLayout xmlns:a="http://schemas.openxmlformats.org/drawingml/2006/main" xmlns:r="http://schemas.openxmlformats.org/officeDocument/2006/relationships" xmlns:mc="http://schemas.openxmlformats.org/markup-compatibility/2006" xmlns:mv="urn:schemas-microsoft-com:mac:vml" xmlns:p="http://schemas.openxmlformats.org/presentationml/2006/main" xmlns:c="http://schemas.openxmlformats.org/drawingml/2006/chart" xmlns:dgm="http://schemas.openxmlformats.org/drawingml/2006/diagram" xmlns:o="urn:schemas-microsoft-com:office:office" xmlns:v="urn:schemas-microsoft-com:vml" xmlns:pvml="urn:schemas-microsoft-com:office:powerpoint" xmlns:com="http://schemas.openxmlformats.org/drawingml/2006/compatibility" xmlns:p14="http://schemas.microsoft.com/office/powerpoint/2010/main" xmlns:p15="http://schemas.microsoft.com/office/powerpoint/2012/main" matchingName="Title slide" type="title">
   <p:cSld name="TITLE">
     <p:spTree>
       <p:nvGrpSpPr>
-        <p:cNvPr id="1" name="Shape 9"/>
+        <p:cNvPr id="9" name="Shape 9"/>
         <p:cNvGrpSpPr/>
         <p:nvPr/>
       </p:nvGrpSpPr>
@@ -1394,12 +1349,12 @@
             </a:ln>
           </p:spPr>
           <p:txBody>
-            <a:bodyPr spcFirstLastPara="1" wrap="square" lIns="91425" tIns="91425" rIns="91425" bIns="91425" anchor="ctr" anchorCtr="0">
+            <a:bodyPr anchorCtr="0" anchor="ctr" bIns="91425" lIns="91425" spcFirstLastPara="1" rIns="91425" wrap="square" tIns="91425">
               <a:noAutofit/>
             </a:bodyPr>
             <a:lstStyle/>
             <a:p>
-              <a:pPr marL="0" lvl="0" indent="0" algn="l" rtl="0">
+              <a:pPr indent="0" lvl="0" marL="0" rtl="0" algn="l">
                 <a:spcBef>
                   <a:spcPts val="0"/>
                 </a:spcBef>
@@ -1408,6 +1363,9 @@
                 </a:spcAft>
                 <a:buNone/>
               </a:pPr>
+              <a:r>
+                <a:t/>
+              </a:r>
               <a:endParaRPr/>
             </a:p>
           </p:txBody>
@@ -1434,12 +1392,12 @@
             </a:ln>
           </p:spPr>
           <p:txBody>
-            <a:bodyPr spcFirstLastPara="1" wrap="square" lIns="91425" tIns="91425" rIns="91425" bIns="91425" anchor="ctr" anchorCtr="0">
+            <a:bodyPr anchorCtr="0" anchor="ctr" bIns="91425" lIns="91425" spcFirstLastPara="1" rIns="91425" wrap="square" tIns="91425">
               <a:noAutofit/>
             </a:bodyPr>
             <a:lstStyle/>
             <a:p>
-              <a:pPr marL="0" lvl="0" indent="0" algn="l" rtl="0">
+              <a:pPr indent="0" lvl="0" marL="0" rtl="0" algn="l">
                 <a:spcBef>
                   <a:spcPts val="0"/>
                 </a:spcBef>
@@ -1448,6 +1406,9 @@
                 </a:spcAft>
                 <a:buNone/>
               </a:pPr>
+              <a:r>
+                <a:t/>
+              </a:r>
               <a:endParaRPr/>
             </a:p>
           </p:txBody>
@@ -1474,12 +1435,12 @@
             </a:ln>
           </p:spPr>
           <p:txBody>
-            <a:bodyPr spcFirstLastPara="1" wrap="square" lIns="91425" tIns="91425" rIns="91425" bIns="91425" anchor="ctr" anchorCtr="0">
+            <a:bodyPr anchorCtr="0" anchor="ctr" bIns="91425" lIns="91425" spcFirstLastPara="1" rIns="91425" wrap="square" tIns="91425">
               <a:noAutofit/>
             </a:bodyPr>
             <a:lstStyle/>
             <a:p>
-              <a:pPr marL="0" lvl="0" indent="0" algn="l" rtl="0">
+              <a:pPr indent="0" lvl="0" marL="0" rtl="0" algn="l">
                 <a:spcBef>
                   <a:spcPts val="0"/>
                 </a:spcBef>
@@ -1488,6 +1449,9 @@
                 </a:spcAft>
                 <a:buNone/>
               </a:pPr>
+              <a:r>
+                <a:t/>
+              </a:r>
               <a:endParaRPr/>
             </a:p>
           </p:txBody>
@@ -1496,9 +1460,7 @@
       <p:sp>
         <p:nvSpPr>
           <p:cNvPr id="14" name="Google Shape;14;p2"/>
-          <p:cNvSpPr txBox="1">
-            <a:spLocks noGrp="1"/>
-          </p:cNvSpPr>
+          <p:cNvSpPr txBox="1"/>
           <p:nvPr>
             <p:ph type="ctrTitle"/>
           </p:nvPr>
@@ -1513,7 +1475,7 @@
           </a:prstGeom>
         </p:spPr>
         <p:txBody>
-          <a:bodyPr spcFirstLastPara="1" wrap="square" lIns="91425" tIns="91425" rIns="91425" bIns="91425" anchor="b" anchorCtr="0">
+          <a:bodyPr anchorCtr="0" anchor="b" bIns="91425" lIns="91425" spcFirstLastPara="1" rIns="91425" wrap="square" tIns="91425">
             <a:noAutofit/>
           </a:bodyPr>
           <a:lstStyle>
@@ -1617,19 +1579,15 @@
               <a:defRPr sz="4800"/>
             </a:lvl9pPr>
           </a:lstStyle>
-          <a:p>
-            <a:endParaRPr/>
-          </a:p>
+          <a:p/>
         </p:txBody>
       </p:sp>
       <p:sp>
         <p:nvSpPr>
           <p:cNvPr id="15" name="Google Shape;15;p2"/>
-          <p:cNvSpPr txBox="1">
-            <a:spLocks noGrp="1"/>
-          </p:cNvSpPr>
+          <p:cNvSpPr txBox="1"/>
           <p:nvPr>
-            <p:ph type="subTitle" idx="1"/>
+            <p:ph idx="1" type="subTitle"/>
           </p:nvPr>
         </p:nvSpPr>
         <p:spPr>
@@ -1642,7 +1600,7 @@
           </a:prstGeom>
         </p:spPr>
         <p:txBody>
-          <a:bodyPr spcFirstLastPara="1" wrap="square" lIns="91425" tIns="91425" rIns="91425" bIns="91425" anchor="t" anchorCtr="0">
+          <a:bodyPr anchorCtr="0" anchor="t" bIns="91425" lIns="91425" spcFirstLastPara="1" rIns="91425" wrap="square" tIns="91425">
             <a:noAutofit/>
           </a:bodyPr>
           <a:lstStyle>
@@ -1773,19 +1731,15 @@
               <a:defRPr sz="2100"/>
             </a:lvl9pPr>
           </a:lstStyle>
-          <a:p>
-            <a:endParaRPr/>
-          </a:p>
+          <a:p/>
         </p:txBody>
       </p:sp>
       <p:sp>
         <p:nvSpPr>
           <p:cNvPr id="16" name="Google Shape;16;p2"/>
-          <p:cNvSpPr txBox="1">
-            <a:spLocks noGrp="1"/>
-          </p:cNvSpPr>
+          <p:cNvSpPr txBox="1"/>
           <p:nvPr>
-            <p:ph type="sldNum" idx="12"/>
+            <p:ph idx="12" type="sldNum"/>
           </p:nvPr>
         </p:nvSpPr>
         <p:spPr>
@@ -1798,7 +1752,7 @@
           </a:prstGeom>
         </p:spPr>
         <p:txBody>
-          <a:bodyPr spcFirstLastPara="1" wrap="square" lIns="91425" tIns="91425" rIns="91425" bIns="91425" anchor="ctr" anchorCtr="0">
+          <a:bodyPr anchorCtr="0" anchor="ctr" bIns="91425" lIns="91425" spcFirstLastPara="1" rIns="91425" wrap="square" tIns="91425">
             <a:noAutofit/>
           </a:bodyPr>
           <a:lstStyle>
@@ -1840,7 +1794,7 @@
             </a:lvl9pPr>
           </a:lstStyle>
           <a:p>
-            <a:pPr marL="0" lvl="0" indent="0" algn="r" rtl="0">
+            <a:pPr indent="0" lvl="0" marL="0" rtl="0" algn="r">
               <a:spcBef>
                 <a:spcPts val="0"/>
               </a:spcBef>
@@ -1866,11 +1820,11 @@
 </file>
 
 <file path=ppt/slideLayouts/slideLayout10.xml><?xml version="1.0" encoding="utf-8"?>
-<p:sldLayout xmlns:a="http://schemas.openxmlformats.org/drawingml/2006/main" xmlns:r="http://schemas.openxmlformats.org/officeDocument/2006/relationships" xmlns:p="http://schemas.openxmlformats.org/presentationml/2006/main" matchingName="Big number">
+<p:sldLayout xmlns:a="http://schemas.openxmlformats.org/drawingml/2006/main" xmlns:r="http://schemas.openxmlformats.org/officeDocument/2006/relationships" xmlns:mc="http://schemas.openxmlformats.org/markup-compatibility/2006" xmlns:mv="urn:schemas-microsoft-com:mac:vml" xmlns:p="http://schemas.openxmlformats.org/presentationml/2006/main" xmlns:c="http://schemas.openxmlformats.org/drawingml/2006/chart" xmlns:dgm="http://schemas.openxmlformats.org/drawingml/2006/diagram" xmlns:o="urn:schemas-microsoft-com:office:office" xmlns:v="urn:schemas-microsoft-com:vml" xmlns:pvml="urn:schemas-microsoft-com:office:powerpoint" xmlns:com="http://schemas.openxmlformats.org/drawingml/2006/compatibility" xmlns:p14="http://schemas.microsoft.com/office/powerpoint/2010/main" xmlns:p15="http://schemas.microsoft.com/office/powerpoint/2012/main" matchingName="Big number">
   <p:cSld name="BIG_NUMBER">
     <p:spTree>
       <p:nvGrpSpPr>
-        <p:cNvPr id="1" name="Shape 49"/>
+        <p:cNvPr id="49" name="Shape 49"/>
         <p:cNvGrpSpPr/>
         <p:nvPr/>
       </p:nvGrpSpPr>
@@ -1885,11 +1839,9 @@
       <p:sp>
         <p:nvSpPr>
           <p:cNvPr id="50" name="Google Shape;50;p11"/>
-          <p:cNvSpPr txBox="1">
-            <a:spLocks noGrp="1"/>
-          </p:cNvSpPr>
+          <p:cNvSpPr txBox="1"/>
           <p:nvPr>
-            <p:ph type="title" hasCustomPrompt="1"/>
+            <p:ph hasCustomPrompt="1" type="title"/>
           </p:nvPr>
         </p:nvSpPr>
         <p:spPr>
@@ -1902,7 +1854,7 @@
           </a:prstGeom>
         </p:spPr>
         <p:txBody>
-          <a:bodyPr spcFirstLastPara="1" wrap="square" lIns="91425" tIns="91425" rIns="91425" bIns="91425" anchor="b" anchorCtr="0">
+          <a:bodyPr anchorCtr="0" anchor="b" bIns="91425" lIns="91425" spcFirstLastPara="1" rIns="91425" wrap="square" tIns="91425">
             <a:noAutofit/>
           </a:bodyPr>
           <a:lstStyle>
@@ -2016,11 +1968,9 @@
       <p:sp>
         <p:nvSpPr>
           <p:cNvPr id="51" name="Google Shape;51;p11"/>
-          <p:cNvSpPr txBox="1">
-            <a:spLocks noGrp="1"/>
-          </p:cNvSpPr>
+          <p:cNvSpPr txBox="1"/>
           <p:nvPr>
-            <p:ph type="body" idx="1"/>
+            <p:ph idx="1" type="body"/>
           </p:nvPr>
         </p:nvSpPr>
         <p:spPr>
@@ -2033,11 +1983,11 @@
           </a:prstGeom>
         </p:spPr>
         <p:txBody>
-          <a:bodyPr spcFirstLastPara="1" wrap="square" lIns="91425" tIns="91425" rIns="91425" bIns="91425" anchor="t" anchorCtr="0">
+          <a:bodyPr anchorCtr="0" anchor="t" bIns="91425" lIns="91425" spcFirstLastPara="1" rIns="91425" wrap="square" tIns="91425">
             <a:noAutofit/>
           </a:bodyPr>
           <a:lstStyle>
-            <a:lvl1pPr marL="457200" lvl="0" indent="-342900" algn="ctr">
+            <a:lvl1pPr indent="-342900" lvl="0" marL="457200" algn="ctr">
               <a:spcBef>
                 <a:spcPts val="0"/>
               </a:spcBef>
@@ -2048,7 +1998,7 @@
               <a:buChar char="●"/>
               <a:defRPr/>
             </a:lvl1pPr>
-            <a:lvl2pPr marL="914400" lvl="1" indent="-317500" algn="ctr">
+            <a:lvl2pPr indent="-317500" lvl="1" marL="914400" algn="ctr">
               <a:spcBef>
                 <a:spcPts val="1600"/>
               </a:spcBef>
@@ -2059,7 +2009,7 @@
               <a:buChar char="○"/>
               <a:defRPr/>
             </a:lvl2pPr>
-            <a:lvl3pPr marL="1371600" lvl="2" indent="-317500" algn="ctr">
+            <a:lvl3pPr indent="-317500" lvl="2" marL="1371600" algn="ctr">
               <a:spcBef>
                 <a:spcPts val="1600"/>
               </a:spcBef>
@@ -2070,7 +2020,7 @@
               <a:buChar char="■"/>
               <a:defRPr/>
             </a:lvl3pPr>
-            <a:lvl4pPr marL="1828800" lvl="3" indent="-317500" algn="ctr">
+            <a:lvl4pPr indent="-317500" lvl="3" marL="1828800" algn="ctr">
               <a:spcBef>
                 <a:spcPts val="1600"/>
               </a:spcBef>
@@ -2081,7 +2031,7 @@
               <a:buChar char="●"/>
               <a:defRPr/>
             </a:lvl4pPr>
-            <a:lvl5pPr marL="2286000" lvl="4" indent="-317500" algn="ctr">
+            <a:lvl5pPr indent="-317500" lvl="4" marL="2286000" algn="ctr">
               <a:spcBef>
                 <a:spcPts val="1600"/>
               </a:spcBef>
@@ -2092,7 +2042,7 @@
               <a:buChar char="○"/>
               <a:defRPr/>
             </a:lvl5pPr>
-            <a:lvl6pPr marL="2743200" lvl="5" indent="-317500" algn="ctr">
+            <a:lvl6pPr indent="-317500" lvl="5" marL="2743200" algn="ctr">
               <a:spcBef>
                 <a:spcPts val="1600"/>
               </a:spcBef>
@@ -2103,7 +2053,7 @@
               <a:buChar char="■"/>
               <a:defRPr/>
             </a:lvl6pPr>
-            <a:lvl7pPr marL="3200400" lvl="6" indent="-317500" algn="ctr">
+            <a:lvl7pPr indent="-317500" lvl="6" marL="3200400" algn="ctr">
               <a:spcBef>
                 <a:spcPts val="1600"/>
               </a:spcBef>
@@ -2114,7 +2064,7 @@
               <a:buChar char="●"/>
               <a:defRPr/>
             </a:lvl7pPr>
-            <a:lvl8pPr marL="3657600" lvl="7" indent="-317500" algn="ctr">
+            <a:lvl8pPr indent="-317500" lvl="7" marL="3657600" algn="ctr">
               <a:spcBef>
                 <a:spcPts val="1600"/>
               </a:spcBef>
@@ -2125,7 +2075,7 @@
               <a:buChar char="○"/>
               <a:defRPr/>
             </a:lvl8pPr>
-            <a:lvl9pPr marL="4114800" lvl="8" indent="-317500" algn="ctr">
+            <a:lvl9pPr indent="-317500" lvl="8" marL="4114800" algn="ctr">
               <a:spcBef>
                 <a:spcPts val="1600"/>
               </a:spcBef>
@@ -2137,19 +2087,15 @@
               <a:defRPr/>
             </a:lvl9pPr>
           </a:lstStyle>
-          <a:p>
-            <a:endParaRPr/>
-          </a:p>
+          <a:p/>
         </p:txBody>
       </p:sp>
       <p:sp>
         <p:nvSpPr>
           <p:cNvPr id="52" name="Google Shape;52;p11"/>
-          <p:cNvSpPr txBox="1">
-            <a:spLocks noGrp="1"/>
-          </p:cNvSpPr>
+          <p:cNvSpPr txBox="1"/>
           <p:nvPr>
-            <p:ph type="sldNum" idx="12"/>
+            <p:ph idx="12" type="sldNum"/>
           </p:nvPr>
         </p:nvSpPr>
         <p:spPr>
@@ -2162,7 +2108,7 @@
           </a:prstGeom>
         </p:spPr>
         <p:txBody>
-          <a:bodyPr spcFirstLastPara="1" wrap="square" lIns="91425" tIns="91425" rIns="91425" bIns="91425" anchor="ctr" anchorCtr="0">
+          <a:bodyPr anchorCtr="0" anchor="ctr" bIns="91425" lIns="91425" spcFirstLastPara="1" rIns="91425" wrap="square" tIns="91425">
             <a:noAutofit/>
           </a:bodyPr>
           <a:lstStyle>
@@ -2204,7 +2150,7 @@
             </a:lvl9pPr>
           </a:lstStyle>
           <a:p>
-            <a:pPr marL="0" lvl="0" indent="0" algn="r" rtl="0">
+            <a:pPr indent="0" lvl="0" marL="0" rtl="0" algn="r">
               <a:spcBef>
                 <a:spcPts val="0"/>
               </a:spcBef>
@@ -2230,11 +2176,11 @@
 </file>
 
 <file path=ppt/slideLayouts/slideLayout11.xml><?xml version="1.0" encoding="utf-8"?>
-<p:sldLayout xmlns:a="http://schemas.openxmlformats.org/drawingml/2006/main" xmlns:r="http://schemas.openxmlformats.org/officeDocument/2006/relationships" xmlns:p="http://schemas.openxmlformats.org/presentationml/2006/main" matchingName="Blank" type="blank">
+<p:sldLayout xmlns:a="http://schemas.openxmlformats.org/drawingml/2006/main" xmlns:r="http://schemas.openxmlformats.org/officeDocument/2006/relationships" xmlns:mc="http://schemas.openxmlformats.org/markup-compatibility/2006" xmlns:mv="urn:schemas-microsoft-com:mac:vml" xmlns:p="http://schemas.openxmlformats.org/presentationml/2006/main" xmlns:c="http://schemas.openxmlformats.org/drawingml/2006/chart" xmlns:dgm="http://schemas.openxmlformats.org/drawingml/2006/diagram" xmlns:o="urn:schemas-microsoft-com:office:office" xmlns:v="urn:schemas-microsoft-com:vml" xmlns:pvml="urn:schemas-microsoft-com:office:powerpoint" xmlns:com="http://schemas.openxmlformats.org/drawingml/2006/compatibility" xmlns:p14="http://schemas.microsoft.com/office/powerpoint/2010/main" xmlns:p15="http://schemas.microsoft.com/office/powerpoint/2012/main" matchingName="Blank" type="blank">
   <p:cSld name="BLANK">
     <p:spTree>
       <p:nvGrpSpPr>
-        <p:cNvPr id="1" name="Shape 53"/>
+        <p:cNvPr id="53" name="Shape 53"/>
         <p:cNvGrpSpPr/>
         <p:nvPr/>
       </p:nvGrpSpPr>
@@ -2249,11 +2195,9 @@
       <p:sp>
         <p:nvSpPr>
           <p:cNvPr id="54" name="Google Shape;54;p12"/>
-          <p:cNvSpPr txBox="1">
-            <a:spLocks noGrp="1"/>
-          </p:cNvSpPr>
+          <p:cNvSpPr txBox="1"/>
           <p:nvPr>
-            <p:ph type="sldNum" idx="12"/>
+            <p:ph idx="12" type="sldNum"/>
           </p:nvPr>
         </p:nvSpPr>
         <p:spPr>
@@ -2266,7 +2210,7 @@
           </a:prstGeom>
         </p:spPr>
         <p:txBody>
-          <a:bodyPr spcFirstLastPara="1" wrap="square" lIns="91425" tIns="91425" rIns="91425" bIns="91425" anchor="ctr" anchorCtr="0">
+          <a:bodyPr anchorCtr="0" anchor="ctr" bIns="91425" lIns="91425" spcFirstLastPara="1" rIns="91425" wrap="square" tIns="91425">
             <a:noAutofit/>
           </a:bodyPr>
           <a:lstStyle>
@@ -2308,7 +2252,7 @@
             </a:lvl9pPr>
           </a:lstStyle>
           <a:p>
-            <a:pPr marL="0" lvl="0" indent="0" algn="r" rtl="0">
+            <a:pPr indent="0" lvl="0" marL="0" rtl="0" algn="r">
               <a:spcBef>
                 <a:spcPts val="0"/>
               </a:spcBef>
@@ -2334,11 +2278,11 @@
 </file>
 
 <file path=ppt/slideLayouts/slideLayout2.xml><?xml version="1.0" encoding="utf-8"?>
-<p:sldLayout xmlns:a="http://schemas.openxmlformats.org/drawingml/2006/main" xmlns:r="http://schemas.openxmlformats.org/officeDocument/2006/relationships" xmlns:p="http://schemas.openxmlformats.org/presentationml/2006/main" matchingName="Section header" type="secHead">
+<p:sldLayout xmlns:a="http://schemas.openxmlformats.org/drawingml/2006/main" xmlns:r="http://schemas.openxmlformats.org/officeDocument/2006/relationships" xmlns:mc="http://schemas.openxmlformats.org/markup-compatibility/2006" xmlns:mv="urn:schemas-microsoft-com:mac:vml" xmlns:p="http://schemas.openxmlformats.org/presentationml/2006/main" xmlns:c="http://schemas.openxmlformats.org/drawingml/2006/chart" xmlns:dgm="http://schemas.openxmlformats.org/drawingml/2006/diagram" xmlns:o="urn:schemas-microsoft-com:office:office" xmlns:v="urn:schemas-microsoft-com:vml" xmlns:pvml="urn:schemas-microsoft-com:office:powerpoint" xmlns:com="http://schemas.openxmlformats.org/drawingml/2006/compatibility" xmlns:p14="http://schemas.microsoft.com/office/powerpoint/2010/main" xmlns:p15="http://schemas.microsoft.com/office/powerpoint/2012/main" matchingName="Section header" type="secHead">
   <p:cSld name="SECTION_HEADER">
     <p:spTree>
       <p:nvGrpSpPr>
-        <p:cNvPr id="1" name="Shape 17"/>
+        <p:cNvPr id="17" name="Shape 17"/>
         <p:cNvGrpSpPr/>
         <p:nvPr/>
       </p:nvGrpSpPr>
@@ -2353,9 +2297,7 @@
       <p:sp>
         <p:nvSpPr>
           <p:cNvPr id="18" name="Google Shape;18;p3"/>
-          <p:cNvSpPr txBox="1">
-            <a:spLocks noGrp="1"/>
-          </p:cNvSpPr>
+          <p:cNvSpPr txBox="1"/>
           <p:nvPr>
             <p:ph type="title"/>
           </p:nvPr>
@@ -2370,7 +2312,7 @@
           </a:prstGeom>
         </p:spPr>
         <p:txBody>
-          <a:bodyPr spcFirstLastPara="1" wrap="square" lIns="91425" tIns="91425" rIns="91425" bIns="91425" anchor="ctr" anchorCtr="0">
+          <a:bodyPr anchorCtr="0" anchor="ctr" bIns="91425" lIns="91425" spcFirstLastPara="1" rIns="91425" wrap="square" tIns="91425">
             <a:noAutofit/>
           </a:bodyPr>
           <a:lstStyle>
@@ -2474,19 +2416,15 @@
               <a:defRPr sz="3600"/>
             </a:lvl9pPr>
           </a:lstStyle>
-          <a:p>
-            <a:endParaRPr/>
-          </a:p>
+          <a:p/>
         </p:txBody>
       </p:sp>
       <p:sp>
         <p:nvSpPr>
           <p:cNvPr id="19" name="Google Shape;19;p3"/>
-          <p:cNvSpPr txBox="1">
-            <a:spLocks noGrp="1"/>
-          </p:cNvSpPr>
+          <p:cNvSpPr txBox="1"/>
           <p:nvPr>
-            <p:ph type="sldNum" idx="12"/>
+            <p:ph idx="12" type="sldNum"/>
           </p:nvPr>
         </p:nvSpPr>
         <p:spPr>
@@ -2499,7 +2437,7 @@
           </a:prstGeom>
         </p:spPr>
         <p:txBody>
-          <a:bodyPr spcFirstLastPara="1" wrap="square" lIns="91425" tIns="91425" rIns="91425" bIns="91425" anchor="ctr" anchorCtr="0">
+          <a:bodyPr anchorCtr="0" anchor="ctr" bIns="91425" lIns="91425" spcFirstLastPara="1" rIns="91425" wrap="square" tIns="91425">
             <a:noAutofit/>
           </a:bodyPr>
           <a:lstStyle>
@@ -2541,7 +2479,7 @@
             </a:lvl9pPr>
           </a:lstStyle>
           <a:p>
-            <a:pPr marL="0" lvl="0" indent="0" algn="r" rtl="0">
+            <a:pPr indent="0" lvl="0" marL="0" rtl="0" algn="r">
               <a:spcBef>
                 <a:spcPts val="0"/>
               </a:spcBef>
@@ -2567,11 +2505,11 @@
 </file>
 
 <file path=ppt/slideLayouts/slideLayout3.xml><?xml version="1.0" encoding="utf-8"?>
-<p:sldLayout xmlns:a="http://schemas.openxmlformats.org/drawingml/2006/main" xmlns:r="http://schemas.openxmlformats.org/officeDocument/2006/relationships" xmlns:p="http://schemas.openxmlformats.org/presentationml/2006/main" matchingName="Title and body" type="tx">
+<p:sldLayout xmlns:a="http://schemas.openxmlformats.org/drawingml/2006/main" xmlns:r="http://schemas.openxmlformats.org/officeDocument/2006/relationships" xmlns:mc="http://schemas.openxmlformats.org/markup-compatibility/2006" xmlns:mv="urn:schemas-microsoft-com:mac:vml" xmlns:p="http://schemas.openxmlformats.org/presentationml/2006/main" xmlns:c="http://schemas.openxmlformats.org/drawingml/2006/chart" xmlns:dgm="http://schemas.openxmlformats.org/drawingml/2006/diagram" xmlns:o="urn:schemas-microsoft-com:office:office" xmlns:v="urn:schemas-microsoft-com:vml" xmlns:pvml="urn:schemas-microsoft-com:office:powerpoint" xmlns:com="http://schemas.openxmlformats.org/drawingml/2006/compatibility" xmlns:p14="http://schemas.microsoft.com/office/powerpoint/2010/main" xmlns:p15="http://schemas.microsoft.com/office/powerpoint/2012/main" matchingName="Title and body" type="tx">
   <p:cSld name="TITLE_AND_BODY">
     <p:spTree>
       <p:nvGrpSpPr>
-        <p:cNvPr id="1" name="Shape 20"/>
+        <p:cNvPr id="20" name="Shape 20"/>
         <p:cNvGrpSpPr/>
         <p:nvPr/>
       </p:nvGrpSpPr>
@@ -2586,9 +2524,7 @@
       <p:sp>
         <p:nvSpPr>
           <p:cNvPr id="21" name="Google Shape;21;p4"/>
-          <p:cNvSpPr txBox="1">
-            <a:spLocks noGrp="1"/>
-          </p:cNvSpPr>
+          <p:cNvSpPr txBox="1"/>
           <p:nvPr>
             <p:ph type="title"/>
           </p:nvPr>
@@ -2603,7 +2539,7 @@
           </a:prstGeom>
         </p:spPr>
         <p:txBody>
-          <a:bodyPr spcFirstLastPara="1" wrap="square" lIns="91425" tIns="91425" rIns="91425" bIns="91425" anchor="t" anchorCtr="0">
+          <a:bodyPr anchorCtr="0" anchor="t" bIns="91425" lIns="91425" spcFirstLastPara="1" rIns="91425" wrap="square" tIns="91425">
             <a:noAutofit/>
           </a:bodyPr>
           <a:lstStyle>
@@ -2707,19 +2643,15 @@
               <a:defRPr/>
             </a:lvl9pPr>
           </a:lstStyle>
-          <a:p>
-            <a:endParaRPr/>
-          </a:p>
+          <a:p/>
         </p:txBody>
       </p:sp>
       <p:sp>
         <p:nvSpPr>
           <p:cNvPr id="22" name="Google Shape;22;p4"/>
-          <p:cNvSpPr txBox="1">
-            <a:spLocks noGrp="1"/>
-          </p:cNvSpPr>
+          <p:cNvSpPr txBox="1"/>
           <p:nvPr>
-            <p:ph type="body" idx="1"/>
+            <p:ph idx="1" type="body"/>
           </p:nvPr>
         </p:nvSpPr>
         <p:spPr>
@@ -2732,11 +2664,11 @@
           </a:prstGeom>
         </p:spPr>
         <p:txBody>
-          <a:bodyPr spcFirstLastPara="1" wrap="square" lIns="91425" tIns="91425" rIns="91425" bIns="91425" anchor="t" anchorCtr="0">
+          <a:bodyPr anchorCtr="0" anchor="t" bIns="91425" lIns="91425" spcFirstLastPara="1" rIns="91425" wrap="square" tIns="91425">
             <a:noAutofit/>
           </a:bodyPr>
           <a:lstStyle>
-            <a:lvl1pPr marL="457200" lvl="0" indent="-342900">
+            <a:lvl1pPr indent="-342900" lvl="0" marL="457200">
               <a:spcBef>
                 <a:spcPts val="0"/>
               </a:spcBef>
@@ -2747,7 +2679,7 @@
               <a:buChar char="●"/>
               <a:defRPr/>
             </a:lvl1pPr>
-            <a:lvl2pPr marL="914400" lvl="1" indent="-317500">
+            <a:lvl2pPr indent="-317500" lvl="1" marL="914400">
               <a:spcBef>
                 <a:spcPts val="1600"/>
               </a:spcBef>
@@ -2758,7 +2690,7 @@
               <a:buChar char="○"/>
               <a:defRPr/>
             </a:lvl2pPr>
-            <a:lvl3pPr marL="1371600" lvl="2" indent="-317500">
+            <a:lvl3pPr indent="-317500" lvl="2" marL="1371600">
               <a:spcBef>
                 <a:spcPts val="1600"/>
               </a:spcBef>
@@ -2769,7 +2701,7 @@
               <a:buChar char="■"/>
               <a:defRPr/>
             </a:lvl3pPr>
-            <a:lvl4pPr marL="1828800" lvl="3" indent="-317500">
+            <a:lvl4pPr indent="-317500" lvl="3" marL="1828800">
               <a:spcBef>
                 <a:spcPts val="1600"/>
               </a:spcBef>
@@ -2780,7 +2712,7 @@
               <a:buChar char="●"/>
               <a:defRPr/>
             </a:lvl4pPr>
-            <a:lvl5pPr marL="2286000" lvl="4" indent="-317500">
+            <a:lvl5pPr indent="-317500" lvl="4" marL="2286000">
               <a:spcBef>
                 <a:spcPts val="1600"/>
               </a:spcBef>
@@ -2791,7 +2723,7 @@
               <a:buChar char="○"/>
               <a:defRPr/>
             </a:lvl5pPr>
-            <a:lvl6pPr marL="2743200" lvl="5" indent="-317500">
+            <a:lvl6pPr indent="-317500" lvl="5" marL="2743200">
               <a:spcBef>
                 <a:spcPts val="1600"/>
               </a:spcBef>
@@ -2802,7 +2734,7 @@
               <a:buChar char="■"/>
               <a:defRPr/>
             </a:lvl6pPr>
-            <a:lvl7pPr marL="3200400" lvl="6" indent="-317500">
+            <a:lvl7pPr indent="-317500" lvl="6" marL="3200400">
               <a:spcBef>
                 <a:spcPts val="1600"/>
               </a:spcBef>
@@ -2813,7 +2745,7 @@
               <a:buChar char="●"/>
               <a:defRPr/>
             </a:lvl7pPr>
-            <a:lvl8pPr marL="3657600" lvl="7" indent="-317500">
+            <a:lvl8pPr indent="-317500" lvl="7" marL="3657600">
               <a:spcBef>
                 <a:spcPts val="1600"/>
               </a:spcBef>
@@ -2824,7 +2756,7 @@
               <a:buChar char="○"/>
               <a:defRPr/>
             </a:lvl8pPr>
-            <a:lvl9pPr marL="4114800" lvl="8" indent="-317500">
+            <a:lvl9pPr indent="-317500" lvl="8" marL="4114800">
               <a:spcBef>
                 <a:spcPts val="1600"/>
               </a:spcBef>
@@ -2836,19 +2768,15 @@
               <a:defRPr/>
             </a:lvl9pPr>
           </a:lstStyle>
-          <a:p>
-            <a:endParaRPr/>
-          </a:p>
+          <a:p/>
         </p:txBody>
       </p:sp>
       <p:sp>
         <p:nvSpPr>
           <p:cNvPr id="23" name="Google Shape;23;p4"/>
-          <p:cNvSpPr txBox="1">
-            <a:spLocks noGrp="1"/>
-          </p:cNvSpPr>
+          <p:cNvSpPr txBox="1"/>
           <p:nvPr>
-            <p:ph type="sldNum" idx="12"/>
+            <p:ph idx="12" type="sldNum"/>
           </p:nvPr>
         </p:nvSpPr>
         <p:spPr>
@@ -2861,7 +2789,7 @@
           </a:prstGeom>
         </p:spPr>
         <p:txBody>
-          <a:bodyPr spcFirstLastPara="1" wrap="square" lIns="91425" tIns="91425" rIns="91425" bIns="91425" anchor="ctr" anchorCtr="0">
+          <a:bodyPr anchorCtr="0" anchor="ctr" bIns="91425" lIns="91425" spcFirstLastPara="1" rIns="91425" wrap="square" tIns="91425">
             <a:noAutofit/>
           </a:bodyPr>
           <a:lstStyle>
@@ -2903,7 +2831,7 @@
             </a:lvl9pPr>
           </a:lstStyle>
           <a:p>
-            <a:pPr marL="0" lvl="0" indent="0" algn="r" rtl="0">
+            <a:pPr indent="0" lvl="0" marL="0" rtl="0" algn="r">
               <a:spcBef>
                 <a:spcPts val="0"/>
               </a:spcBef>
@@ -2929,11 +2857,11 @@
 </file>
 
 <file path=ppt/slideLayouts/slideLayout4.xml><?xml version="1.0" encoding="utf-8"?>
-<p:sldLayout xmlns:a="http://schemas.openxmlformats.org/drawingml/2006/main" xmlns:r="http://schemas.openxmlformats.org/officeDocument/2006/relationships" xmlns:p="http://schemas.openxmlformats.org/presentationml/2006/main" matchingName="Title and two columns" type="twoColTx">
+<p:sldLayout xmlns:a="http://schemas.openxmlformats.org/drawingml/2006/main" xmlns:r="http://schemas.openxmlformats.org/officeDocument/2006/relationships" xmlns:mc="http://schemas.openxmlformats.org/markup-compatibility/2006" xmlns:mv="urn:schemas-microsoft-com:mac:vml" xmlns:p="http://schemas.openxmlformats.org/presentationml/2006/main" xmlns:c="http://schemas.openxmlformats.org/drawingml/2006/chart" xmlns:dgm="http://schemas.openxmlformats.org/drawingml/2006/diagram" xmlns:o="urn:schemas-microsoft-com:office:office" xmlns:v="urn:schemas-microsoft-com:vml" xmlns:pvml="urn:schemas-microsoft-com:office:powerpoint" xmlns:com="http://schemas.openxmlformats.org/drawingml/2006/compatibility" xmlns:p14="http://schemas.microsoft.com/office/powerpoint/2010/main" xmlns:p15="http://schemas.microsoft.com/office/powerpoint/2012/main" matchingName="Title and two columns" type="twoColTx">
   <p:cSld name="TITLE_AND_TWO_COLUMNS">
     <p:spTree>
       <p:nvGrpSpPr>
-        <p:cNvPr id="1" name="Shape 24"/>
+        <p:cNvPr id="24" name="Shape 24"/>
         <p:cNvGrpSpPr/>
         <p:nvPr/>
       </p:nvGrpSpPr>
@@ -2948,9 +2876,7 @@
       <p:sp>
         <p:nvSpPr>
           <p:cNvPr id="25" name="Google Shape;25;p5"/>
-          <p:cNvSpPr txBox="1">
-            <a:spLocks noGrp="1"/>
-          </p:cNvSpPr>
+          <p:cNvSpPr txBox="1"/>
           <p:nvPr>
             <p:ph type="title"/>
           </p:nvPr>
@@ -2965,7 +2891,7 @@
           </a:prstGeom>
         </p:spPr>
         <p:txBody>
-          <a:bodyPr spcFirstLastPara="1" wrap="square" lIns="91425" tIns="91425" rIns="91425" bIns="91425" anchor="t" anchorCtr="0">
+          <a:bodyPr anchorCtr="0" anchor="t" bIns="91425" lIns="91425" spcFirstLastPara="1" rIns="91425" wrap="square" tIns="91425">
             <a:noAutofit/>
           </a:bodyPr>
           <a:lstStyle>
@@ -3069,19 +2995,15 @@
               <a:defRPr/>
             </a:lvl9pPr>
           </a:lstStyle>
-          <a:p>
-            <a:endParaRPr/>
-          </a:p>
+          <a:p/>
         </p:txBody>
       </p:sp>
       <p:sp>
         <p:nvSpPr>
           <p:cNvPr id="26" name="Google Shape;26;p5"/>
-          <p:cNvSpPr txBox="1">
-            <a:spLocks noGrp="1"/>
-          </p:cNvSpPr>
+          <p:cNvSpPr txBox="1"/>
           <p:nvPr>
-            <p:ph type="body" idx="1"/>
+            <p:ph idx="1" type="body"/>
           </p:nvPr>
         </p:nvSpPr>
         <p:spPr>
@@ -3094,11 +3016,11 @@
           </a:prstGeom>
         </p:spPr>
         <p:txBody>
-          <a:bodyPr spcFirstLastPara="1" wrap="square" lIns="91425" tIns="91425" rIns="91425" bIns="91425" anchor="t" anchorCtr="0">
+          <a:bodyPr anchorCtr="0" anchor="t" bIns="91425" lIns="91425" spcFirstLastPara="1" rIns="91425" wrap="square" tIns="91425">
             <a:noAutofit/>
           </a:bodyPr>
           <a:lstStyle>
-            <a:lvl1pPr marL="457200" lvl="0" indent="-317500">
+            <a:lvl1pPr indent="-317500" lvl="0" marL="457200">
               <a:spcBef>
                 <a:spcPts val="0"/>
               </a:spcBef>
@@ -3109,7 +3031,7 @@
               <a:buChar char="●"/>
               <a:defRPr sz="1400"/>
             </a:lvl1pPr>
-            <a:lvl2pPr marL="914400" lvl="1" indent="-304800">
+            <a:lvl2pPr indent="-304800" lvl="1" marL="914400">
               <a:spcBef>
                 <a:spcPts val="1600"/>
               </a:spcBef>
@@ -3120,7 +3042,7 @@
               <a:buChar char="○"/>
               <a:defRPr sz="1200"/>
             </a:lvl2pPr>
-            <a:lvl3pPr marL="1371600" lvl="2" indent="-304800">
+            <a:lvl3pPr indent="-304800" lvl="2" marL="1371600">
               <a:spcBef>
                 <a:spcPts val="1600"/>
               </a:spcBef>
@@ -3131,7 +3053,7 @@
               <a:buChar char="■"/>
               <a:defRPr sz="1200"/>
             </a:lvl3pPr>
-            <a:lvl4pPr marL="1828800" lvl="3" indent="-304800">
+            <a:lvl4pPr indent="-304800" lvl="3" marL="1828800">
               <a:spcBef>
                 <a:spcPts val="1600"/>
               </a:spcBef>
@@ -3142,7 +3064,7 @@
               <a:buChar char="●"/>
               <a:defRPr sz="1200"/>
             </a:lvl4pPr>
-            <a:lvl5pPr marL="2286000" lvl="4" indent="-304800">
+            <a:lvl5pPr indent="-304800" lvl="4" marL="2286000">
               <a:spcBef>
                 <a:spcPts val="1600"/>
               </a:spcBef>
@@ -3153,7 +3075,7 @@
               <a:buChar char="○"/>
               <a:defRPr sz="1200"/>
             </a:lvl5pPr>
-            <a:lvl6pPr marL="2743200" lvl="5" indent="-304800">
+            <a:lvl6pPr indent="-304800" lvl="5" marL="2743200">
               <a:spcBef>
                 <a:spcPts val="1600"/>
               </a:spcBef>
@@ -3164,7 +3086,7 @@
               <a:buChar char="■"/>
               <a:defRPr sz="1200"/>
             </a:lvl6pPr>
-            <a:lvl7pPr marL="3200400" lvl="6" indent="-304800">
+            <a:lvl7pPr indent="-304800" lvl="6" marL="3200400">
               <a:spcBef>
                 <a:spcPts val="1600"/>
               </a:spcBef>
@@ -3175,7 +3097,7 @@
               <a:buChar char="●"/>
               <a:defRPr sz="1200"/>
             </a:lvl7pPr>
-            <a:lvl8pPr marL="3657600" lvl="7" indent="-304800">
+            <a:lvl8pPr indent="-304800" lvl="7" marL="3657600">
               <a:spcBef>
                 <a:spcPts val="1600"/>
               </a:spcBef>
@@ -3186,7 +3108,7 @@
               <a:buChar char="○"/>
               <a:defRPr sz="1200"/>
             </a:lvl8pPr>
-            <a:lvl9pPr marL="4114800" lvl="8" indent="-304800">
+            <a:lvl9pPr indent="-304800" lvl="8" marL="4114800">
               <a:spcBef>
                 <a:spcPts val="1600"/>
               </a:spcBef>
@@ -3198,19 +3120,15 @@
               <a:defRPr sz="1200"/>
             </a:lvl9pPr>
           </a:lstStyle>
-          <a:p>
-            <a:endParaRPr/>
-          </a:p>
+          <a:p/>
         </p:txBody>
       </p:sp>
       <p:sp>
         <p:nvSpPr>
           <p:cNvPr id="27" name="Google Shape;27;p5"/>
-          <p:cNvSpPr txBox="1">
-            <a:spLocks noGrp="1"/>
-          </p:cNvSpPr>
+          <p:cNvSpPr txBox="1"/>
           <p:nvPr>
-            <p:ph type="body" idx="2"/>
+            <p:ph idx="2" type="body"/>
           </p:nvPr>
         </p:nvSpPr>
         <p:spPr>
@@ -3223,11 +3141,11 @@
           </a:prstGeom>
         </p:spPr>
         <p:txBody>
-          <a:bodyPr spcFirstLastPara="1" wrap="square" lIns="91425" tIns="91425" rIns="91425" bIns="91425" anchor="t" anchorCtr="0">
+          <a:bodyPr anchorCtr="0" anchor="t" bIns="91425" lIns="91425" spcFirstLastPara="1" rIns="91425" wrap="square" tIns="91425">
             <a:noAutofit/>
           </a:bodyPr>
           <a:lstStyle>
-            <a:lvl1pPr marL="457200" lvl="0" indent="-317500">
+            <a:lvl1pPr indent="-317500" lvl="0" marL="457200">
               <a:spcBef>
                 <a:spcPts val="0"/>
               </a:spcBef>
@@ -3238,7 +3156,7 @@
               <a:buChar char="●"/>
               <a:defRPr sz="1400"/>
             </a:lvl1pPr>
-            <a:lvl2pPr marL="914400" lvl="1" indent="-304800">
+            <a:lvl2pPr indent="-304800" lvl="1" marL="914400">
               <a:spcBef>
                 <a:spcPts val="1600"/>
               </a:spcBef>
@@ -3249,7 +3167,7 @@
               <a:buChar char="○"/>
               <a:defRPr sz="1200"/>
             </a:lvl2pPr>
-            <a:lvl3pPr marL="1371600" lvl="2" indent="-304800">
+            <a:lvl3pPr indent="-304800" lvl="2" marL="1371600">
               <a:spcBef>
                 <a:spcPts val="1600"/>
               </a:spcBef>
@@ -3260,7 +3178,7 @@
               <a:buChar char="■"/>
               <a:defRPr sz="1200"/>
             </a:lvl3pPr>
-            <a:lvl4pPr marL="1828800" lvl="3" indent="-304800">
+            <a:lvl4pPr indent="-304800" lvl="3" marL="1828800">
               <a:spcBef>
                 <a:spcPts val="1600"/>
               </a:spcBef>
@@ -3271,7 +3189,7 @@
               <a:buChar char="●"/>
               <a:defRPr sz="1200"/>
             </a:lvl4pPr>
-            <a:lvl5pPr marL="2286000" lvl="4" indent="-304800">
+            <a:lvl5pPr indent="-304800" lvl="4" marL="2286000">
               <a:spcBef>
                 <a:spcPts val="1600"/>
               </a:spcBef>
@@ -3282,7 +3200,7 @@
               <a:buChar char="○"/>
               <a:defRPr sz="1200"/>
             </a:lvl5pPr>
-            <a:lvl6pPr marL="2743200" lvl="5" indent="-304800">
+            <a:lvl6pPr indent="-304800" lvl="5" marL="2743200">
               <a:spcBef>
                 <a:spcPts val="1600"/>
               </a:spcBef>
@@ -3293,7 +3211,7 @@
               <a:buChar char="■"/>
               <a:defRPr sz="1200"/>
             </a:lvl6pPr>
-            <a:lvl7pPr marL="3200400" lvl="6" indent="-304800">
+            <a:lvl7pPr indent="-304800" lvl="6" marL="3200400">
               <a:spcBef>
                 <a:spcPts val="1600"/>
               </a:spcBef>
@@ -3304,7 +3222,7 @@
               <a:buChar char="●"/>
               <a:defRPr sz="1200"/>
             </a:lvl7pPr>
-            <a:lvl8pPr marL="3657600" lvl="7" indent="-304800">
+            <a:lvl8pPr indent="-304800" lvl="7" marL="3657600">
               <a:spcBef>
                 <a:spcPts val="1600"/>
               </a:spcBef>
@@ -3315,7 +3233,7 @@
               <a:buChar char="○"/>
               <a:defRPr sz="1200"/>
             </a:lvl8pPr>
-            <a:lvl9pPr marL="4114800" lvl="8" indent="-304800">
+            <a:lvl9pPr indent="-304800" lvl="8" marL="4114800">
               <a:spcBef>
                 <a:spcPts val="1600"/>
               </a:spcBef>
@@ -3327,19 +3245,15 @@
               <a:defRPr sz="1200"/>
             </a:lvl9pPr>
           </a:lstStyle>
-          <a:p>
-            <a:endParaRPr/>
-          </a:p>
+          <a:p/>
         </p:txBody>
       </p:sp>
       <p:sp>
         <p:nvSpPr>
           <p:cNvPr id="28" name="Google Shape;28;p5"/>
-          <p:cNvSpPr txBox="1">
-            <a:spLocks noGrp="1"/>
-          </p:cNvSpPr>
+          <p:cNvSpPr txBox="1"/>
           <p:nvPr>
-            <p:ph type="sldNum" idx="12"/>
+            <p:ph idx="12" type="sldNum"/>
           </p:nvPr>
         </p:nvSpPr>
         <p:spPr>
@@ -3352,7 +3266,7 @@
           </a:prstGeom>
         </p:spPr>
         <p:txBody>
-          <a:bodyPr spcFirstLastPara="1" wrap="square" lIns="91425" tIns="91425" rIns="91425" bIns="91425" anchor="ctr" anchorCtr="0">
+          <a:bodyPr anchorCtr="0" anchor="ctr" bIns="91425" lIns="91425" spcFirstLastPara="1" rIns="91425" wrap="square" tIns="91425">
             <a:noAutofit/>
           </a:bodyPr>
           <a:lstStyle>
@@ -3394,7 +3308,7 @@
             </a:lvl9pPr>
           </a:lstStyle>
           <a:p>
-            <a:pPr marL="0" lvl="0" indent="0" algn="r" rtl="0">
+            <a:pPr indent="0" lvl="0" marL="0" rtl="0" algn="r">
               <a:spcBef>
                 <a:spcPts val="0"/>
               </a:spcBef>
@@ -3420,11 +3334,11 @@
 </file>
 
 <file path=ppt/slideLayouts/slideLayout5.xml><?xml version="1.0" encoding="utf-8"?>
-<p:sldLayout xmlns:a="http://schemas.openxmlformats.org/drawingml/2006/main" xmlns:r="http://schemas.openxmlformats.org/officeDocument/2006/relationships" xmlns:p="http://schemas.openxmlformats.org/presentationml/2006/main" matchingName="Title only" type="titleOnly">
+<p:sldLayout xmlns:a="http://schemas.openxmlformats.org/drawingml/2006/main" xmlns:r="http://schemas.openxmlformats.org/officeDocument/2006/relationships" xmlns:mc="http://schemas.openxmlformats.org/markup-compatibility/2006" xmlns:mv="urn:schemas-microsoft-com:mac:vml" xmlns:p="http://schemas.openxmlformats.org/presentationml/2006/main" xmlns:c="http://schemas.openxmlformats.org/drawingml/2006/chart" xmlns:dgm="http://schemas.openxmlformats.org/drawingml/2006/diagram" xmlns:o="urn:schemas-microsoft-com:office:office" xmlns:v="urn:schemas-microsoft-com:vml" xmlns:pvml="urn:schemas-microsoft-com:office:powerpoint" xmlns:com="http://schemas.openxmlformats.org/drawingml/2006/compatibility" xmlns:p14="http://schemas.microsoft.com/office/powerpoint/2010/main" xmlns:p15="http://schemas.microsoft.com/office/powerpoint/2012/main" matchingName="Title only" type="titleOnly">
   <p:cSld name="TITLE_ONLY">
     <p:spTree>
       <p:nvGrpSpPr>
-        <p:cNvPr id="1" name="Shape 29"/>
+        <p:cNvPr id="29" name="Shape 29"/>
         <p:cNvGrpSpPr/>
         <p:nvPr/>
       </p:nvGrpSpPr>
@@ -3439,9 +3353,7 @@
       <p:sp>
         <p:nvSpPr>
           <p:cNvPr id="30" name="Google Shape;30;p6"/>
-          <p:cNvSpPr txBox="1">
-            <a:spLocks noGrp="1"/>
-          </p:cNvSpPr>
+          <p:cNvSpPr txBox="1"/>
           <p:nvPr>
             <p:ph type="title"/>
           </p:nvPr>
@@ -3456,7 +3368,7 @@
           </a:prstGeom>
         </p:spPr>
         <p:txBody>
-          <a:bodyPr spcFirstLastPara="1" wrap="square" lIns="91425" tIns="91425" rIns="91425" bIns="91425" anchor="t" anchorCtr="0">
+          <a:bodyPr anchorCtr="0" anchor="t" bIns="91425" lIns="91425" spcFirstLastPara="1" rIns="91425" wrap="square" tIns="91425">
             <a:noAutofit/>
           </a:bodyPr>
           <a:lstStyle>
@@ -3560,19 +3472,15 @@
               <a:defRPr/>
             </a:lvl9pPr>
           </a:lstStyle>
-          <a:p>
-            <a:endParaRPr/>
-          </a:p>
+          <a:p/>
         </p:txBody>
       </p:sp>
       <p:sp>
         <p:nvSpPr>
           <p:cNvPr id="31" name="Google Shape;31;p6"/>
-          <p:cNvSpPr txBox="1">
-            <a:spLocks noGrp="1"/>
-          </p:cNvSpPr>
+          <p:cNvSpPr txBox="1"/>
           <p:nvPr>
-            <p:ph type="sldNum" idx="12"/>
+            <p:ph idx="12" type="sldNum"/>
           </p:nvPr>
         </p:nvSpPr>
         <p:spPr>
@@ -3585,7 +3493,7 @@
           </a:prstGeom>
         </p:spPr>
         <p:txBody>
-          <a:bodyPr spcFirstLastPara="1" wrap="square" lIns="91425" tIns="91425" rIns="91425" bIns="91425" anchor="ctr" anchorCtr="0">
+          <a:bodyPr anchorCtr="0" anchor="ctr" bIns="91425" lIns="91425" spcFirstLastPara="1" rIns="91425" wrap="square" tIns="91425">
             <a:noAutofit/>
           </a:bodyPr>
           <a:lstStyle>
@@ -3627,7 +3535,7 @@
             </a:lvl9pPr>
           </a:lstStyle>
           <a:p>
-            <a:pPr marL="0" lvl="0" indent="0" algn="r" rtl="0">
+            <a:pPr indent="0" lvl="0" marL="0" rtl="0" algn="r">
               <a:spcBef>
                 <a:spcPts val="0"/>
               </a:spcBef>
@@ -3653,11 +3561,11 @@
 </file>
 
 <file path=ppt/slideLayouts/slideLayout6.xml><?xml version="1.0" encoding="utf-8"?>
-<p:sldLayout xmlns:a="http://schemas.openxmlformats.org/drawingml/2006/main" xmlns:r="http://schemas.openxmlformats.org/officeDocument/2006/relationships" xmlns:p="http://schemas.openxmlformats.org/presentationml/2006/main" matchingName="One column text">
+<p:sldLayout xmlns:a="http://schemas.openxmlformats.org/drawingml/2006/main" xmlns:r="http://schemas.openxmlformats.org/officeDocument/2006/relationships" xmlns:mc="http://schemas.openxmlformats.org/markup-compatibility/2006" xmlns:mv="urn:schemas-microsoft-com:mac:vml" xmlns:p="http://schemas.openxmlformats.org/presentationml/2006/main" xmlns:c="http://schemas.openxmlformats.org/drawingml/2006/chart" xmlns:dgm="http://schemas.openxmlformats.org/drawingml/2006/diagram" xmlns:o="urn:schemas-microsoft-com:office:office" xmlns:v="urn:schemas-microsoft-com:vml" xmlns:pvml="urn:schemas-microsoft-com:office:powerpoint" xmlns:com="http://schemas.openxmlformats.org/drawingml/2006/compatibility" xmlns:p14="http://schemas.microsoft.com/office/powerpoint/2010/main" xmlns:p15="http://schemas.microsoft.com/office/powerpoint/2012/main" matchingName="One column text">
   <p:cSld name="ONE_COLUMN_TEXT">
     <p:spTree>
       <p:nvGrpSpPr>
-        <p:cNvPr id="1" name="Shape 32"/>
+        <p:cNvPr id="32" name="Shape 32"/>
         <p:cNvGrpSpPr/>
         <p:nvPr/>
       </p:nvGrpSpPr>
@@ -3672,9 +3580,7 @@
       <p:sp>
         <p:nvSpPr>
           <p:cNvPr id="33" name="Google Shape;33;p7"/>
-          <p:cNvSpPr txBox="1">
-            <a:spLocks noGrp="1"/>
-          </p:cNvSpPr>
+          <p:cNvSpPr txBox="1"/>
           <p:nvPr>
             <p:ph type="title"/>
           </p:nvPr>
@@ -3689,7 +3595,7 @@
           </a:prstGeom>
         </p:spPr>
         <p:txBody>
-          <a:bodyPr spcFirstLastPara="1" wrap="square" lIns="91425" tIns="91425" rIns="91425" bIns="91425" anchor="b" anchorCtr="0">
+          <a:bodyPr anchorCtr="0" anchor="b" bIns="91425" lIns="91425" spcFirstLastPara="1" rIns="91425" wrap="square" tIns="91425">
             <a:noAutofit/>
           </a:bodyPr>
           <a:lstStyle>
@@ -3793,19 +3699,15 @@
               <a:defRPr sz="2400"/>
             </a:lvl9pPr>
           </a:lstStyle>
-          <a:p>
-            <a:endParaRPr/>
-          </a:p>
+          <a:p/>
         </p:txBody>
       </p:sp>
       <p:sp>
         <p:nvSpPr>
           <p:cNvPr id="34" name="Google Shape;34;p7"/>
-          <p:cNvSpPr txBox="1">
-            <a:spLocks noGrp="1"/>
-          </p:cNvSpPr>
+          <p:cNvSpPr txBox="1"/>
           <p:nvPr>
-            <p:ph type="body" idx="1"/>
+            <p:ph idx="1" type="body"/>
           </p:nvPr>
         </p:nvSpPr>
         <p:spPr>
@@ -3818,11 +3720,11 @@
           </a:prstGeom>
         </p:spPr>
         <p:txBody>
-          <a:bodyPr spcFirstLastPara="1" wrap="square" lIns="91425" tIns="91425" rIns="91425" bIns="91425" anchor="t" anchorCtr="0">
+          <a:bodyPr anchorCtr="0" anchor="t" bIns="91425" lIns="91425" spcFirstLastPara="1" rIns="91425" wrap="square" tIns="91425">
             <a:noAutofit/>
           </a:bodyPr>
           <a:lstStyle>
-            <a:lvl1pPr marL="457200" lvl="0" indent="-304800">
+            <a:lvl1pPr indent="-304800" lvl="0" marL="457200">
               <a:spcBef>
                 <a:spcPts val="0"/>
               </a:spcBef>
@@ -3833,7 +3735,7 @@
               <a:buChar char="●"/>
               <a:defRPr sz="1200"/>
             </a:lvl1pPr>
-            <a:lvl2pPr marL="914400" lvl="1" indent="-304800">
+            <a:lvl2pPr indent="-304800" lvl="1" marL="914400">
               <a:spcBef>
                 <a:spcPts val="1600"/>
               </a:spcBef>
@@ -3844,7 +3746,7 @@
               <a:buChar char="○"/>
               <a:defRPr sz="1200"/>
             </a:lvl2pPr>
-            <a:lvl3pPr marL="1371600" lvl="2" indent="-304800">
+            <a:lvl3pPr indent="-304800" lvl="2" marL="1371600">
               <a:spcBef>
                 <a:spcPts val="1600"/>
               </a:spcBef>
@@ -3855,7 +3757,7 @@
               <a:buChar char="■"/>
               <a:defRPr sz="1200"/>
             </a:lvl3pPr>
-            <a:lvl4pPr marL="1828800" lvl="3" indent="-304800">
+            <a:lvl4pPr indent="-304800" lvl="3" marL="1828800">
               <a:spcBef>
                 <a:spcPts val="1600"/>
               </a:spcBef>
@@ -3866,7 +3768,7 @@
               <a:buChar char="●"/>
               <a:defRPr sz="1200"/>
             </a:lvl4pPr>
-            <a:lvl5pPr marL="2286000" lvl="4" indent="-304800">
+            <a:lvl5pPr indent="-304800" lvl="4" marL="2286000">
               <a:spcBef>
                 <a:spcPts val="1600"/>
               </a:spcBef>
@@ -3877,7 +3779,7 @@
               <a:buChar char="○"/>
               <a:defRPr sz="1200"/>
             </a:lvl5pPr>
-            <a:lvl6pPr marL="2743200" lvl="5" indent="-304800">
+            <a:lvl6pPr indent="-304800" lvl="5" marL="2743200">
               <a:spcBef>
                 <a:spcPts val="1600"/>
               </a:spcBef>
@@ -3888,7 +3790,7 @@
               <a:buChar char="■"/>
               <a:defRPr sz="1200"/>
             </a:lvl6pPr>
-            <a:lvl7pPr marL="3200400" lvl="6" indent="-304800">
+            <a:lvl7pPr indent="-304800" lvl="6" marL="3200400">
               <a:spcBef>
                 <a:spcPts val="1600"/>
               </a:spcBef>
@@ -3899,7 +3801,7 @@
               <a:buChar char="●"/>
               <a:defRPr sz="1200"/>
             </a:lvl7pPr>
-            <a:lvl8pPr marL="3657600" lvl="7" indent="-304800">
+            <a:lvl8pPr indent="-304800" lvl="7" marL="3657600">
               <a:spcBef>
                 <a:spcPts val="1600"/>
               </a:spcBef>
@@ -3910,7 +3812,7 @@
               <a:buChar char="○"/>
               <a:defRPr sz="1200"/>
             </a:lvl8pPr>
-            <a:lvl9pPr marL="4114800" lvl="8" indent="-304800">
+            <a:lvl9pPr indent="-304800" lvl="8" marL="4114800">
               <a:spcBef>
                 <a:spcPts val="1600"/>
               </a:spcBef>
@@ -3922,19 +3824,15 @@
               <a:defRPr sz="1200"/>
             </a:lvl9pPr>
           </a:lstStyle>
-          <a:p>
-            <a:endParaRPr/>
-          </a:p>
+          <a:p/>
         </p:txBody>
       </p:sp>
       <p:sp>
         <p:nvSpPr>
           <p:cNvPr id="35" name="Google Shape;35;p7"/>
-          <p:cNvSpPr txBox="1">
-            <a:spLocks noGrp="1"/>
-          </p:cNvSpPr>
+          <p:cNvSpPr txBox="1"/>
           <p:nvPr>
-            <p:ph type="sldNum" idx="12"/>
+            <p:ph idx="12" type="sldNum"/>
           </p:nvPr>
         </p:nvSpPr>
         <p:spPr>
@@ -3947,7 +3845,7 @@
           </a:prstGeom>
         </p:spPr>
         <p:txBody>
-          <a:bodyPr spcFirstLastPara="1" wrap="square" lIns="91425" tIns="91425" rIns="91425" bIns="91425" anchor="ctr" anchorCtr="0">
+          <a:bodyPr anchorCtr="0" anchor="ctr" bIns="91425" lIns="91425" spcFirstLastPara="1" rIns="91425" wrap="square" tIns="91425">
             <a:noAutofit/>
           </a:bodyPr>
           <a:lstStyle>
@@ -3989,7 +3887,7 @@
             </a:lvl9pPr>
           </a:lstStyle>
           <a:p>
-            <a:pPr marL="0" lvl="0" indent="0" algn="r" rtl="0">
+            <a:pPr indent="0" lvl="0" marL="0" rtl="0" algn="r">
               <a:spcBef>
                 <a:spcPts val="0"/>
               </a:spcBef>
@@ -4015,19 +3913,18 @@
 </file>
 
 <file path=ppt/slideLayouts/slideLayout7.xml><?xml version="1.0" encoding="utf-8"?>
-<p:sldLayout xmlns:a="http://schemas.openxmlformats.org/drawingml/2006/main" xmlns:r="http://schemas.openxmlformats.org/officeDocument/2006/relationships" xmlns:p="http://schemas.openxmlformats.org/presentationml/2006/main" matchingName="Main point">
+<p:sldLayout xmlns:a="http://schemas.openxmlformats.org/drawingml/2006/main" xmlns:r="http://schemas.openxmlformats.org/officeDocument/2006/relationships" xmlns:mc="http://schemas.openxmlformats.org/markup-compatibility/2006" xmlns:mv="urn:schemas-microsoft-com:mac:vml" xmlns:p="http://schemas.openxmlformats.org/presentationml/2006/main" xmlns:c="http://schemas.openxmlformats.org/drawingml/2006/chart" xmlns:dgm="http://schemas.openxmlformats.org/drawingml/2006/diagram" xmlns:o="urn:schemas-microsoft-com:office:office" xmlns:v="urn:schemas-microsoft-com:vml" xmlns:pvml="urn:schemas-microsoft-com:office:powerpoint" xmlns:com="http://schemas.openxmlformats.org/drawingml/2006/compatibility" xmlns:p14="http://schemas.microsoft.com/office/powerpoint/2010/main" xmlns:p15="http://schemas.microsoft.com/office/powerpoint/2012/main" matchingName="Main point">
   <p:cSld name="MAIN_POINT">
     <p:bg>
       <p:bgPr>
         <a:solidFill>
           <a:schemeClr val="lt2"/>
         </a:solidFill>
-        <a:effectLst/>
       </p:bgPr>
     </p:bg>
     <p:spTree>
       <p:nvGrpSpPr>
-        <p:cNvPr id="1" name="Shape 36"/>
+        <p:cNvPr id="36" name="Shape 36"/>
         <p:cNvGrpSpPr/>
         <p:nvPr/>
       </p:nvGrpSpPr>
@@ -4042,9 +3939,7 @@
       <p:sp>
         <p:nvSpPr>
           <p:cNvPr id="37" name="Google Shape;37;p8"/>
-          <p:cNvSpPr txBox="1">
-            <a:spLocks noGrp="1"/>
-          </p:cNvSpPr>
+          <p:cNvSpPr txBox="1"/>
           <p:nvPr>
             <p:ph type="title"/>
           </p:nvPr>
@@ -4059,7 +3954,7 @@
           </a:prstGeom>
         </p:spPr>
         <p:txBody>
-          <a:bodyPr spcFirstLastPara="1" wrap="square" lIns="91425" tIns="91425" rIns="91425" bIns="91425" anchor="ctr" anchorCtr="0">
+          <a:bodyPr anchorCtr="0" anchor="ctr" bIns="91425" lIns="91425" spcFirstLastPara="1" rIns="91425" wrap="square" tIns="91425">
             <a:noAutofit/>
           </a:bodyPr>
           <a:lstStyle>
@@ -4226,19 +4121,15 @@
               </a:defRPr>
             </a:lvl9pPr>
           </a:lstStyle>
-          <a:p>
-            <a:endParaRPr/>
-          </a:p>
+          <a:p/>
         </p:txBody>
       </p:sp>
       <p:sp>
         <p:nvSpPr>
           <p:cNvPr id="38" name="Google Shape;38;p8"/>
-          <p:cNvSpPr txBox="1">
-            <a:spLocks noGrp="1"/>
-          </p:cNvSpPr>
+          <p:cNvSpPr txBox="1"/>
           <p:nvPr>
-            <p:ph type="sldNum" idx="12"/>
+            <p:ph idx="12" type="sldNum"/>
           </p:nvPr>
         </p:nvSpPr>
         <p:spPr>
@@ -4251,7 +4142,7 @@
           </a:prstGeom>
         </p:spPr>
         <p:txBody>
-          <a:bodyPr spcFirstLastPara="1" wrap="square" lIns="91425" tIns="91425" rIns="91425" bIns="91425" anchor="ctr" anchorCtr="0">
+          <a:bodyPr anchorCtr="0" anchor="ctr" bIns="91425" lIns="91425" spcFirstLastPara="1" rIns="91425" wrap="square" tIns="91425">
             <a:noAutofit/>
           </a:bodyPr>
           <a:lstStyle>
@@ -4329,7 +4220,7 @@
             </a:lvl9pPr>
           </a:lstStyle>
           <a:p>
-            <a:pPr marL="0" lvl="0" indent="0" algn="r" rtl="0">
+            <a:pPr indent="0" lvl="0" marL="0" rtl="0" algn="r">
               <a:spcBef>
                 <a:spcPts val="0"/>
               </a:spcBef>
@@ -4355,11 +4246,11 @@
 </file>
 
 <file path=ppt/slideLayouts/slideLayout8.xml><?xml version="1.0" encoding="utf-8"?>
-<p:sldLayout xmlns:a="http://schemas.openxmlformats.org/drawingml/2006/main" xmlns:r="http://schemas.openxmlformats.org/officeDocument/2006/relationships" xmlns:p="http://schemas.openxmlformats.org/presentationml/2006/main" matchingName="Section title and description">
+<p:sldLayout xmlns:a="http://schemas.openxmlformats.org/drawingml/2006/main" xmlns:r="http://schemas.openxmlformats.org/officeDocument/2006/relationships" xmlns:mc="http://schemas.openxmlformats.org/markup-compatibility/2006" xmlns:mv="urn:schemas-microsoft-com:mac:vml" xmlns:p="http://schemas.openxmlformats.org/presentationml/2006/main" xmlns:c="http://schemas.openxmlformats.org/drawingml/2006/chart" xmlns:dgm="http://schemas.openxmlformats.org/drawingml/2006/diagram" xmlns:o="urn:schemas-microsoft-com:office:office" xmlns:v="urn:schemas-microsoft-com:vml" xmlns:pvml="urn:schemas-microsoft-com:office:powerpoint" xmlns:com="http://schemas.openxmlformats.org/drawingml/2006/compatibility" xmlns:p14="http://schemas.microsoft.com/office/powerpoint/2010/main" xmlns:p15="http://schemas.microsoft.com/office/powerpoint/2012/main" matchingName="Section title and description">
   <p:cSld name="SECTION_TITLE_AND_DESCRIPTION">
     <p:spTree>
       <p:nvGrpSpPr>
-        <p:cNvPr id="1" name="Shape 39"/>
+        <p:cNvPr id="39" name="Shape 39"/>
         <p:cNvGrpSpPr/>
         <p:nvPr/>
       </p:nvGrpSpPr>
@@ -4393,12 +4284,12 @@
           </a:ln>
         </p:spPr>
         <p:txBody>
-          <a:bodyPr spcFirstLastPara="1" wrap="square" lIns="91425" tIns="91425" rIns="91425" bIns="91425" anchor="ctr" anchorCtr="0">
+          <a:bodyPr anchorCtr="0" anchor="ctr" bIns="91425" lIns="91425" spcFirstLastPara="1" rIns="91425" wrap="square" tIns="91425">
             <a:noAutofit/>
           </a:bodyPr>
           <a:lstStyle/>
           <a:p>
-            <a:pPr marL="0" lvl="0" indent="0" algn="l" rtl="0">
+            <a:pPr indent="0" lvl="0" marL="0" rtl="0" algn="l">
               <a:spcBef>
                 <a:spcPts val="0"/>
               </a:spcBef>
@@ -4407,6 +4298,9 @@
               </a:spcAft>
               <a:buNone/>
             </a:pPr>
+            <a:r>
+              <a:t/>
+            </a:r>
             <a:endParaRPr/>
           </a:p>
         </p:txBody>
@@ -4426,23 +4320,21 @@
             <a:avLst/>
           </a:prstGeom>
           <a:noFill/>
-          <a:ln w="19050" cap="flat" cmpd="sng">
+          <a:ln cap="flat" cmpd="sng" w="19050">
             <a:solidFill>
               <a:schemeClr val="lt1"/>
             </a:solidFill>
             <a:prstDash val="solid"/>
             <a:round/>
-            <a:headEnd type="none" w="sm" len="sm"/>
-            <a:tailEnd type="none" w="sm" len="sm"/>
+            <a:headEnd len="sm" w="sm" type="none"/>
+            <a:tailEnd len="sm" w="sm" type="none"/>
           </a:ln>
         </p:spPr>
       </p:cxnSp>
       <p:sp>
         <p:nvSpPr>
           <p:cNvPr id="42" name="Google Shape;42;p9"/>
-          <p:cNvSpPr txBox="1">
-            <a:spLocks noGrp="1"/>
-          </p:cNvSpPr>
+          <p:cNvSpPr txBox="1"/>
           <p:nvPr>
             <p:ph type="title"/>
           </p:nvPr>
@@ -4457,7 +4349,7 @@
           </a:prstGeom>
         </p:spPr>
         <p:txBody>
-          <a:bodyPr spcFirstLastPara="1" wrap="square" lIns="91425" tIns="91425" rIns="91425" bIns="91425" anchor="b" anchorCtr="0">
+          <a:bodyPr anchorCtr="0" anchor="b" bIns="91425" lIns="91425" spcFirstLastPara="1" rIns="91425" wrap="square" tIns="91425">
             <a:noAutofit/>
           </a:bodyPr>
           <a:lstStyle>
@@ -4561,19 +4453,15 @@
               <a:defRPr sz="4200"/>
             </a:lvl9pPr>
           </a:lstStyle>
-          <a:p>
-            <a:endParaRPr/>
-          </a:p>
+          <a:p/>
         </p:txBody>
       </p:sp>
       <p:sp>
         <p:nvSpPr>
           <p:cNvPr id="43" name="Google Shape;43;p9"/>
-          <p:cNvSpPr txBox="1">
-            <a:spLocks noGrp="1"/>
-          </p:cNvSpPr>
+          <p:cNvSpPr txBox="1"/>
           <p:nvPr>
-            <p:ph type="subTitle" idx="1"/>
+            <p:ph idx="1" type="subTitle"/>
           </p:nvPr>
         </p:nvSpPr>
         <p:spPr>
@@ -4586,7 +4474,7 @@
           </a:prstGeom>
         </p:spPr>
         <p:txBody>
-          <a:bodyPr spcFirstLastPara="1" wrap="square" lIns="91425" tIns="91425" rIns="91425" bIns="91425" anchor="t" anchorCtr="0">
+          <a:bodyPr anchorCtr="0" anchor="t" bIns="91425" lIns="91425" spcFirstLastPara="1" rIns="91425" wrap="square" tIns="91425">
             <a:noAutofit/>
           </a:bodyPr>
           <a:lstStyle>
@@ -4780,19 +4668,15 @@
               </a:defRPr>
             </a:lvl9pPr>
           </a:lstStyle>
-          <a:p>
-            <a:endParaRPr/>
-          </a:p>
+          <a:p/>
         </p:txBody>
       </p:sp>
       <p:sp>
         <p:nvSpPr>
           <p:cNvPr id="44" name="Google Shape;44;p9"/>
-          <p:cNvSpPr txBox="1">
-            <a:spLocks noGrp="1"/>
-          </p:cNvSpPr>
+          <p:cNvSpPr txBox="1"/>
           <p:nvPr>
-            <p:ph type="body" idx="2"/>
+            <p:ph idx="2" type="body"/>
           </p:nvPr>
         </p:nvSpPr>
         <p:spPr>
@@ -4805,11 +4689,11 @@
           </a:prstGeom>
         </p:spPr>
         <p:txBody>
-          <a:bodyPr spcFirstLastPara="1" wrap="square" lIns="91425" tIns="91425" rIns="91425" bIns="91425" anchor="ctr" anchorCtr="0">
+          <a:bodyPr anchorCtr="0" anchor="ctr" bIns="91425" lIns="91425" spcFirstLastPara="1" rIns="91425" wrap="square" tIns="91425">
             <a:noAutofit/>
           </a:bodyPr>
           <a:lstStyle>
-            <a:lvl1pPr marL="457200" lvl="0" indent="-342900">
+            <a:lvl1pPr indent="-342900" lvl="0" marL="457200">
               <a:spcBef>
                 <a:spcPts val="0"/>
               </a:spcBef>
@@ -4827,7 +4711,7 @@
                 </a:solidFill>
               </a:defRPr>
             </a:lvl1pPr>
-            <a:lvl2pPr marL="914400" lvl="1" indent="-317500">
+            <a:lvl2pPr indent="-317500" lvl="1" marL="914400">
               <a:spcBef>
                 <a:spcPts val="1600"/>
               </a:spcBef>
@@ -4845,7 +4729,7 @@
                 </a:solidFill>
               </a:defRPr>
             </a:lvl2pPr>
-            <a:lvl3pPr marL="1371600" lvl="2" indent="-317500">
+            <a:lvl3pPr indent="-317500" lvl="2" marL="1371600">
               <a:spcBef>
                 <a:spcPts val="1600"/>
               </a:spcBef>
@@ -4863,7 +4747,7 @@
                 </a:solidFill>
               </a:defRPr>
             </a:lvl3pPr>
-            <a:lvl4pPr marL="1828800" lvl="3" indent="-317500">
+            <a:lvl4pPr indent="-317500" lvl="3" marL="1828800">
               <a:spcBef>
                 <a:spcPts val="1600"/>
               </a:spcBef>
@@ -4881,7 +4765,7 @@
                 </a:solidFill>
               </a:defRPr>
             </a:lvl4pPr>
-            <a:lvl5pPr marL="2286000" lvl="4" indent="-317500">
+            <a:lvl5pPr indent="-317500" lvl="4" marL="2286000">
               <a:spcBef>
                 <a:spcPts val="1600"/>
               </a:spcBef>
@@ -4899,7 +4783,7 @@
                 </a:solidFill>
               </a:defRPr>
             </a:lvl5pPr>
-            <a:lvl6pPr marL="2743200" lvl="5" indent="-317500">
+            <a:lvl6pPr indent="-317500" lvl="5" marL="2743200">
               <a:spcBef>
                 <a:spcPts val="1600"/>
               </a:spcBef>
@@ -4917,7 +4801,7 @@
                 </a:solidFill>
               </a:defRPr>
             </a:lvl6pPr>
-            <a:lvl7pPr marL="3200400" lvl="6" indent="-317500">
+            <a:lvl7pPr indent="-317500" lvl="6" marL="3200400">
               <a:spcBef>
                 <a:spcPts val="1600"/>
               </a:spcBef>
@@ -4935,7 +4819,7 @@
                 </a:solidFill>
               </a:defRPr>
             </a:lvl7pPr>
-            <a:lvl8pPr marL="3657600" lvl="7" indent="-317500">
+            <a:lvl8pPr indent="-317500" lvl="7" marL="3657600">
               <a:spcBef>
                 <a:spcPts val="1600"/>
               </a:spcBef>
@@ -4953,7 +4837,7 @@
                 </a:solidFill>
               </a:defRPr>
             </a:lvl8pPr>
-            <a:lvl9pPr marL="4114800" lvl="8" indent="-317500">
+            <a:lvl9pPr indent="-317500" lvl="8" marL="4114800">
               <a:spcBef>
                 <a:spcPts val="1600"/>
               </a:spcBef>
@@ -4972,19 +4856,15 @@
               </a:defRPr>
             </a:lvl9pPr>
           </a:lstStyle>
-          <a:p>
-            <a:endParaRPr/>
-          </a:p>
+          <a:p/>
         </p:txBody>
       </p:sp>
       <p:sp>
         <p:nvSpPr>
           <p:cNvPr id="45" name="Google Shape;45;p9"/>
-          <p:cNvSpPr txBox="1">
-            <a:spLocks noGrp="1"/>
-          </p:cNvSpPr>
+          <p:cNvSpPr txBox="1"/>
           <p:nvPr>
-            <p:ph type="sldNum" idx="12"/>
+            <p:ph idx="12" type="sldNum"/>
           </p:nvPr>
         </p:nvSpPr>
         <p:spPr>
@@ -4997,7 +4877,7 @@
           </a:prstGeom>
         </p:spPr>
         <p:txBody>
-          <a:bodyPr spcFirstLastPara="1" wrap="square" lIns="91425" tIns="91425" rIns="91425" bIns="91425" anchor="ctr" anchorCtr="0">
+          <a:bodyPr anchorCtr="0" anchor="ctr" bIns="91425" lIns="91425" spcFirstLastPara="1" rIns="91425" wrap="square" tIns="91425">
             <a:noAutofit/>
           </a:bodyPr>
           <a:lstStyle>
@@ -5075,7 +4955,7 @@
             </a:lvl9pPr>
           </a:lstStyle>
           <a:p>
-            <a:pPr marL="0" lvl="0" indent="0" algn="r" rtl="0">
+            <a:pPr indent="0" lvl="0" marL="0" rtl="0" algn="r">
               <a:spcBef>
                 <a:spcPts val="0"/>
               </a:spcBef>
@@ -5101,11 +4981,11 @@
 </file>
 
 <file path=ppt/slideLayouts/slideLayout9.xml><?xml version="1.0" encoding="utf-8"?>
-<p:sldLayout xmlns:a="http://schemas.openxmlformats.org/drawingml/2006/main" xmlns:r="http://schemas.openxmlformats.org/officeDocument/2006/relationships" xmlns:p="http://schemas.openxmlformats.org/presentationml/2006/main" matchingName="Caption">
+<p:sldLayout xmlns:a="http://schemas.openxmlformats.org/drawingml/2006/main" xmlns:r="http://schemas.openxmlformats.org/officeDocument/2006/relationships" xmlns:mc="http://schemas.openxmlformats.org/markup-compatibility/2006" xmlns:mv="urn:schemas-microsoft-com:mac:vml" xmlns:p="http://schemas.openxmlformats.org/presentationml/2006/main" xmlns:c="http://schemas.openxmlformats.org/drawingml/2006/chart" xmlns:dgm="http://schemas.openxmlformats.org/drawingml/2006/diagram" xmlns:o="urn:schemas-microsoft-com:office:office" xmlns:v="urn:schemas-microsoft-com:vml" xmlns:pvml="urn:schemas-microsoft-com:office:powerpoint" xmlns:com="http://schemas.openxmlformats.org/drawingml/2006/compatibility" xmlns:p14="http://schemas.microsoft.com/office/powerpoint/2010/main" xmlns:p15="http://schemas.microsoft.com/office/powerpoint/2012/main" matchingName="Caption">
   <p:cSld name="CAPTION_ONLY">
     <p:spTree>
       <p:nvGrpSpPr>
-        <p:cNvPr id="1" name="Shape 46"/>
+        <p:cNvPr id="46" name="Shape 46"/>
         <p:cNvGrpSpPr/>
         <p:nvPr/>
       </p:nvGrpSpPr>
@@ -5120,11 +5000,9 @@
       <p:sp>
         <p:nvSpPr>
           <p:cNvPr id="47" name="Google Shape;47;p10"/>
-          <p:cNvSpPr txBox="1">
-            <a:spLocks noGrp="1"/>
-          </p:cNvSpPr>
+          <p:cNvSpPr txBox="1"/>
           <p:nvPr>
-            <p:ph type="body" idx="1"/>
+            <p:ph idx="1" type="body"/>
           </p:nvPr>
         </p:nvSpPr>
         <p:spPr>
@@ -5137,11 +5015,11 @@
           </a:prstGeom>
         </p:spPr>
         <p:txBody>
-          <a:bodyPr spcFirstLastPara="1" wrap="square" lIns="91425" tIns="91425" rIns="91425" bIns="91425" anchor="ctr" anchorCtr="0">
+          <a:bodyPr anchorCtr="0" anchor="ctr" bIns="91425" lIns="91425" spcFirstLastPara="1" rIns="91425" wrap="square" tIns="91425">
             <a:noAutofit/>
           </a:bodyPr>
           <a:lstStyle>
-            <a:lvl1pPr marL="457200" lvl="0" indent="-228600">
+            <a:lvl1pPr indent="-228600" lvl="0" marL="457200">
               <a:lnSpc>
                 <a:spcPct val="100000"/>
               </a:lnSpc>
@@ -5168,19 +5046,15 @@
               </a:defRPr>
             </a:lvl1pPr>
           </a:lstStyle>
-          <a:p>
-            <a:endParaRPr/>
-          </a:p>
+          <a:p/>
         </p:txBody>
       </p:sp>
       <p:sp>
         <p:nvSpPr>
           <p:cNvPr id="48" name="Google Shape;48;p10"/>
-          <p:cNvSpPr txBox="1">
-            <a:spLocks noGrp="1"/>
-          </p:cNvSpPr>
+          <p:cNvSpPr txBox="1"/>
           <p:nvPr>
-            <p:ph type="sldNum" idx="12"/>
+            <p:ph idx="12" type="sldNum"/>
           </p:nvPr>
         </p:nvSpPr>
         <p:spPr>
@@ -5193,7 +5067,7 @@
           </a:prstGeom>
         </p:spPr>
         <p:txBody>
-          <a:bodyPr spcFirstLastPara="1" wrap="square" lIns="91425" tIns="91425" rIns="91425" bIns="91425" anchor="ctr" anchorCtr="0">
+          <a:bodyPr anchorCtr="0" anchor="ctr" bIns="91425" lIns="91425" spcFirstLastPara="1" rIns="91425" wrap="square" tIns="91425">
             <a:noAutofit/>
           </a:bodyPr>
           <a:lstStyle>
@@ -5235,7 +5109,7 @@
             </a:lvl9pPr>
           </a:lstStyle>
           <a:p>
-            <a:pPr marL="0" lvl="0" indent="0" algn="r" rtl="0">
+            <a:pPr indent="0" lvl="0" marL="0" rtl="0" algn="r">
               <a:spcBef>
                 <a:spcPts val="0"/>
               </a:spcBef>
@@ -5261,19 +5135,18 @@
 </file>
 
 <file path=ppt/slideMasters/slideMaster1.xml><?xml version="1.0" encoding="utf-8"?>
-<p:sldMaster xmlns:a="http://schemas.openxmlformats.org/drawingml/2006/main" xmlns:r="http://schemas.openxmlformats.org/officeDocument/2006/relationships" xmlns:p="http://schemas.openxmlformats.org/presentationml/2006/main">
+<p:sldMaster xmlns:a="http://schemas.openxmlformats.org/drawingml/2006/main" xmlns:r="http://schemas.openxmlformats.org/officeDocument/2006/relationships" xmlns:mc="http://schemas.openxmlformats.org/markup-compatibility/2006" xmlns:mv="urn:schemas-microsoft-com:mac:vml" xmlns:p="http://schemas.openxmlformats.org/presentationml/2006/main" xmlns:c="http://schemas.openxmlformats.org/drawingml/2006/chart" xmlns:dgm="http://schemas.openxmlformats.org/drawingml/2006/diagram" xmlns:o="urn:schemas-microsoft-com:office:office" xmlns:v="urn:schemas-microsoft-com:vml" xmlns:pvml="urn:schemas-microsoft-com:office:powerpoint" xmlns:com="http://schemas.openxmlformats.org/drawingml/2006/compatibility" xmlns:p14="http://schemas.microsoft.com/office/powerpoint/2010/main" xmlns:p15="http://schemas.microsoft.com/office/powerpoint/2012/main">
   <p:cSld name="slate">
     <p:bg>
       <p:bgPr>
         <a:solidFill>
           <a:schemeClr val="lt1"/>
         </a:solidFill>
-        <a:effectLst/>
       </p:bgPr>
     </p:bg>
     <p:spTree>
       <p:nvGrpSpPr>
-        <p:cNvPr id="1" name="Shape 5"/>
+        <p:cNvPr id="5" name="Shape 5"/>
         <p:cNvGrpSpPr/>
         <p:nvPr/>
       </p:nvGrpSpPr>
@@ -5288,9 +5161,7 @@
       <p:sp>
         <p:nvSpPr>
           <p:cNvPr id="6" name="Google Shape;6;p1"/>
-          <p:cNvSpPr txBox="1">
-            <a:spLocks noGrp="1"/>
-          </p:cNvSpPr>
+          <p:cNvSpPr txBox="1"/>
           <p:nvPr>
             <p:ph type="title"/>
           </p:nvPr>
@@ -5309,7 +5180,7 @@
           </a:ln>
         </p:spPr>
         <p:txBody>
-          <a:bodyPr spcFirstLastPara="1" wrap="square" lIns="91425" tIns="91425" rIns="91425" bIns="91425" anchor="t" anchorCtr="0">
+          <a:bodyPr anchorCtr="0" anchor="t" bIns="91425" lIns="91425" spcFirstLastPara="1" rIns="91425" wrap="square" tIns="91425">
             <a:noAutofit/>
           </a:bodyPr>
           <a:lstStyle>
@@ -5521,19 +5392,15 @@
               </a:defRPr>
             </a:lvl9pPr>
           </a:lstStyle>
-          <a:p>
-            <a:endParaRPr/>
-          </a:p>
+          <a:p/>
         </p:txBody>
       </p:sp>
       <p:sp>
         <p:nvSpPr>
           <p:cNvPr id="7" name="Google Shape;7;p1"/>
-          <p:cNvSpPr txBox="1">
-            <a:spLocks noGrp="1"/>
-          </p:cNvSpPr>
+          <p:cNvSpPr txBox="1"/>
           <p:nvPr>
-            <p:ph type="body" idx="1"/>
+            <p:ph idx="1" type="body"/>
           </p:nvPr>
         </p:nvSpPr>
         <p:spPr>
@@ -5550,11 +5417,11 @@
           </a:ln>
         </p:spPr>
         <p:txBody>
-          <a:bodyPr spcFirstLastPara="1" wrap="square" lIns="91425" tIns="91425" rIns="91425" bIns="91425" anchor="t" anchorCtr="0">
+          <a:bodyPr anchorCtr="0" anchor="t" bIns="91425" lIns="91425" spcFirstLastPara="1" rIns="91425" wrap="square" tIns="91425">
             <a:noAutofit/>
           </a:bodyPr>
           <a:lstStyle>
-            <a:lvl1pPr marL="457200" lvl="0" indent="-342900">
+            <a:lvl1pPr indent="-342900" lvl="0" marL="457200">
               <a:lnSpc>
                 <a:spcPct val="115000"/>
               </a:lnSpc>
@@ -5580,7 +5447,7 @@
                 <a:sym typeface="Average"/>
               </a:defRPr>
             </a:lvl1pPr>
-            <a:lvl2pPr marL="914400" lvl="1" indent="-317500">
+            <a:lvl2pPr indent="-317500" lvl="1" marL="914400">
               <a:lnSpc>
                 <a:spcPct val="115000"/>
               </a:lnSpc>
@@ -5606,7 +5473,7 @@
                 <a:sym typeface="Average"/>
               </a:defRPr>
             </a:lvl2pPr>
-            <a:lvl3pPr marL="1371600" lvl="2" indent="-317500">
+            <a:lvl3pPr indent="-317500" lvl="2" marL="1371600">
               <a:lnSpc>
                 <a:spcPct val="115000"/>
               </a:lnSpc>
@@ -5632,7 +5499,7 @@
                 <a:sym typeface="Average"/>
               </a:defRPr>
             </a:lvl3pPr>
-            <a:lvl4pPr marL="1828800" lvl="3" indent="-317500">
+            <a:lvl4pPr indent="-317500" lvl="3" marL="1828800">
               <a:lnSpc>
                 <a:spcPct val="115000"/>
               </a:lnSpc>
@@ -5658,7 +5525,7 @@
                 <a:sym typeface="Average"/>
               </a:defRPr>
             </a:lvl4pPr>
-            <a:lvl5pPr marL="2286000" lvl="4" indent="-317500">
+            <a:lvl5pPr indent="-317500" lvl="4" marL="2286000">
               <a:lnSpc>
                 <a:spcPct val="115000"/>
               </a:lnSpc>
@@ -5684,7 +5551,7 @@
                 <a:sym typeface="Average"/>
               </a:defRPr>
             </a:lvl5pPr>
-            <a:lvl6pPr marL="2743200" lvl="5" indent="-317500">
+            <a:lvl6pPr indent="-317500" lvl="5" marL="2743200">
               <a:lnSpc>
                 <a:spcPct val="115000"/>
               </a:lnSpc>
@@ -5710,7 +5577,7 @@
                 <a:sym typeface="Average"/>
               </a:defRPr>
             </a:lvl6pPr>
-            <a:lvl7pPr marL="3200400" lvl="6" indent="-317500">
+            <a:lvl7pPr indent="-317500" lvl="6" marL="3200400">
               <a:lnSpc>
                 <a:spcPct val="115000"/>
               </a:lnSpc>
@@ -5736,7 +5603,7 @@
                 <a:sym typeface="Average"/>
               </a:defRPr>
             </a:lvl7pPr>
-            <a:lvl8pPr marL="3657600" lvl="7" indent="-317500">
+            <a:lvl8pPr indent="-317500" lvl="7" marL="3657600">
               <a:lnSpc>
                 <a:spcPct val="115000"/>
               </a:lnSpc>
@@ -5762,7 +5629,7 @@
                 <a:sym typeface="Average"/>
               </a:defRPr>
             </a:lvl8pPr>
-            <a:lvl9pPr marL="4114800" lvl="8" indent="-317500">
+            <a:lvl9pPr indent="-317500" lvl="8" marL="4114800">
               <a:lnSpc>
                 <a:spcPct val="115000"/>
               </a:lnSpc>
@@ -5789,19 +5656,15 @@
               </a:defRPr>
             </a:lvl9pPr>
           </a:lstStyle>
-          <a:p>
-            <a:endParaRPr/>
-          </a:p>
+          <a:p/>
         </p:txBody>
       </p:sp>
       <p:sp>
         <p:nvSpPr>
           <p:cNvPr id="8" name="Google Shape;8;p1"/>
-          <p:cNvSpPr txBox="1">
-            <a:spLocks noGrp="1"/>
-          </p:cNvSpPr>
+          <p:cNvSpPr txBox="1"/>
           <p:nvPr>
-            <p:ph type="sldNum" idx="12"/>
+            <p:ph idx="12" type="sldNum"/>
           </p:nvPr>
         </p:nvSpPr>
         <p:spPr>
@@ -5818,7 +5681,7 @@
           </a:ln>
         </p:spPr>
         <p:txBody>
-          <a:bodyPr spcFirstLastPara="1" wrap="square" lIns="91425" tIns="91425" rIns="91425" bIns="91425" anchor="ctr" anchorCtr="0">
+          <a:bodyPr anchorCtr="0" anchor="ctr" bIns="91425" lIns="91425" spcFirstLastPara="1" rIns="91425" wrap="square" tIns="91425">
             <a:noAutofit/>
           </a:bodyPr>
           <a:lstStyle>
@@ -5932,7 +5795,7 @@
             </a:lvl9pPr>
           </a:lstStyle>
           <a:p>
-            <a:pPr marL="0" lvl="0" indent="0" algn="r" rtl="0">
+            <a:pPr indent="0" lvl="0" marL="0" rtl="0" algn="r">
               <a:spcBef>
                 <a:spcPts val="0"/>
               </a:spcBef>
@@ -5951,7 +5814,7 @@
       </p:sp>
     </p:spTree>
   </p:cSld>
-  <p:clrMap bg1="lt1" tx1="dk1" bg2="dk2" tx2="lt2" accent1="accent1" accent2="accent2" accent3="accent3" accent4="accent4" accent5="accent5" accent6="accent6" hlink="hlink" folHlink="folHlink"/>
+  <p:clrMap accent1="accent1" accent2="accent2" accent3="accent3" accent4="accent4" accent5="accent5" accent6="accent6" bg1="lt1" bg2="dk2" tx1="dk1" tx2="lt2" folHlink="folHlink" hlink="hlink"/>
   <p:sldLayoutIdLst>
     <p:sldLayoutId id="2147483648" r:id="rId1"/>
     <p:sldLayoutId id="2147483649" r:id="rId2"/>
@@ -5965,10 +5828,10 @@
     <p:sldLayoutId id="2147483657" r:id="rId10"/>
     <p:sldLayoutId id="2147483658" r:id="rId11"/>
   </p:sldLayoutIdLst>
-  <p:hf sldNum="0" hdr="0" ftr="0" dt="0"/>
+  <p:hf dt="0" ftr="0" hdr="0" sldNum="0"/>
   <p:txStyles>
     <p:titleStyle>
-      <a:defPPr marR="0" lvl="0" algn="l" rtl="0">
+      <a:defPPr lvl="0" marR="0" rtl="0" algn="l">
         <a:lnSpc>
           <a:spcPct val="100000"/>
         </a:lnSpc>
@@ -5979,7 +5842,7 @@
           <a:spcPts val="0"/>
         </a:spcAft>
       </a:defPPr>
-      <a:lvl1pPr marR="0" lvl="0" algn="l" rtl="0">
+      <a:lvl1pPr lvl="0" marR="0" rtl="0" algn="l">
         <a:lnSpc>
           <a:spcPct val="100000"/>
         </a:lnSpc>
@@ -5993,7 +5856,7 @@
           <a:srgbClr val="000000"/>
         </a:buClr>
         <a:buFont typeface="Arial"/>
-        <a:defRPr sz="1400" b="0" i="0" u="none" strike="noStrike" cap="none">
+        <a:defRPr b="0" i="0" sz="1400" u="none" cap="none" strike="noStrike">
           <a:solidFill>
             <a:srgbClr val="000000"/>
           </a:solidFill>
@@ -6003,7 +5866,7 @@
           <a:sym typeface="Arial"/>
         </a:defRPr>
       </a:lvl1pPr>
-      <a:lvl2pPr marR="0" lvl="1" algn="l" rtl="0">
+      <a:lvl2pPr lvl="1" marR="0" rtl="0" algn="l">
         <a:lnSpc>
           <a:spcPct val="100000"/>
         </a:lnSpc>
@@ -6017,7 +5880,7 @@
           <a:srgbClr val="000000"/>
         </a:buClr>
         <a:buFont typeface="Arial"/>
-        <a:defRPr sz="1400" b="0" i="0" u="none" strike="noStrike" cap="none">
+        <a:defRPr b="0" i="0" sz="1400" u="none" cap="none" strike="noStrike">
           <a:solidFill>
             <a:srgbClr val="000000"/>
           </a:solidFill>
@@ -6027,7 +5890,7 @@
           <a:sym typeface="Arial"/>
         </a:defRPr>
       </a:lvl2pPr>
-      <a:lvl3pPr marR="0" lvl="2" algn="l" rtl="0">
+      <a:lvl3pPr lvl="2" marR="0" rtl="0" algn="l">
         <a:lnSpc>
           <a:spcPct val="100000"/>
         </a:lnSpc>
@@ -6041,7 +5904,7 @@
           <a:srgbClr val="000000"/>
         </a:buClr>
         <a:buFont typeface="Arial"/>
-        <a:defRPr sz="1400" b="0" i="0" u="none" strike="noStrike" cap="none">
+        <a:defRPr b="0" i="0" sz="1400" u="none" cap="none" strike="noStrike">
           <a:solidFill>
             <a:srgbClr val="000000"/>
           </a:solidFill>
@@ -6051,7 +5914,7 @@
           <a:sym typeface="Arial"/>
         </a:defRPr>
       </a:lvl3pPr>
-      <a:lvl4pPr marR="0" lvl="3" algn="l" rtl="0">
+      <a:lvl4pPr lvl="3" marR="0" rtl="0" algn="l">
         <a:lnSpc>
           <a:spcPct val="100000"/>
         </a:lnSpc>
@@ -6065,7 +5928,7 @@
           <a:srgbClr val="000000"/>
         </a:buClr>
         <a:buFont typeface="Arial"/>
-        <a:defRPr sz="1400" b="0" i="0" u="none" strike="noStrike" cap="none">
+        <a:defRPr b="0" i="0" sz="1400" u="none" cap="none" strike="noStrike">
           <a:solidFill>
             <a:srgbClr val="000000"/>
           </a:solidFill>
@@ -6075,7 +5938,7 @@
           <a:sym typeface="Arial"/>
         </a:defRPr>
       </a:lvl4pPr>
-      <a:lvl5pPr marR="0" lvl="4" algn="l" rtl="0">
+      <a:lvl5pPr lvl="4" marR="0" rtl="0" algn="l">
         <a:lnSpc>
           <a:spcPct val="100000"/>
         </a:lnSpc>
@@ -6089,7 +5952,7 @@
           <a:srgbClr val="000000"/>
         </a:buClr>
         <a:buFont typeface="Arial"/>
-        <a:defRPr sz="1400" b="0" i="0" u="none" strike="noStrike" cap="none">
+        <a:defRPr b="0" i="0" sz="1400" u="none" cap="none" strike="noStrike">
           <a:solidFill>
             <a:srgbClr val="000000"/>
           </a:solidFill>
@@ -6099,7 +5962,7 @@
           <a:sym typeface="Arial"/>
         </a:defRPr>
       </a:lvl5pPr>
-      <a:lvl6pPr marR="0" lvl="5" algn="l" rtl="0">
+      <a:lvl6pPr lvl="5" marR="0" rtl="0" algn="l">
         <a:lnSpc>
           <a:spcPct val="100000"/>
         </a:lnSpc>
@@ -6113,7 +5976,7 @@
           <a:srgbClr val="000000"/>
         </a:buClr>
         <a:buFont typeface="Arial"/>
-        <a:defRPr sz="1400" b="0" i="0" u="none" strike="noStrike" cap="none">
+        <a:defRPr b="0" i="0" sz="1400" u="none" cap="none" strike="noStrike">
           <a:solidFill>
             <a:srgbClr val="000000"/>
           </a:solidFill>
@@ -6123,7 +5986,7 @@
           <a:sym typeface="Arial"/>
         </a:defRPr>
       </a:lvl6pPr>
-      <a:lvl7pPr marR="0" lvl="6" algn="l" rtl="0">
+      <a:lvl7pPr lvl="6" marR="0" rtl="0" algn="l">
         <a:lnSpc>
           <a:spcPct val="100000"/>
         </a:lnSpc>
@@ -6137,7 +6000,7 @@
           <a:srgbClr val="000000"/>
         </a:buClr>
         <a:buFont typeface="Arial"/>
-        <a:defRPr sz="1400" b="0" i="0" u="none" strike="noStrike" cap="none">
+        <a:defRPr b="0" i="0" sz="1400" u="none" cap="none" strike="noStrike">
           <a:solidFill>
             <a:srgbClr val="000000"/>
           </a:solidFill>
@@ -6147,7 +6010,7 @@
           <a:sym typeface="Arial"/>
         </a:defRPr>
       </a:lvl7pPr>
-      <a:lvl8pPr marR="0" lvl="7" algn="l" rtl="0">
+      <a:lvl8pPr lvl="7" marR="0" rtl="0" algn="l">
         <a:lnSpc>
           <a:spcPct val="100000"/>
         </a:lnSpc>
@@ -6161,7 +6024,7 @@
           <a:srgbClr val="000000"/>
         </a:buClr>
         <a:buFont typeface="Arial"/>
-        <a:defRPr sz="1400" b="0" i="0" u="none" strike="noStrike" cap="none">
+        <a:defRPr b="0" i="0" sz="1400" u="none" cap="none" strike="noStrike">
           <a:solidFill>
             <a:srgbClr val="000000"/>
           </a:solidFill>
@@ -6171,7 +6034,7 @@
           <a:sym typeface="Arial"/>
         </a:defRPr>
       </a:lvl8pPr>
-      <a:lvl9pPr marR="0" lvl="8" algn="l" rtl="0">
+      <a:lvl9pPr lvl="8" marR="0" rtl="0" algn="l">
         <a:lnSpc>
           <a:spcPct val="100000"/>
         </a:lnSpc>
@@ -6185,7 +6048,7 @@
           <a:srgbClr val="000000"/>
         </a:buClr>
         <a:buFont typeface="Arial"/>
-        <a:defRPr sz="1400" b="0" i="0" u="none" strike="noStrike" cap="none">
+        <a:defRPr b="0" i="0" sz="1400" u="none" cap="none" strike="noStrike">
           <a:solidFill>
             <a:srgbClr val="000000"/>
           </a:solidFill>
@@ -6197,7 +6060,7 @@
       </a:lvl9pPr>
     </p:titleStyle>
     <p:bodyStyle>
-      <a:defPPr marR="0" lvl="0" algn="l" rtl="0">
+      <a:defPPr lvl="0" marR="0" rtl="0" algn="l">
         <a:lnSpc>
           <a:spcPct val="100000"/>
         </a:lnSpc>
@@ -6208,7 +6071,7 @@
           <a:spcPts val="0"/>
         </a:spcAft>
       </a:defPPr>
-      <a:lvl1pPr marR="0" lvl="0" algn="l" rtl="0">
+      <a:lvl1pPr lvl="0" marR="0" rtl="0" algn="l">
         <a:lnSpc>
           <a:spcPct val="100000"/>
         </a:lnSpc>
@@ -6222,7 +6085,7 @@
           <a:srgbClr val="000000"/>
         </a:buClr>
         <a:buFont typeface="Arial"/>
-        <a:defRPr sz="1400" b="0" i="0" u="none" strike="noStrike" cap="none">
+        <a:defRPr b="0" i="0" sz="1400" u="none" cap="none" strike="noStrike">
           <a:solidFill>
             <a:srgbClr val="000000"/>
           </a:solidFill>
@@ -6232,7 +6095,7 @@
           <a:sym typeface="Arial"/>
         </a:defRPr>
       </a:lvl1pPr>
-      <a:lvl2pPr marR="0" lvl="1" algn="l" rtl="0">
+      <a:lvl2pPr lvl="1" marR="0" rtl="0" algn="l">
         <a:lnSpc>
           <a:spcPct val="100000"/>
         </a:lnSpc>
@@ -6246,7 +6109,7 @@
           <a:srgbClr val="000000"/>
         </a:buClr>
         <a:buFont typeface="Arial"/>
-        <a:defRPr sz="1400" b="0" i="0" u="none" strike="noStrike" cap="none">
+        <a:defRPr b="0" i="0" sz="1400" u="none" cap="none" strike="noStrike">
           <a:solidFill>
             <a:srgbClr val="000000"/>
           </a:solidFill>
@@ -6256,7 +6119,7 @@
           <a:sym typeface="Arial"/>
         </a:defRPr>
       </a:lvl2pPr>
-      <a:lvl3pPr marR="0" lvl="2" algn="l" rtl="0">
+      <a:lvl3pPr lvl="2" marR="0" rtl="0" algn="l">
         <a:lnSpc>
           <a:spcPct val="100000"/>
         </a:lnSpc>
@@ -6270,7 +6133,7 @@
           <a:srgbClr val="000000"/>
         </a:buClr>
         <a:buFont typeface="Arial"/>
-        <a:defRPr sz="1400" b="0" i="0" u="none" strike="noStrike" cap="none">
+        <a:defRPr b="0" i="0" sz="1400" u="none" cap="none" strike="noStrike">
           <a:solidFill>
             <a:srgbClr val="000000"/>
           </a:solidFill>
@@ -6280,7 +6143,7 @@
           <a:sym typeface="Arial"/>
         </a:defRPr>
       </a:lvl3pPr>
-      <a:lvl4pPr marR="0" lvl="3" algn="l" rtl="0">
+      <a:lvl4pPr lvl="3" marR="0" rtl="0" algn="l">
         <a:lnSpc>
           <a:spcPct val="100000"/>
         </a:lnSpc>
@@ -6294,7 +6157,7 @@
           <a:srgbClr val="000000"/>
         </a:buClr>
         <a:buFont typeface="Arial"/>
-        <a:defRPr sz="1400" b="0" i="0" u="none" strike="noStrike" cap="none">
+        <a:defRPr b="0" i="0" sz="1400" u="none" cap="none" strike="noStrike">
           <a:solidFill>
             <a:srgbClr val="000000"/>
           </a:solidFill>
@@ -6304,7 +6167,7 @@
           <a:sym typeface="Arial"/>
         </a:defRPr>
       </a:lvl4pPr>
-      <a:lvl5pPr marR="0" lvl="4" algn="l" rtl="0">
+      <a:lvl5pPr lvl="4" marR="0" rtl="0" algn="l">
         <a:lnSpc>
           <a:spcPct val="100000"/>
         </a:lnSpc>
@@ -6318,7 +6181,7 @@
           <a:srgbClr val="000000"/>
         </a:buClr>
         <a:buFont typeface="Arial"/>
-        <a:defRPr sz="1400" b="0" i="0" u="none" strike="noStrike" cap="none">
+        <a:defRPr b="0" i="0" sz="1400" u="none" cap="none" strike="noStrike">
           <a:solidFill>
             <a:srgbClr val="000000"/>
           </a:solidFill>
@@ -6328,7 +6191,7 @@
           <a:sym typeface="Arial"/>
         </a:defRPr>
       </a:lvl5pPr>
-      <a:lvl6pPr marR="0" lvl="5" algn="l" rtl="0">
+      <a:lvl6pPr lvl="5" marR="0" rtl="0" algn="l">
         <a:lnSpc>
           <a:spcPct val="100000"/>
         </a:lnSpc>
@@ -6342,7 +6205,7 @@
           <a:srgbClr val="000000"/>
         </a:buClr>
         <a:buFont typeface="Arial"/>
-        <a:defRPr sz="1400" b="0" i="0" u="none" strike="noStrike" cap="none">
+        <a:defRPr b="0" i="0" sz="1400" u="none" cap="none" strike="noStrike">
           <a:solidFill>
             <a:srgbClr val="000000"/>
           </a:solidFill>
@@ -6352,7 +6215,7 @@
           <a:sym typeface="Arial"/>
         </a:defRPr>
       </a:lvl6pPr>
-      <a:lvl7pPr marR="0" lvl="6" algn="l" rtl="0">
+      <a:lvl7pPr lvl="6" marR="0" rtl="0" algn="l">
         <a:lnSpc>
           <a:spcPct val="100000"/>
         </a:lnSpc>
@@ -6366,7 +6229,7 @@
           <a:srgbClr val="000000"/>
         </a:buClr>
         <a:buFont typeface="Arial"/>
-        <a:defRPr sz="1400" b="0" i="0" u="none" strike="noStrike" cap="none">
+        <a:defRPr b="0" i="0" sz="1400" u="none" cap="none" strike="noStrike">
           <a:solidFill>
             <a:srgbClr val="000000"/>
           </a:solidFill>
@@ -6376,7 +6239,7 @@
           <a:sym typeface="Arial"/>
         </a:defRPr>
       </a:lvl7pPr>
-      <a:lvl8pPr marR="0" lvl="7" algn="l" rtl="0">
+      <a:lvl8pPr lvl="7" marR="0" rtl="0" algn="l">
         <a:lnSpc>
           <a:spcPct val="100000"/>
         </a:lnSpc>
@@ -6390,7 +6253,7 @@
           <a:srgbClr val="000000"/>
         </a:buClr>
         <a:buFont typeface="Arial"/>
-        <a:defRPr sz="1400" b="0" i="0" u="none" strike="noStrike" cap="none">
+        <a:defRPr b="0" i="0" sz="1400" u="none" cap="none" strike="noStrike">
           <a:solidFill>
             <a:srgbClr val="000000"/>
           </a:solidFill>
@@ -6400,7 +6263,7 @@
           <a:sym typeface="Arial"/>
         </a:defRPr>
       </a:lvl8pPr>
-      <a:lvl9pPr marR="0" lvl="8" algn="l" rtl="0">
+      <a:lvl9pPr lvl="8" marR="0" rtl="0" algn="l">
         <a:lnSpc>
           <a:spcPct val="100000"/>
         </a:lnSpc>
@@ -6414,7 +6277,7 @@
           <a:srgbClr val="000000"/>
         </a:buClr>
         <a:buFont typeface="Arial"/>
-        <a:defRPr sz="1400" b="0" i="0" u="none" strike="noStrike" cap="none">
+        <a:defRPr b="0" i="0" sz="1400" u="none" cap="none" strike="noStrike">
           <a:solidFill>
             <a:srgbClr val="000000"/>
           </a:solidFill>
@@ -6426,7 +6289,7 @@
       </a:lvl9pPr>
     </p:bodyStyle>
     <p:otherStyle>
-      <a:defPPr marR="0" lvl="0" algn="l" rtl="0">
+      <a:defPPr lvl="0" marR="0" rtl="0" algn="l">
         <a:lnSpc>
           <a:spcPct val="100000"/>
         </a:lnSpc>
@@ -6437,7 +6300,7 @@
           <a:spcPts val="0"/>
         </a:spcAft>
       </a:defPPr>
-      <a:lvl1pPr marR="0" lvl="0" algn="l" rtl="0">
+      <a:lvl1pPr lvl="0" marR="0" rtl="0" algn="l">
         <a:lnSpc>
           <a:spcPct val="100000"/>
         </a:lnSpc>
@@ -6451,7 +6314,7 @@
           <a:srgbClr val="000000"/>
         </a:buClr>
         <a:buFont typeface="Arial"/>
-        <a:defRPr sz="1400" b="0" i="0" u="none" strike="noStrike" cap="none">
+        <a:defRPr b="0" i="0" sz="1400" u="none" cap="none" strike="noStrike">
           <a:solidFill>
             <a:srgbClr val="000000"/>
           </a:solidFill>
@@ -6461,7 +6324,7 @@
           <a:sym typeface="Arial"/>
         </a:defRPr>
       </a:lvl1pPr>
-      <a:lvl2pPr marR="0" lvl="1" algn="l" rtl="0">
+      <a:lvl2pPr lvl="1" marR="0" rtl="0" algn="l">
         <a:lnSpc>
           <a:spcPct val="100000"/>
         </a:lnSpc>
@@ -6475,7 +6338,7 @@
           <a:srgbClr val="000000"/>
         </a:buClr>
         <a:buFont typeface="Arial"/>
-        <a:defRPr sz="1400" b="0" i="0" u="none" strike="noStrike" cap="none">
+        <a:defRPr b="0" i="0" sz="1400" u="none" cap="none" strike="noStrike">
           <a:solidFill>
             <a:srgbClr val="000000"/>
           </a:solidFill>
@@ -6485,7 +6348,7 @@
           <a:sym typeface="Arial"/>
         </a:defRPr>
       </a:lvl2pPr>
-      <a:lvl3pPr marR="0" lvl="2" algn="l" rtl="0">
+      <a:lvl3pPr lvl="2" marR="0" rtl="0" algn="l">
         <a:lnSpc>
           <a:spcPct val="100000"/>
         </a:lnSpc>
@@ -6499,7 +6362,7 @@
           <a:srgbClr val="000000"/>
         </a:buClr>
         <a:buFont typeface="Arial"/>
-        <a:defRPr sz="1400" b="0" i="0" u="none" strike="noStrike" cap="none">
+        <a:defRPr b="0" i="0" sz="1400" u="none" cap="none" strike="noStrike">
           <a:solidFill>
             <a:srgbClr val="000000"/>
           </a:solidFill>
@@ -6509,7 +6372,7 @@
           <a:sym typeface="Arial"/>
         </a:defRPr>
       </a:lvl3pPr>
-      <a:lvl4pPr marR="0" lvl="3" algn="l" rtl="0">
+      <a:lvl4pPr lvl="3" marR="0" rtl="0" algn="l">
         <a:lnSpc>
           <a:spcPct val="100000"/>
         </a:lnSpc>
@@ -6523,7 +6386,7 @@
           <a:srgbClr val="000000"/>
         </a:buClr>
         <a:buFont typeface="Arial"/>
-        <a:defRPr sz="1400" b="0" i="0" u="none" strike="noStrike" cap="none">
+        <a:defRPr b="0" i="0" sz="1400" u="none" cap="none" strike="noStrike">
           <a:solidFill>
             <a:srgbClr val="000000"/>
           </a:solidFill>
@@ -6533,7 +6396,7 @@
           <a:sym typeface="Arial"/>
         </a:defRPr>
       </a:lvl4pPr>
-      <a:lvl5pPr marR="0" lvl="4" algn="l" rtl="0">
+      <a:lvl5pPr lvl="4" marR="0" rtl="0" algn="l">
         <a:lnSpc>
           <a:spcPct val="100000"/>
         </a:lnSpc>
@@ -6547,7 +6410,7 @@
           <a:srgbClr val="000000"/>
         </a:buClr>
         <a:buFont typeface="Arial"/>
-        <a:defRPr sz="1400" b="0" i="0" u="none" strike="noStrike" cap="none">
+        <a:defRPr b="0" i="0" sz="1400" u="none" cap="none" strike="noStrike">
           <a:solidFill>
             <a:srgbClr val="000000"/>
           </a:solidFill>
@@ -6557,7 +6420,7 @@
           <a:sym typeface="Arial"/>
         </a:defRPr>
       </a:lvl5pPr>
-      <a:lvl6pPr marR="0" lvl="5" algn="l" rtl="0">
+      <a:lvl6pPr lvl="5" marR="0" rtl="0" algn="l">
         <a:lnSpc>
           <a:spcPct val="100000"/>
         </a:lnSpc>
@@ -6571,7 +6434,7 @@
           <a:srgbClr val="000000"/>
         </a:buClr>
         <a:buFont typeface="Arial"/>
-        <a:defRPr sz="1400" b="0" i="0" u="none" strike="noStrike" cap="none">
+        <a:defRPr b="0" i="0" sz="1400" u="none" cap="none" strike="noStrike">
           <a:solidFill>
             <a:srgbClr val="000000"/>
           </a:solidFill>
@@ -6581,7 +6444,7 @@
           <a:sym typeface="Arial"/>
         </a:defRPr>
       </a:lvl6pPr>
-      <a:lvl7pPr marR="0" lvl="6" algn="l" rtl="0">
+      <a:lvl7pPr lvl="6" marR="0" rtl="0" algn="l">
         <a:lnSpc>
           <a:spcPct val="100000"/>
         </a:lnSpc>
@@ -6595,7 +6458,7 @@
           <a:srgbClr val="000000"/>
         </a:buClr>
         <a:buFont typeface="Arial"/>
-        <a:defRPr sz="1400" b="0" i="0" u="none" strike="noStrike" cap="none">
+        <a:defRPr b="0" i="0" sz="1400" u="none" cap="none" strike="noStrike">
           <a:solidFill>
             <a:srgbClr val="000000"/>
           </a:solidFill>
@@ -6605,7 +6468,7 @@
           <a:sym typeface="Arial"/>
         </a:defRPr>
       </a:lvl7pPr>
-      <a:lvl8pPr marR="0" lvl="7" algn="l" rtl="0">
+      <a:lvl8pPr lvl="7" marR="0" rtl="0" algn="l">
         <a:lnSpc>
           <a:spcPct val="100000"/>
         </a:lnSpc>
@@ -6619,7 +6482,7 @@
           <a:srgbClr val="000000"/>
         </a:buClr>
         <a:buFont typeface="Arial"/>
-        <a:defRPr sz="1400" b="0" i="0" u="none" strike="noStrike" cap="none">
+        <a:defRPr b="0" i="0" sz="1400" u="none" cap="none" strike="noStrike">
           <a:solidFill>
             <a:srgbClr val="000000"/>
           </a:solidFill>
@@ -6629,7 +6492,7 @@
           <a:sym typeface="Arial"/>
         </a:defRPr>
       </a:lvl8pPr>
-      <a:lvl9pPr marR="0" lvl="8" algn="l" rtl="0">
+      <a:lvl9pPr lvl="8" marR="0" rtl="0" algn="l">
         <a:lnSpc>
           <a:spcPct val="100000"/>
         </a:lnSpc>
@@ -6643,7 +6506,7 @@
           <a:srgbClr val="000000"/>
         </a:buClr>
         <a:buFont typeface="Arial"/>
-        <a:defRPr sz="1400" b="0" i="0" u="none" strike="noStrike" cap="none">
+        <a:defRPr b="0" i="0" sz="1400" u="none" cap="none" strike="noStrike">
           <a:solidFill>
             <a:srgbClr val="000000"/>
           </a:solidFill>
@@ -6659,11 +6522,11 @@
 </file>
 
 <file path=ppt/slides/slide1.xml><?xml version="1.0" encoding="utf-8"?>
-<p:sld xmlns:a="http://schemas.openxmlformats.org/drawingml/2006/main" xmlns:r="http://schemas.openxmlformats.org/officeDocument/2006/relationships" xmlns:p="http://schemas.openxmlformats.org/presentationml/2006/main">
+<p:sld xmlns:a="http://schemas.openxmlformats.org/drawingml/2006/main" xmlns:r="http://schemas.openxmlformats.org/officeDocument/2006/relationships" xmlns:mc="http://schemas.openxmlformats.org/markup-compatibility/2006" xmlns:mv="urn:schemas-microsoft-com:mac:vml" xmlns:p="http://schemas.openxmlformats.org/presentationml/2006/main" xmlns:c="http://schemas.openxmlformats.org/drawingml/2006/chart" xmlns:dgm="http://schemas.openxmlformats.org/drawingml/2006/diagram" xmlns:o="urn:schemas-microsoft-com:office:office" xmlns:v="urn:schemas-microsoft-com:vml" xmlns:pvml="urn:schemas-microsoft-com:office:powerpoint" xmlns:com="http://schemas.openxmlformats.org/drawingml/2006/compatibility" xmlns:p14="http://schemas.microsoft.com/office/powerpoint/2010/main" xmlns:p15="http://schemas.microsoft.com/office/powerpoint/2012/main">
   <p:cSld>
     <p:spTree>
       <p:nvGrpSpPr>
-        <p:cNvPr id="1" name="Shape 58"/>
+        <p:cNvPr id="58" name="Shape 58"/>
         <p:cNvGrpSpPr/>
         <p:nvPr/>
       </p:nvGrpSpPr>
@@ -6678,11 +6541,9 @@
       <p:sp>
         <p:nvSpPr>
           <p:cNvPr id="59" name="Google Shape;59;p13"/>
-          <p:cNvSpPr txBox="1">
-            <a:spLocks noGrp="1"/>
-          </p:cNvSpPr>
+          <p:cNvSpPr txBox="1"/>
           <p:nvPr>
-            <p:ph type="ctrTitle" idx="4294967295"/>
+            <p:ph idx="4294967295" type="ctrTitle"/>
           </p:nvPr>
         </p:nvSpPr>
         <p:spPr>
@@ -6695,12 +6556,12 @@
           </a:prstGeom>
         </p:spPr>
         <p:txBody>
-          <a:bodyPr spcFirstLastPara="1" wrap="square" lIns="91425" tIns="91425" rIns="91425" bIns="91425" anchor="t" anchorCtr="0">
+          <a:bodyPr anchorCtr="0" anchor="t" bIns="91425" lIns="91425" spcFirstLastPara="1" rIns="91425" wrap="square" tIns="91425">
             <a:noAutofit/>
           </a:bodyPr>
           <a:lstStyle/>
           <a:p>
-            <a:pPr marL="0" lvl="0" indent="0" algn="ctr" rtl="0">
+            <a:pPr indent="0" lvl="0" marL="0" rtl="0" algn="ctr">
               <a:spcBef>
                 <a:spcPts val="0"/>
               </a:spcBef>
@@ -6716,7 +6577,7 @@
             <a:endParaRPr sz="4800"/>
           </a:p>
           <a:p>
-            <a:pPr marL="0" lvl="0" indent="0" algn="ctr" rtl="0">
+            <a:pPr indent="0" lvl="0" marL="0" rtl="0" algn="ctr">
               <a:spcBef>
                 <a:spcPts val="0"/>
               </a:spcBef>
@@ -6732,7 +6593,7 @@
             <a:endParaRPr sz="4800"/>
           </a:p>
           <a:p>
-            <a:pPr marL="0" lvl="0" indent="0" algn="ctr" rtl="0">
+            <a:pPr indent="0" lvl="0" marL="0" rtl="0" algn="ctr">
               <a:spcBef>
                 <a:spcPts val="0"/>
               </a:spcBef>
@@ -6752,11 +6613,9 @@
       <p:sp>
         <p:nvSpPr>
           <p:cNvPr id="60" name="Google Shape;60;p13"/>
-          <p:cNvSpPr txBox="1">
-            <a:spLocks noGrp="1"/>
-          </p:cNvSpPr>
+          <p:cNvSpPr txBox="1"/>
           <p:nvPr>
-            <p:ph type="subTitle" idx="4294967295"/>
+            <p:ph idx="4294967295" type="subTitle"/>
           </p:nvPr>
         </p:nvSpPr>
         <p:spPr>
@@ -6769,12 +6628,12 @@
           </a:prstGeom>
         </p:spPr>
         <p:txBody>
-          <a:bodyPr spcFirstLastPara="1" wrap="square" lIns="91425" tIns="91425" rIns="91425" bIns="91425" anchor="t" anchorCtr="0">
+          <a:bodyPr anchorCtr="0" anchor="t" bIns="91425" lIns="91425" spcFirstLastPara="1" rIns="91425" wrap="square" tIns="91425">
             <a:noAutofit/>
           </a:bodyPr>
           <a:lstStyle/>
           <a:p>
-            <a:pPr marL="0" lvl="0" indent="0" algn="ctr" rtl="0">
+            <a:pPr indent="0" lvl="0" marL="0" rtl="0" algn="ctr">
               <a:spcBef>
                 <a:spcPts val="0"/>
               </a:spcBef>
@@ -6800,7 +6659,7 @@
             </a:endParaRPr>
           </a:p>
           <a:p>
-            <a:pPr marL="0" lvl="0" indent="0" algn="ctr" rtl="0">
+            <a:pPr indent="0" lvl="0" marL="0" rtl="0" algn="ctr">
               <a:spcBef>
                 <a:spcPts val="1600"/>
               </a:spcBef>
@@ -6836,11 +6695,11 @@
 </file>
 
 <file path=ppt/slides/slide2.xml><?xml version="1.0" encoding="utf-8"?>
-<p:sld xmlns:a="http://schemas.openxmlformats.org/drawingml/2006/main" xmlns:r="http://schemas.openxmlformats.org/officeDocument/2006/relationships" xmlns:p="http://schemas.openxmlformats.org/presentationml/2006/main">
+<p:sld xmlns:a="http://schemas.openxmlformats.org/drawingml/2006/main" xmlns:r="http://schemas.openxmlformats.org/officeDocument/2006/relationships" xmlns:mc="http://schemas.openxmlformats.org/markup-compatibility/2006" xmlns:mv="urn:schemas-microsoft-com:mac:vml" xmlns:p="http://schemas.openxmlformats.org/presentationml/2006/main" xmlns:c="http://schemas.openxmlformats.org/drawingml/2006/chart" xmlns:dgm="http://schemas.openxmlformats.org/drawingml/2006/diagram" xmlns:o="urn:schemas-microsoft-com:office:office" xmlns:v="urn:schemas-microsoft-com:vml" xmlns:pvml="urn:schemas-microsoft-com:office:powerpoint" xmlns:com="http://schemas.openxmlformats.org/drawingml/2006/compatibility" xmlns:p14="http://schemas.microsoft.com/office/powerpoint/2010/main" xmlns:p15="http://schemas.microsoft.com/office/powerpoint/2012/main">
   <p:cSld>
     <p:spTree>
       <p:nvGrpSpPr>
-        <p:cNvPr id="1" name="Shape 64"/>
+        <p:cNvPr id="64" name="Shape 64"/>
         <p:cNvGrpSpPr/>
         <p:nvPr/>
       </p:nvGrpSpPr>
@@ -6855,9 +6714,7 @@
       <p:sp>
         <p:nvSpPr>
           <p:cNvPr id="65" name="Google Shape;65;p14"/>
-          <p:cNvSpPr txBox="1">
-            <a:spLocks noGrp="1"/>
-          </p:cNvSpPr>
+          <p:cNvSpPr txBox="1"/>
           <p:nvPr>
             <p:ph type="title"/>
           </p:nvPr>
@@ -6872,12 +6729,12 @@
           </a:prstGeom>
         </p:spPr>
         <p:txBody>
-          <a:bodyPr spcFirstLastPara="1" wrap="square" lIns="91425" tIns="91425" rIns="91425" bIns="91425" anchor="ctr" anchorCtr="0">
+          <a:bodyPr anchorCtr="0" anchor="ctr" bIns="91425" lIns="91425" spcFirstLastPara="1" rIns="91425" wrap="square" tIns="91425">
             <a:noAutofit/>
           </a:bodyPr>
           <a:lstStyle/>
           <a:p>
-            <a:pPr marL="0" lvl="0" indent="0" algn="l" rtl="0">
+            <a:pPr indent="0" lvl="0" marL="0" rtl="0" algn="l">
               <a:spcBef>
                 <a:spcPts val="0"/>
               </a:spcBef>
@@ -6897,11 +6754,9 @@
       <p:sp>
         <p:nvSpPr>
           <p:cNvPr id="66" name="Google Shape;66;p14"/>
-          <p:cNvSpPr txBox="1">
-            <a:spLocks noGrp="1"/>
-          </p:cNvSpPr>
+          <p:cNvSpPr txBox="1"/>
           <p:nvPr>
-            <p:ph type="body" idx="2"/>
+            <p:ph idx="2" type="body"/>
           </p:nvPr>
         </p:nvSpPr>
         <p:spPr>
@@ -6913,7 +6768,7 @@
             <a:avLst/>
           </a:prstGeom>
           <a:effectLst>
-            <a:outerShdw blurRad="57150" dist="19050" dir="5400000" algn="bl" rotWithShape="0">
+            <a:outerShdw blurRad="57150" rotWithShape="0" algn="bl" dir="5400000" dist="19050">
               <a:srgbClr val="000000">
                 <a:alpha val="50000"/>
               </a:srgbClr>
@@ -6921,12 +6776,12 @@
           </a:effectLst>
         </p:spPr>
         <p:txBody>
-          <a:bodyPr spcFirstLastPara="1" wrap="square" lIns="91425" tIns="91425" rIns="91425" bIns="91425" anchor="ctr" anchorCtr="0">
+          <a:bodyPr anchorCtr="0" anchor="ctr" bIns="91425" lIns="91425" spcFirstLastPara="1" rIns="91425" wrap="square" tIns="91425">
             <a:noAutofit/>
           </a:bodyPr>
           <a:lstStyle/>
           <a:p>
-            <a:pPr marL="457200" lvl="0" indent="-381000" algn="l" rtl="0">
+            <a:pPr indent="-381000" lvl="0" marL="457200" rtl="0" algn="l">
               <a:lnSpc>
                 <a:spcPct val="150000"/>
               </a:lnSpc>
@@ -6944,7 +6799,7 @@
               <a:buChar char="●"/>
             </a:pPr>
             <a:r>
-              <a:rPr lang="ko" sz="2400" dirty="0">
+              <a:rPr lang="ko" sz="2400">
                 <a:solidFill>
                   <a:schemeClr val="accent3"/>
                 </a:solidFill>
@@ -6955,7 +6810,7 @@
               </a:rPr>
               <a:t>오버로딩이란?</a:t>
             </a:r>
-            <a:endParaRPr sz="2400" dirty="0">
+            <a:endParaRPr sz="2400">
               <a:solidFill>
                 <a:schemeClr val="accent3"/>
               </a:solidFill>
@@ -6966,7 +6821,7 @@
             </a:endParaRPr>
           </a:p>
           <a:p>
-            <a:pPr marL="914400" lvl="1" indent="-342900" algn="l" rtl="0">
+            <a:pPr indent="-342900" lvl="1" marL="914400" rtl="0" algn="l">
               <a:lnSpc>
                 <a:spcPct val="150000"/>
               </a:lnSpc>
@@ -6984,7 +6839,7 @@
               <a:buChar char="○"/>
             </a:pPr>
             <a:r>
-              <a:rPr lang="ko" sz="1800" dirty="0">
+              <a:rPr lang="ko" sz="1800">
                 <a:solidFill>
                   <a:schemeClr val="accent3"/>
                 </a:solidFill>
@@ -6993,9 +6848,9 @@
                 <a:cs typeface="Oswald"/>
                 <a:sym typeface="Oswald"/>
               </a:rPr>
-              <a:t>같은 이름을 가진 메서드를 </a:t>
+              <a:t>같은 이름을 가진 메서드를 여러개 정의 하는 것</a:t>
             </a:r>
-            <a:endParaRPr lang="en-US" altLang="ko" sz="1800" dirty="0">
+            <a:endParaRPr sz="1800">
               <a:solidFill>
                 <a:schemeClr val="accent3"/>
               </a:solidFill>
@@ -7006,7 +6861,7 @@
             </a:endParaRPr>
           </a:p>
           <a:p>
-            <a:pPr marL="571500" lvl="1" indent="0" algn="l" rtl="0">
+            <a:pPr indent="-381000" lvl="0" marL="457200" rtl="0" algn="l">
               <a:lnSpc>
                 <a:spcPct val="150000"/>
               </a:lnSpc>
@@ -7019,11 +6874,12 @@
               <a:buClr>
                 <a:schemeClr val="accent3"/>
               </a:buClr>
-              <a:buSzPts val="1800"/>
-              <a:buNone/>
+              <a:buSzPts val="2400"/>
+              <a:buFont typeface="Oswald"/>
+              <a:buChar char="●"/>
             </a:pPr>
             <a:r>
-              <a:rPr lang="en-US" altLang="ko" sz="1800" dirty="0">
+              <a:rPr lang="ko" sz="2400">
                 <a:solidFill>
                   <a:schemeClr val="accent3"/>
                 </a:solidFill>
@@ -7032,21 +6888,9 @@
                 <a:cs typeface="Oswald"/>
                 <a:sym typeface="Oswald"/>
               </a:rPr>
-              <a:t>	</a:t>
+              <a:t>오버로딩의 조건</a:t>
             </a:r>
-            <a:r>
-              <a:rPr lang="ko" sz="1800" dirty="0">
-                <a:solidFill>
-                  <a:schemeClr val="accent3"/>
-                </a:solidFill>
-                <a:latin typeface="Oswald"/>
-                <a:ea typeface="Oswald"/>
-                <a:cs typeface="Oswald"/>
-                <a:sym typeface="Oswald"/>
-              </a:rPr>
-              <a:t>여러개 정의 하는 것.</a:t>
-            </a:r>
-            <a:endParaRPr sz="1800" dirty="0">
+            <a:endParaRPr sz="2400">
               <a:solidFill>
                 <a:schemeClr val="accent3"/>
               </a:solidFill>
@@ -7057,7 +6901,7 @@
             </a:endParaRPr>
           </a:p>
           <a:p>
-            <a:pPr marL="457200" lvl="0" indent="-381000" algn="l" rtl="0">
+            <a:pPr indent="-342900" lvl="1" marL="914400" rtl="0" algn="l">
               <a:lnSpc>
                 <a:spcPct val="150000"/>
               </a:lnSpc>
@@ -7070,12 +6914,12 @@
               <a:buClr>
                 <a:schemeClr val="accent3"/>
               </a:buClr>
-              <a:buSzPts val="2400"/>
+              <a:buSzPts val="1800"/>
               <a:buFont typeface="Oswald"/>
-              <a:buChar char="●"/>
+              <a:buChar char="○"/>
             </a:pPr>
             <a:r>
-              <a:rPr lang="ko" sz="2400" dirty="0">
+              <a:rPr lang="ko" sz="1800">
                 <a:solidFill>
                   <a:schemeClr val="accent3"/>
                 </a:solidFill>
@@ -7084,9 +6928,9 @@
                 <a:cs typeface="Oswald"/>
                 <a:sym typeface="Oswald"/>
               </a:rPr>
-              <a:t>오버로딩의 조건</a:t>
+              <a:t>메서드 이름이 같아야 한다.</a:t>
             </a:r>
-            <a:endParaRPr sz="2400" dirty="0">
+            <a:endParaRPr sz="1800">
               <a:solidFill>
                 <a:schemeClr val="accent3"/>
               </a:solidFill>
@@ -7097,7 +6941,7 @@
             </a:endParaRPr>
           </a:p>
           <a:p>
-            <a:pPr marL="914400" lvl="1" indent="-342900" algn="l" rtl="0">
+            <a:pPr indent="-342900" lvl="1" marL="914400" rtl="0" algn="l">
               <a:lnSpc>
                 <a:spcPct val="150000"/>
               </a:lnSpc>
@@ -7115,47 +6959,7 @@
               <a:buChar char="○"/>
             </a:pPr>
             <a:r>
-              <a:rPr lang="ko" sz="1800" dirty="0">
-                <a:solidFill>
-                  <a:schemeClr val="accent3"/>
-                </a:solidFill>
-                <a:latin typeface="Oswald"/>
-                <a:ea typeface="Oswald"/>
-                <a:cs typeface="Oswald"/>
-                <a:sym typeface="Oswald"/>
-              </a:rPr>
-              <a:t>메서드 이름이 같아야 한다.</a:t>
-            </a:r>
-            <a:endParaRPr sz="1800" dirty="0">
-              <a:solidFill>
-                <a:schemeClr val="accent3"/>
-              </a:solidFill>
-              <a:latin typeface="Oswald"/>
-              <a:ea typeface="Oswald"/>
-              <a:cs typeface="Oswald"/>
-              <a:sym typeface="Oswald"/>
-            </a:endParaRPr>
-          </a:p>
-          <a:p>
-            <a:pPr marL="914400" lvl="1" indent="-342900" algn="l" rtl="0">
-              <a:lnSpc>
-                <a:spcPct val="150000"/>
-              </a:lnSpc>
-              <a:spcBef>
-                <a:spcPts val="0"/>
-              </a:spcBef>
-              <a:spcAft>
-                <a:spcPts val="0"/>
-              </a:spcAft>
-              <a:buClr>
-                <a:schemeClr val="accent3"/>
-              </a:buClr>
-              <a:buSzPts val="1800"/>
-              <a:buFont typeface="Oswald"/>
-              <a:buChar char="○"/>
-            </a:pPr>
-            <a:r>
-              <a:rPr lang="ko" sz="1800" dirty="0">
+              <a:rPr lang="ko" sz="1800">
                 <a:solidFill>
                   <a:schemeClr val="accent3"/>
                 </a:solidFill>
@@ -7166,7 +6970,7 @@
               </a:rPr>
               <a:t>매개변수의 개수, 타입, 순서가 달라야 한다.</a:t>
             </a:r>
-            <a:endParaRPr sz="1800" dirty="0">
+            <a:endParaRPr sz="1800">
               <a:solidFill>
                 <a:schemeClr val="accent3"/>
               </a:solidFill>
@@ -7244,12 +7048,12 @@
             </a:ln>
           </p:spPr>
           <p:txBody>
-            <a:bodyPr spcFirstLastPara="1" wrap="square" lIns="91425" tIns="91425" rIns="91425" bIns="91425" anchor="ctr" anchorCtr="0">
+            <a:bodyPr anchorCtr="0" anchor="ctr" bIns="91425" lIns="91425" spcFirstLastPara="1" rIns="91425" wrap="square" tIns="91425">
               <a:noAutofit/>
             </a:bodyPr>
             <a:lstStyle/>
             <a:p>
-              <a:pPr marL="0" lvl="0" indent="0" algn="l" rtl="0">
+              <a:pPr indent="0" lvl="0" marL="0" rtl="0" algn="l">
                 <a:spcBef>
                   <a:spcPts val="0"/>
                 </a:spcBef>
@@ -7258,6 +7062,9 @@
                 </a:spcAft>
                 <a:buNone/>
               </a:pPr>
+              <a:r>
+                <a:t/>
+              </a:r>
               <a:endParaRPr/>
             </a:p>
           </p:txBody>
@@ -7286,12 +7093,12 @@
             </a:ln>
           </p:spPr>
           <p:txBody>
-            <a:bodyPr spcFirstLastPara="1" wrap="square" lIns="91425" tIns="91425" rIns="91425" bIns="91425" anchor="ctr" anchorCtr="0">
+            <a:bodyPr anchorCtr="0" anchor="ctr" bIns="91425" lIns="91425" spcFirstLastPara="1" rIns="91425" wrap="square" tIns="91425">
               <a:noAutofit/>
             </a:bodyPr>
             <a:lstStyle/>
             <a:p>
-              <a:pPr marL="0" lvl="0" indent="0" algn="l" rtl="0">
+              <a:pPr indent="0" lvl="0" marL="0" rtl="0" algn="l">
                 <a:spcBef>
                   <a:spcPts val="0"/>
                 </a:spcBef>
@@ -7300,6 +7107,9 @@
                 </a:spcAft>
                 <a:buNone/>
               </a:pPr>
+              <a:r>
+                <a:t/>
+              </a:r>
               <a:endParaRPr/>
             </a:p>
           </p:txBody>
@@ -7343,12 +7153,12 @@
             </a:ln>
           </p:spPr>
           <p:txBody>
-            <a:bodyPr spcFirstLastPara="1" wrap="square" lIns="91425" tIns="91425" rIns="91425" bIns="91425" anchor="ctr" anchorCtr="0">
+            <a:bodyPr anchorCtr="0" anchor="ctr" bIns="91425" lIns="91425" spcFirstLastPara="1" rIns="91425" wrap="square" tIns="91425">
               <a:noAutofit/>
             </a:bodyPr>
             <a:lstStyle/>
             <a:p>
-              <a:pPr marL="0" lvl="0" indent="0" algn="l" rtl="0">
+              <a:pPr indent="0" lvl="0" marL="0" rtl="0" algn="l">
                 <a:spcBef>
                   <a:spcPts val="0"/>
                 </a:spcBef>
@@ -7357,6 +7167,9 @@
                 </a:spcAft>
                 <a:buNone/>
               </a:pPr>
+              <a:r>
+                <a:t/>
+              </a:r>
               <a:endParaRPr/>
             </a:p>
           </p:txBody>
@@ -7385,12 +7198,12 @@
             </a:ln>
           </p:spPr>
           <p:txBody>
-            <a:bodyPr spcFirstLastPara="1" wrap="square" lIns="91425" tIns="91425" rIns="91425" bIns="91425" anchor="ctr" anchorCtr="0">
+            <a:bodyPr anchorCtr="0" anchor="ctr" bIns="91425" lIns="91425" spcFirstLastPara="1" rIns="91425" wrap="square" tIns="91425">
               <a:noAutofit/>
             </a:bodyPr>
             <a:lstStyle/>
             <a:p>
-              <a:pPr marL="0" lvl="0" indent="0" algn="l" rtl="0">
+              <a:pPr indent="0" lvl="0" marL="0" rtl="0" algn="l">
                 <a:spcBef>
                   <a:spcPts val="0"/>
                 </a:spcBef>
@@ -7399,6 +7212,9 @@
                 </a:spcAft>
                 <a:buNone/>
               </a:pPr>
+              <a:r>
+                <a:t/>
+              </a:r>
               <a:endParaRPr/>
             </a:p>
           </p:txBody>
@@ -7456,12 +7272,12 @@
               </a:ln>
             </p:spPr>
             <p:txBody>
-              <a:bodyPr spcFirstLastPara="1" wrap="square" lIns="91425" tIns="91425" rIns="91425" bIns="91425" anchor="ctr" anchorCtr="0">
+              <a:bodyPr anchorCtr="0" anchor="ctr" bIns="91425" lIns="91425" spcFirstLastPara="1" rIns="91425" wrap="square" tIns="91425">
                 <a:noAutofit/>
               </a:bodyPr>
               <a:lstStyle/>
               <a:p>
-                <a:pPr marL="0" lvl="0" indent="0" algn="l" rtl="0">
+                <a:pPr indent="0" lvl="0" marL="0" rtl="0" algn="l">
                   <a:spcBef>
                     <a:spcPts val="0"/>
                   </a:spcBef>
@@ -7470,6 +7286,9 @@
                   </a:spcAft>
                   <a:buNone/>
                 </a:pPr>
+                <a:r>
+                  <a:t/>
+                </a:r>
                 <a:endParaRPr/>
               </a:p>
             </p:txBody>
@@ -7498,12 +7317,12 @@
               </a:ln>
             </p:spPr>
             <p:txBody>
-              <a:bodyPr spcFirstLastPara="1" wrap="square" lIns="91425" tIns="91425" rIns="91425" bIns="91425" anchor="ctr" anchorCtr="0">
+              <a:bodyPr anchorCtr="0" anchor="ctr" bIns="91425" lIns="91425" spcFirstLastPara="1" rIns="91425" wrap="square" tIns="91425">
                 <a:noAutofit/>
               </a:bodyPr>
               <a:lstStyle/>
               <a:p>
-                <a:pPr marL="0" lvl="0" indent="0" algn="l" rtl="0">
+                <a:pPr indent="0" lvl="0" marL="0" rtl="0" algn="l">
                   <a:spcBef>
                     <a:spcPts val="0"/>
                   </a:spcBef>
@@ -7512,6 +7331,9 @@
                   </a:spcAft>
                   <a:buNone/>
                 </a:pPr>
+                <a:r>
+                  <a:t/>
+                </a:r>
                 <a:endParaRPr/>
               </a:p>
             </p:txBody>
@@ -7555,12 +7377,12 @@
               </a:ln>
             </p:spPr>
             <p:txBody>
-              <a:bodyPr spcFirstLastPara="1" wrap="square" lIns="91425" tIns="91425" rIns="91425" bIns="91425" anchor="ctr" anchorCtr="0">
+              <a:bodyPr anchorCtr="0" anchor="ctr" bIns="91425" lIns="91425" spcFirstLastPara="1" rIns="91425" wrap="square" tIns="91425">
                 <a:noAutofit/>
               </a:bodyPr>
               <a:lstStyle/>
               <a:p>
-                <a:pPr marL="0" lvl="0" indent="0" algn="l" rtl="0">
+                <a:pPr indent="0" lvl="0" marL="0" rtl="0" algn="l">
                   <a:spcBef>
                     <a:spcPts val="0"/>
                   </a:spcBef>
@@ -7569,6 +7391,9 @@
                   </a:spcAft>
                   <a:buNone/>
                 </a:pPr>
+                <a:r>
+                  <a:t/>
+                </a:r>
                 <a:endParaRPr/>
               </a:p>
             </p:txBody>
@@ -7597,12 +7422,12 @@
               </a:ln>
             </p:spPr>
             <p:txBody>
-              <a:bodyPr spcFirstLastPara="1" wrap="square" lIns="91425" tIns="91425" rIns="91425" bIns="91425" anchor="ctr" anchorCtr="0">
+              <a:bodyPr anchorCtr="0" anchor="ctr" bIns="91425" lIns="91425" spcFirstLastPara="1" rIns="91425" wrap="square" tIns="91425">
                 <a:noAutofit/>
               </a:bodyPr>
               <a:lstStyle/>
               <a:p>
-                <a:pPr marL="0" lvl="0" indent="0" algn="l" rtl="0">
+                <a:pPr indent="0" lvl="0" marL="0" rtl="0" algn="l">
                   <a:spcBef>
                     <a:spcPts val="0"/>
                   </a:spcBef>
@@ -7611,6 +7436,9 @@
                   </a:spcAft>
                   <a:buNone/>
                 </a:pPr>
+                <a:r>
+                  <a:t/>
+                </a:r>
                 <a:endParaRPr/>
               </a:p>
             </p:txBody>
@@ -7625,77 +7453,32 @@
   <p:timing>
     <p:tnLst>
       <p:par>
-        <p:cTn id="1" dur="indefinite" restart="never" nodeType="tmRoot">
+        <p:cTn dur="indefinite" nodeType="tmRoot" restart="never">
           <p:childTnLst>
             <p:seq concurrent="1" nextAc="seek">
-              <p:cTn id="2" dur="indefinite" nodeType="mainSeq">
+              <p:cTn dur="indefinite" id="2" nodeType="mainSeq">
                 <p:childTnLst>
                   <p:par>
-                    <p:cTn id="3" fill="hold">
+                    <p:cTn fill="hold">
                       <p:stCondLst>
                         <p:cond delay="indefinite"/>
                       </p:stCondLst>
                       <p:childTnLst>
                         <p:par>
-                          <p:cTn id="4" fill="hold">
+                          <p:cTn fill="hold">
                             <p:stCondLst>
                               <p:cond delay="0"/>
                             </p:stCondLst>
                             <p:childTnLst>
                               <p:par>
-                                <p:cTn id="5" presetID="1" presetClass="entr" presetSubtype="0" fill="hold" nodeType="clickEffect">
+                                <p:cTn fill="hold" nodeType="clickEffect" presetClass="entr" presetID="1" presetSubtype="0">
                                   <p:stCondLst>
                                     <p:cond delay="0"/>
                                   </p:stCondLst>
                                   <p:childTnLst>
                                     <p:set>
                                       <p:cBhvr>
-                                        <p:cTn id="6" dur="1" fill="hold">
-                                          <p:stCondLst>
-                                            <p:cond delay="0"/>
-                                          </p:stCondLst>
-                                        </p:cTn>
-                                        <p:tgtEl>
-                                          <p:spTgt spid="67"/>
-                                        </p:tgtEl>
-                                        <p:attrNameLst>
-                                          <p:attrName>style.visibility</p:attrName>
-                                        </p:attrNameLst>
-                                      </p:cBhvr>
-                                      <p:to>
-                                        <p:strVal val="visible"/>
-                                      </p:to>
-                                    </p:set>
-                                  </p:childTnLst>
-                                </p:cTn>
-                              </p:par>
-                            </p:childTnLst>
-                          </p:cTn>
-                        </p:par>
-                      </p:childTnLst>
-                    </p:cTn>
-                  </p:par>
-                  <p:par>
-                    <p:cTn id="7" fill="hold">
-                      <p:stCondLst>
-                        <p:cond delay="indefinite"/>
-                      </p:stCondLst>
-                      <p:childTnLst>
-                        <p:par>
-                          <p:cTn id="8" fill="hold">
-                            <p:stCondLst>
-                              <p:cond delay="0"/>
-                            </p:stCondLst>
-                            <p:childTnLst>
-                              <p:par>
-                                <p:cTn id="9" presetID="1" presetClass="entr" presetSubtype="0" fill="hold" nodeType="clickEffect">
-                                  <p:stCondLst>
-                                    <p:cond delay="0"/>
-                                  </p:stCondLst>
-                                  <p:childTnLst>
-                                    <p:set>
-                                      <p:cBhvr>
-                                        <p:cTn id="10" dur="1" fill="hold">
+                                        <p:cTn dur="1" fill="hold">
                                           <p:stCondLst>
                                             <p:cond delay="0"/>
                                           </p:stCondLst>
@@ -7721,26 +7504,26 @@
                     </p:cTn>
                   </p:par>
                   <p:par>
-                    <p:cTn id="11" fill="hold">
+                    <p:cTn fill="hold">
                       <p:stCondLst>
                         <p:cond delay="indefinite"/>
                       </p:stCondLst>
                       <p:childTnLst>
                         <p:par>
-                          <p:cTn id="12" fill="hold">
+                          <p:cTn fill="hold">
                             <p:stCondLst>
                               <p:cond delay="0"/>
                             </p:stCondLst>
                             <p:childTnLst>
                               <p:par>
-                                <p:cTn id="13" presetID="1" presetClass="entr" presetSubtype="0" fill="hold" nodeType="clickEffect">
+                                <p:cTn fill="hold" nodeType="clickEffect" presetClass="entr" presetID="1" presetSubtype="0">
                                   <p:stCondLst>
                                     <p:cond delay="0"/>
                                   </p:stCondLst>
                                   <p:childTnLst>
                                     <p:set>
                                       <p:cBhvr>
-                                        <p:cTn id="14" dur="1" fill="hold">
+                                        <p:cTn dur="1" fill="hold">
                                           <p:stCondLst>
                                             <p:cond delay="0"/>
                                           </p:stCondLst>
@@ -7766,26 +7549,26 @@
                     </p:cTn>
                   </p:par>
                   <p:par>
-                    <p:cTn id="15" fill="hold">
+                    <p:cTn fill="hold">
                       <p:stCondLst>
                         <p:cond delay="indefinite"/>
                       </p:stCondLst>
                       <p:childTnLst>
                         <p:par>
-                          <p:cTn id="16" fill="hold">
+                          <p:cTn fill="hold">
                             <p:stCondLst>
                               <p:cond delay="0"/>
                             </p:stCondLst>
                             <p:childTnLst>
                               <p:par>
-                                <p:cTn id="17" presetID="1" presetClass="entr" presetSubtype="0" fill="hold" nodeType="clickEffect">
+                                <p:cTn fill="hold" nodeType="clickEffect" presetClass="entr" presetID="1" presetSubtype="0">
                                   <p:stCondLst>
                                     <p:cond delay="0"/>
                                   </p:stCondLst>
                                   <p:childTnLst>
                                     <p:set>
                                       <p:cBhvr>
-                                        <p:cTn id="18" dur="1" fill="hold">
+                                        <p:cTn dur="1" fill="hold">
                                           <p:stCondLst>
                                             <p:cond delay="0"/>
                                           </p:stCondLst>
@@ -7813,14 +7596,14 @@
                 </p:childTnLst>
               </p:cTn>
               <p:prevCondLst>
-                <p:cond evt="onPrev" delay="0">
+                <p:cond evt="onPrev">
                   <p:tgtEl>
                     <p:sldTgt/>
                   </p:tgtEl>
                 </p:cond>
               </p:prevCondLst>
               <p:nextCondLst>
-                <p:cond evt="onNext" delay="0">
+                <p:cond evt="onNext">
                   <p:tgtEl>
                     <p:sldTgt/>
                   </p:tgtEl>
@@ -7836,11 +7619,11 @@
 </file>
 
 <file path=ppt/slides/slide3.xml><?xml version="1.0" encoding="utf-8"?>
-<p:sld xmlns:a="http://schemas.openxmlformats.org/drawingml/2006/main" xmlns:r="http://schemas.openxmlformats.org/officeDocument/2006/relationships" xmlns:p="http://schemas.openxmlformats.org/presentationml/2006/main">
+<p:sld xmlns:a="http://schemas.openxmlformats.org/drawingml/2006/main" xmlns:r="http://schemas.openxmlformats.org/officeDocument/2006/relationships" xmlns:mc="http://schemas.openxmlformats.org/markup-compatibility/2006" xmlns:mv="urn:schemas-microsoft-com:mac:vml" xmlns:p="http://schemas.openxmlformats.org/presentationml/2006/main" xmlns:c="http://schemas.openxmlformats.org/drawingml/2006/chart" xmlns:dgm="http://schemas.openxmlformats.org/drawingml/2006/diagram" xmlns:o="urn:schemas-microsoft-com:office:office" xmlns:v="urn:schemas-microsoft-com:vml" xmlns:pvml="urn:schemas-microsoft-com:office:powerpoint" xmlns:com="http://schemas.openxmlformats.org/drawingml/2006/compatibility" xmlns:p14="http://schemas.microsoft.com/office/powerpoint/2010/main" xmlns:p15="http://schemas.microsoft.com/office/powerpoint/2012/main">
   <p:cSld>
     <p:spTree>
       <p:nvGrpSpPr>
-        <p:cNvPr id="1" name="Shape 84"/>
+        <p:cNvPr id="84" name="Shape 84"/>
         <p:cNvGrpSpPr/>
         <p:nvPr/>
       </p:nvGrpSpPr>
@@ -7855,9 +7638,7 @@
       <p:sp>
         <p:nvSpPr>
           <p:cNvPr id="85" name="Google Shape;85;p15"/>
-          <p:cNvSpPr txBox="1">
-            <a:spLocks noGrp="1"/>
-          </p:cNvSpPr>
+          <p:cNvSpPr txBox="1"/>
           <p:nvPr>
             <p:ph type="title"/>
           </p:nvPr>
@@ -7872,12 +7653,12 @@
           </a:prstGeom>
         </p:spPr>
         <p:txBody>
-          <a:bodyPr spcFirstLastPara="1" wrap="square" lIns="91425" tIns="91425" rIns="91425" bIns="91425" anchor="ctr" anchorCtr="0">
+          <a:bodyPr anchorCtr="0" anchor="ctr" bIns="91425" lIns="91425" spcFirstLastPara="1" rIns="91425" wrap="square" tIns="91425">
             <a:noAutofit/>
           </a:bodyPr>
           <a:lstStyle/>
           <a:p>
-            <a:pPr marL="0" lvl="0" indent="0" algn="ctr" rtl="0">
+            <a:pPr indent="0" lvl="0" marL="0" rtl="0" algn="ctr">
               <a:lnSpc>
                 <a:spcPct val="150000"/>
               </a:lnSpc>
@@ -7896,7 +7677,7 @@
             <a:endParaRPr sz="3000"/>
           </a:p>
           <a:p>
-            <a:pPr marL="0" lvl="0" indent="0" algn="ctr" rtl="0">
+            <a:pPr indent="0" lvl="0" marL="0" rtl="0" algn="ctr">
               <a:lnSpc>
                 <a:spcPct val="150000"/>
               </a:lnSpc>
@@ -7982,12 +7763,12 @@
             </a:ln>
           </p:spPr>
           <p:txBody>
-            <a:bodyPr spcFirstLastPara="1" wrap="square" lIns="91425" tIns="91425" rIns="91425" bIns="91425" anchor="ctr" anchorCtr="0">
+            <a:bodyPr anchorCtr="0" anchor="ctr" bIns="91425" lIns="91425" spcFirstLastPara="1" rIns="91425" wrap="square" tIns="91425">
               <a:noAutofit/>
             </a:bodyPr>
             <a:lstStyle/>
             <a:p>
-              <a:pPr marL="0" lvl="0" indent="0" algn="l" rtl="0">
+              <a:pPr indent="0" lvl="0" marL="0" rtl="0" algn="l">
                 <a:spcBef>
                   <a:spcPts val="0"/>
                 </a:spcBef>
@@ -7996,6 +7777,9 @@
                 </a:spcAft>
                 <a:buNone/>
               </a:pPr>
+              <a:r>
+                <a:t/>
+              </a:r>
               <a:endParaRPr/>
             </a:p>
           </p:txBody>
@@ -8024,12 +7808,12 @@
             </a:ln>
           </p:spPr>
           <p:txBody>
-            <a:bodyPr spcFirstLastPara="1" wrap="square" lIns="91425" tIns="91425" rIns="91425" bIns="91425" anchor="ctr" anchorCtr="0">
+            <a:bodyPr anchorCtr="0" anchor="ctr" bIns="91425" lIns="91425" spcFirstLastPara="1" rIns="91425" wrap="square" tIns="91425">
               <a:noAutofit/>
             </a:bodyPr>
             <a:lstStyle/>
             <a:p>
-              <a:pPr marL="0" lvl="0" indent="0" algn="l" rtl="0">
+              <a:pPr indent="0" lvl="0" marL="0" rtl="0" algn="l">
                 <a:spcBef>
                   <a:spcPts val="0"/>
                 </a:spcBef>
@@ -8038,6 +7822,9 @@
                 </a:spcAft>
                 <a:buNone/>
               </a:pPr>
+              <a:r>
+                <a:t/>
+              </a:r>
               <a:endParaRPr/>
             </a:p>
           </p:txBody>
@@ -8081,12 +7868,12 @@
             </a:ln>
           </p:spPr>
           <p:txBody>
-            <a:bodyPr spcFirstLastPara="1" wrap="square" lIns="91425" tIns="91425" rIns="91425" bIns="91425" anchor="ctr" anchorCtr="0">
+            <a:bodyPr anchorCtr="0" anchor="ctr" bIns="91425" lIns="91425" spcFirstLastPara="1" rIns="91425" wrap="square" tIns="91425">
               <a:noAutofit/>
             </a:bodyPr>
             <a:lstStyle/>
             <a:p>
-              <a:pPr marL="0" lvl="0" indent="0" algn="l" rtl="0">
+              <a:pPr indent="0" lvl="0" marL="0" rtl="0" algn="l">
                 <a:spcBef>
                   <a:spcPts val="0"/>
                 </a:spcBef>
@@ -8095,6 +7882,9 @@
                 </a:spcAft>
                 <a:buNone/>
               </a:pPr>
+              <a:r>
+                <a:t/>
+              </a:r>
               <a:endParaRPr/>
             </a:p>
           </p:txBody>
@@ -8123,12 +7913,12 @@
             </a:ln>
           </p:spPr>
           <p:txBody>
-            <a:bodyPr spcFirstLastPara="1" wrap="square" lIns="91425" tIns="91425" rIns="91425" bIns="91425" anchor="ctr" anchorCtr="0">
+            <a:bodyPr anchorCtr="0" anchor="ctr" bIns="91425" lIns="91425" spcFirstLastPara="1" rIns="91425" wrap="square" tIns="91425">
               <a:noAutofit/>
             </a:bodyPr>
             <a:lstStyle/>
             <a:p>
-              <a:pPr marL="0" lvl="0" indent="0" algn="l" rtl="0">
+              <a:pPr indent="0" lvl="0" marL="0" rtl="0" algn="l">
                 <a:spcBef>
                   <a:spcPts val="0"/>
                 </a:spcBef>
@@ -8137,6 +7927,9 @@
                 </a:spcAft>
                 <a:buNone/>
               </a:pPr>
+              <a:r>
+                <a:t/>
+              </a:r>
               <a:endParaRPr/>
             </a:p>
           </p:txBody>
@@ -8180,12 +7973,12 @@
             </a:ln>
           </p:spPr>
           <p:txBody>
-            <a:bodyPr spcFirstLastPara="1" wrap="square" lIns="91425" tIns="91425" rIns="91425" bIns="91425" anchor="ctr" anchorCtr="0">
+            <a:bodyPr anchorCtr="0" anchor="ctr" bIns="91425" lIns="91425" spcFirstLastPara="1" rIns="91425" wrap="square" tIns="91425">
               <a:noAutofit/>
             </a:bodyPr>
             <a:lstStyle/>
             <a:p>
-              <a:pPr marL="0" lvl="0" indent="0" algn="l" rtl="0">
+              <a:pPr indent="0" lvl="0" marL="0" rtl="0" algn="l">
                 <a:spcBef>
                   <a:spcPts val="0"/>
                 </a:spcBef>
@@ -8194,6 +7987,9 @@
                 </a:spcAft>
                 <a:buNone/>
               </a:pPr>
+              <a:r>
+                <a:t/>
+              </a:r>
               <a:endParaRPr/>
             </a:p>
           </p:txBody>
@@ -8222,12 +8018,12 @@
             </a:ln>
           </p:spPr>
           <p:txBody>
-            <a:bodyPr spcFirstLastPara="1" wrap="square" lIns="91425" tIns="91425" rIns="91425" bIns="91425" anchor="ctr" anchorCtr="0">
+            <a:bodyPr anchorCtr="0" anchor="ctr" bIns="91425" lIns="91425" spcFirstLastPara="1" rIns="91425" wrap="square" tIns="91425">
               <a:noAutofit/>
             </a:bodyPr>
             <a:lstStyle/>
             <a:p>
-              <a:pPr marL="0" lvl="0" indent="0" algn="l" rtl="0">
+              <a:pPr indent="0" lvl="0" marL="0" rtl="0" algn="l">
                 <a:spcBef>
                   <a:spcPts val="0"/>
                 </a:spcBef>
@@ -8236,6 +8032,9 @@
                 </a:spcAft>
                 <a:buNone/>
               </a:pPr>
+              <a:r>
+                <a:t/>
+              </a:r>
               <a:endParaRPr/>
             </a:p>
           </p:txBody>
@@ -8279,12 +8078,12 @@
             </a:ln>
           </p:spPr>
           <p:txBody>
-            <a:bodyPr spcFirstLastPara="1" wrap="square" lIns="91425" tIns="91425" rIns="91425" bIns="91425" anchor="ctr" anchorCtr="0">
+            <a:bodyPr anchorCtr="0" anchor="ctr" bIns="91425" lIns="91425" spcFirstLastPara="1" rIns="91425" wrap="square" tIns="91425">
               <a:noAutofit/>
             </a:bodyPr>
             <a:lstStyle/>
             <a:p>
-              <a:pPr marL="0" lvl="0" indent="0" algn="l" rtl="0">
+              <a:pPr indent="0" lvl="0" marL="0" rtl="0" algn="l">
                 <a:spcBef>
                   <a:spcPts val="0"/>
                 </a:spcBef>
@@ -8293,6 +8092,9 @@
                 </a:spcAft>
                 <a:buNone/>
               </a:pPr>
+              <a:r>
+                <a:t/>
+              </a:r>
               <a:endParaRPr/>
             </a:p>
           </p:txBody>
@@ -8321,12 +8123,12 @@
             </a:ln>
           </p:spPr>
           <p:txBody>
-            <a:bodyPr spcFirstLastPara="1" wrap="square" lIns="91425" tIns="91425" rIns="91425" bIns="91425" anchor="ctr" anchorCtr="0">
+            <a:bodyPr anchorCtr="0" anchor="ctr" bIns="91425" lIns="91425" spcFirstLastPara="1" rIns="91425" wrap="square" tIns="91425">
               <a:noAutofit/>
             </a:bodyPr>
             <a:lstStyle/>
             <a:p>
-              <a:pPr marL="0" lvl="0" indent="0" algn="l" rtl="0">
+              <a:pPr indent="0" lvl="0" marL="0" rtl="0" algn="l">
                 <a:spcBef>
                   <a:spcPts val="0"/>
                 </a:spcBef>
@@ -8335,6 +8137,9 @@
                 </a:spcAft>
                 <a:buNone/>
               </a:pPr>
+              <a:r>
+                <a:t/>
+              </a:r>
               <a:endParaRPr/>
             </a:p>
           </p:txBody>
@@ -8355,23 +8160,23 @@
             <a:avLst/>
           </a:prstGeom>
           <a:noFill/>
-          <a:ln w="28575" cap="flat" cmpd="sng">
+          <a:ln cap="flat" cmpd="sng" w="28575">
             <a:solidFill>
               <a:srgbClr val="FF0000"/>
             </a:solidFill>
             <a:prstDash val="solid"/>
             <a:round/>
-            <a:headEnd type="none" w="sm" len="sm"/>
-            <a:tailEnd type="none" w="sm" len="sm"/>
+            <a:headEnd len="sm" w="sm" type="none"/>
+            <a:tailEnd len="sm" w="sm" type="none"/>
           </a:ln>
         </p:spPr>
         <p:txBody>
-          <a:bodyPr spcFirstLastPara="1" wrap="square" lIns="91425" tIns="91425" rIns="91425" bIns="91425" anchor="ctr" anchorCtr="0">
+          <a:bodyPr anchorCtr="0" anchor="ctr" bIns="91425" lIns="91425" spcFirstLastPara="1" rIns="91425" wrap="square" tIns="91425">
             <a:noAutofit/>
           </a:bodyPr>
           <a:lstStyle/>
           <a:p>
-            <a:pPr marL="0" lvl="0" indent="0" algn="l" rtl="0">
+            <a:pPr indent="0" lvl="0" marL="0" rtl="0" algn="l">
               <a:spcBef>
                 <a:spcPts val="0"/>
               </a:spcBef>
@@ -8380,6 +8185,9 @@
               </a:spcAft>
               <a:buNone/>
             </a:pPr>
+            <a:r>
+              <a:t/>
+            </a:r>
             <a:endParaRPr/>
           </a:p>
         </p:txBody>
@@ -8411,7 +8219,7 @@
             </a:xfrm>
             <a:prstGeom prst="roundRect">
               <a:avLst>
-                <a:gd name="adj" fmla="val 16667"/>
+                <a:gd fmla="val 16667" name="adj"/>
               </a:avLst>
             </a:prstGeom>
             <a:solidFill>
@@ -8422,12 +8230,12 @@
             </a:ln>
           </p:spPr>
           <p:txBody>
-            <a:bodyPr spcFirstLastPara="1" wrap="square" lIns="91425" tIns="91425" rIns="91425" bIns="91425" anchor="ctr" anchorCtr="0">
+            <a:bodyPr anchorCtr="0" anchor="ctr" bIns="91425" lIns="91425" spcFirstLastPara="1" rIns="91425" wrap="square" tIns="91425">
               <a:noAutofit/>
             </a:bodyPr>
             <a:lstStyle/>
             <a:p>
-              <a:pPr marL="0" lvl="0" indent="0" algn="ctr" rtl="0">
+              <a:pPr indent="0" lvl="0" marL="0" rtl="0" algn="ctr">
                 <a:spcBef>
                   <a:spcPts val="0"/>
                 </a:spcBef>
@@ -8472,13 +8280,9 @@
               <a:ext cx="895375" cy="863750"/>
             </a:xfrm>
             <a:custGeom>
-              <a:avLst/>
-              <a:gdLst/>
-              <a:ahLst/>
-              <a:cxnLst/>
-              <a:rect l="l" t="t" r="r" b="b"/>
+              <a:rect b="b" l="l" r="r" t="t"/>
               <a:pathLst>
-                <a:path w="35815" h="34550" extrusionOk="0">
+                <a:path extrusionOk="0" h="34550" w="35815">
                   <a:moveTo>
                     <a:pt x="25161" y="3224"/>
                   </a:moveTo>
@@ -8546,14 +8350,14 @@
               </a:pathLst>
             </a:custGeom>
             <a:noFill/>
-            <a:ln w="38100" cap="flat" cmpd="sng">
+            <a:ln cap="flat" cmpd="sng" w="38100">
               <a:solidFill>
                 <a:srgbClr val="FF0000"/>
               </a:solidFill>
               <a:prstDash val="solid"/>
               <a:round/>
-              <a:headEnd type="none" w="med" len="med"/>
-              <a:tailEnd type="none" w="med" len="med"/>
+              <a:headEnd len="med" w="med" type="none"/>
+              <a:tailEnd len="med" w="med" type="none"/>
             </a:ln>
           </p:spPr>
         </p:sp>
@@ -8566,32 +8370,32 @@
   <p:timing>
     <p:tnLst>
       <p:par>
-        <p:cTn id="1" dur="indefinite" restart="never" nodeType="tmRoot">
+        <p:cTn dur="indefinite" nodeType="tmRoot" restart="never">
           <p:childTnLst>
             <p:seq concurrent="1" nextAc="seek">
-              <p:cTn id="2" dur="indefinite" nodeType="mainSeq">
+              <p:cTn dur="indefinite" id="2" nodeType="mainSeq">
                 <p:childTnLst>
                   <p:par>
-                    <p:cTn id="3" fill="hold">
+                    <p:cTn fill="hold">
                       <p:stCondLst>
                         <p:cond delay="indefinite"/>
                       </p:stCondLst>
                       <p:childTnLst>
                         <p:par>
-                          <p:cTn id="4" fill="hold">
+                          <p:cTn fill="hold">
                             <p:stCondLst>
                               <p:cond delay="0"/>
                             </p:stCondLst>
                             <p:childTnLst>
                               <p:par>
-                                <p:cTn id="5" presetID="10" presetClass="entr" presetSubtype="0" fill="hold" nodeType="clickEffect">
+                                <p:cTn fill="hold" nodeType="clickEffect" presetClass="entr" presetID="10" presetSubtype="0">
                                   <p:stCondLst>
                                     <p:cond delay="0"/>
                                   </p:stCondLst>
                                   <p:childTnLst>
                                     <p:set>
                                       <p:cBhvr>
-                                        <p:cTn id="6" dur="1" fill="hold">
+                                        <p:cTn dur="1" fill="hold">
                                           <p:stCondLst>
                                             <p:cond delay="0"/>
                                           </p:stCondLst>
@@ -8607,9 +8411,9 @@
                                         <p:strVal val="visible"/>
                                       </p:to>
                                     </p:set>
-                                    <p:animEffect transition="in" filter="fade">
+                                    <p:animEffect filter="fade" transition="in">
                                       <p:cBhvr>
-                                        <p:cTn id="7" dur="1"/>
+                                        <p:cTn dur="1"/>
                                         <p:tgtEl>
                                           <p:spTgt spid="100"/>
                                         </p:tgtEl>
@@ -8625,26 +8429,26 @@
                     </p:cTn>
                   </p:par>
                   <p:par>
-                    <p:cTn id="8" fill="hold">
+                    <p:cTn fill="hold">
                       <p:stCondLst>
                         <p:cond delay="indefinite"/>
                       </p:stCondLst>
                       <p:childTnLst>
                         <p:par>
-                          <p:cTn id="9" fill="hold">
+                          <p:cTn fill="hold">
                             <p:stCondLst>
                               <p:cond delay="0"/>
                             </p:stCondLst>
                             <p:childTnLst>
                               <p:par>
-                                <p:cTn id="10" presetID="1" presetClass="entr" presetSubtype="0" fill="hold" nodeType="clickEffect">
+                                <p:cTn fill="hold" nodeType="clickEffect" presetClass="entr" presetID="1" presetSubtype="0">
                                   <p:stCondLst>
                                     <p:cond delay="0"/>
                                   </p:stCondLst>
                                   <p:childTnLst>
                                     <p:set>
                                       <p:cBhvr>
-                                        <p:cTn id="11" dur="1" fill="hold">
+                                        <p:cTn dur="1" fill="hold">
                                           <p:stCondLst>
                                             <p:cond delay="0"/>
                                           </p:stCondLst>
@@ -8672,14 +8476,14 @@
                 </p:childTnLst>
               </p:cTn>
               <p:prevCondLst>
-                <p:cond evt="onPrev" delay="0">
+                <p:cond evt="onPrev">
                   <p:tgtEl>
                     <p:sldTgt/>
                   </p:tgtEl>
                 </p:cond>
               </p:prevCondLst>
               <p:nextCondLst>
-                <p:cond evt="onNext" delay="0">
+                <p:cond evt="onNext">
                   <p:tgtEl>
                     <p:sldTgt/>
                   </p:tgtEl>
@@ -8695,11 +8499,11 @@
 </file>
 
 <file path=ppt/slides/slide4.xml><?xml version="1.0" encoding="utf-8"?>
-<p:sld xmlns:a="http://schemas.openxmlformats.org/drawingml/2006/main" xmlns:r="http://schemas.openxmlformats.org/officeDocument/2006/relationships" xmlns:p="http://schemas.openxmlformats.org/presentationml/2006/main">
+<p:sld xmlns:a="http://schemas.openxmlformats.org/drawingml/2006/main" xmlns:r="http://schemas.openxmlformats.org/officeDocument/2006/relationships" xmlns:mc="http://schemas.openxmlformats.org/markup-compatibility/2006" xmlns:mv="urn:schemas-microsoft-com:mac:vml" xmlns:p="http://schemas.openxmlformats.org/presentationml/2006/main" xmlns:c="http://schemas.openxmlformats.org/drawingml/2006/chart" xmlns:dgm="http://schemas.openxmlformats.org/drawingml/2006/diagram" xmlns:o="urn:schemas-microsoft-com:office:office" xmlns:v="urn:schemas-microsoft-com:vml" xmlns:pvml="urn:schemas-microsoft-com:office:powerpoint" xmlns:com="http://schemas.openxmlformats.org/drawingml/2006/compatibility" xmlns:p14="http://schemas.microsoft.com/office/powerpoint/2010/main" xmlns:p15="http://schemas.microsoft.com/office/powerpoint/2012/main">
   <p:cSld>
     <p:spTree>
       <p:nvGrpSpPr>
-        <p:cNvPr id="1" name="Shape 106"/>
+        <p:cNvPr id="106" name="Shape 106"/>
         <p:cNvGrpSpPr/>
         <p:nvPr/>
       </p:nvGrpSpPr>
@@ -8777,12 +8581,12 @@
             </a:ln>
           </p:spPr>
           <p:txBody>
-            <a:bodyPr spcFirstLastPara="1" wrap="square" lIns="91425" tIns="91425" rIns="91425" bIns="91425" anchor="ctr" anchorCtr="0">
+            <a:bodyPr anchorCtr="0" anchor="ctr" bIns="91425" lIns="91425" spcFirstLastPara="1" rIns="91425" wrap="square" tIns="91425">
               <a:noAutofit/>
             </a:bodyPr>
             <a:lstStyle/>
             <a:p>
-              <a:pPr marL="0" lvl="0" indent="0" algn="l" rtl="0">
+              <a:pPr indent="0" lvl="0" marL="0" rtl="0" algn="l">
                 <a:spcBef>
                   <a:spcPts val="0"/>
                 </a:spcBef>
@@ -8791,6 +8595,9 @@
                 </a:spcAft>
                 <a:buNone/>
               </a:pPr>
+              <a:r>
+                <a:t/>
+              </a:r>
               <a:endParaRPr/>
             </a:p>
           </p:txBody>
@@ -8819,12 +8626,12 @@
             </a:ln>
           </p:spPr>
           <p:txBody>
-            <a:bodyPr spcFirstLastPara="1" wrap="square" lIns="91425" tIns="91425" rIns="91425" bIns="91425" anchor="ctr" anchorCtr="0">
+            <a:bodyPr anchorCtr="0" anchor="ctr" bIns="91425" lIns="91425" spcFirstLastPara="1" rIns="91425" wrap="square" tIns="91425">
               <a:noAutofit/>
             </a:bodyPr>
             <a:lstStyle/>
             <a:p>
-              <a:pPr marL="0" lvl="0" indent="0" algn="l" rtl="0">
+              <a:pPr indent="0" lvl="0" marL="0" rtl="0" algn="l">
                 <a:spcBef>
                   <a:spcPts val="0"/>
                 </a:spcBef>
@@ -8833,6 +8640,9 @@
                 </a:spcAft>
                 <a:buNone/>
               </a:pPr>
+              <a:r>
+                <a:t/>
+              </a:r>
               <a:endParaRPr/>
             </a:p>
           </p:txBody>
@@ -8862,12 +8672,12 @@
           </a:ln>
         </p:spPr>
         <p:txBody>
-          <a:bodyPr spcFirstLastPara="1" wrap="square" lIns="91425" tIns="91425" rIns="91425" bIns="91425" anchor="ctr" anchorCtr="0">
+          <a:bodyPr anchorCtr="0" anchor="ctr" bIns="91425" lIns="91425" spcFirstLastPara="1" rIns="91425" wrap="square" tIns="91425">
             <a:noAutofit/>
           </a:bodyPr>
           <a:lstStyle/>
           <a:p>
-            <a:pPr marL="0" lvl="0" indent="0" algn="l" rtl="0">
+            <a:pPr indent="0" lvl="0" marL="0" rtl="0" algn="l">
               <a:spcBef>
                 <a:spcPts val="0"/>
               </a:spcBef>
@@ -8876,6 +8686,9 @@
               </a:spcAft>
               <a:buNone/>
             </a:pPr>
+            <a:r>
+              <a:t/>
+            </a:r>
             <a:endParaRPr/>
           </a:p>
         </p:txBody>
@@ -8883,11 +8696,9 @@
       <p:sp>
         <p:nvSpPr>
           <p:cNvPr id="112" name="Google Shape;112;p16"/>
-          <p:cNvSpPr txBox="1">
-            <a:spLocks noGrp="1"/>
-          </p:cNvSpPr>
+          <p:cNvSpPr txBox="1"/>
           <p:nvPr>
-            <p:ph type="body" idx="1"/>
+            <p:ph idx="1" type="body"/>
           </p:nvPr>
         </p:nvSpPr>
         <p:spPr>
@@ -8900,12 +8711,12 @@
           </a:prstGeom>
         </p:spPr>
         <p:txBody>
-          <a:bodyPr spcFirstLastPara="1" wrap="square" lIns="91425" tIns="91425" rIns="91425" bIns="91425" anchor="t" anchorCtr="0">
+          <a:bodyPr anchorCtr="0" anchor="t" bIns="91425" lIns="91425" spcFirstLastPara="1" rIns="91425" wrap="square" tIns="91425">
             <a:noAutofit/>
           </a:bodyPr>
           <a:lstStyle/>
           <a:p>
-            <a:pPr marL="457200" lvl="0" indent="-342900" algn="l" rtl="0">
+            <a:pPr indent="-342900" lvl="0" marL="457200" rtl="0" algn="l">
               <a:spcBef>
                 <a:spcPts val="0"/>
               </a:spcBef>
@@ -8925,7 +8736,7 @@
               <a:t>최상위 클래스도 조상 클래스인 </a:t>
             </a:r>
             <a:r>
-              <a:rPr lang="ko" b="1" u="sng">
+              <a:rPr b="1" lang="ko" u="sng">
                 <a:latin typeface="Oswald"/>
                 <a:ea typeface="Oswald"/>
                 <a:cs typeface="Oswald"/>
@@ -8954,11 +8765,9 @@
       <p:sp>
         <p:nvSpPr>
           <p:cNvPr id="113" name="Google Shape;113;p16"/>
-          <p:cNvSpPr txBox="1">
-            <a:spLocks noGrp="1"/>
-          </p:cNvSpPr>
+          <p:cNvSpPr txBox="1"/>
           <p:nvPr>
-            <p:ph type="body" idx="1"/>
+            <p:ph idx="1" type="body"/>
           </p:nvPr>
         </p:nvSpPr>
         <p:spPr>
@@ -8971,12 +8780,12 @@
           </a:prstGeom>
         </p:spPr>
         <p:txBody>
-          <a:bodyPr spcFirstLastPara="1" wrap="square" lIns="91425" tIns="91425" rIns="91425" bIns="91425" anchor="t" anchorCtr="0">
+          <a:bodyPr anchorCtr="0" anchor="t" bIns="91425" lIns="91425" spcFirstLastPara="1" rIns="91425" wrap="square" tIns="91425">
             <a:noAutofit/>
           </a:bodyPr>
           <a:lstStyle/>
           <a:p>
-            <a:pPr marL="457200" lvl="0" indent="-342900" algn="l" rtl="0">
+            <a:pPr indent="-342900" lvl="0" marL="457200" rtl="0" algn="l">
               <a:spcBef>
                 <a:spcPts val="0"/>
               </a:spcBef>
@@ -9004,7 +8813,7 @@
             </a:endParaRPr>
           </a:p>
           <a:p>
-            <a:pPr marL="0" lvl="0" indent="0" algn="l" rtl="0">
+            <a:pPr indent="0" lvl="0" marL="0" rtl="0" algn="l">
               <a:spcBef>
                 <a:spcPts val="1600"/>
               </a:spcBef>
@@ -9013,6 +8822,9 @@
               </a:spcAft>
               <a:buNone/>
             </a:pPr>
+            <a:r>
+              <a:t/>
+            </a:r>
             <a:endParaRPr>
               <a:latin typeface="Oswald"/>
               <a:ea typeface="Oswald"/>
@@ -9025,9 +8837,7 @@
       <p:sp>
         <p:nvSpPr>
           <p:cNvPr id="114" name="Google Shape;114;p16"/>
-          <p:cNvSpPr txBox="1">
-            <a:spLocks noGrp="1"/>
-          </p:cNvSpPr>
+          <p:cNvSpPr txBox="1"/>
           <p:nvPr>
             <p:ph type="title"/>
           </p:nvPr>
@@ -9042,12 +8852,12 @@
           </a:prstGeom>
         </p:spPr>
         <p:txBody>
-          <a:bodyPr spcFirstLastPara="1" wrap="square" lIns="91425" tIns="91425" rIns="91425" bIns="91425" anchor="t" anchorCtr="0">
+          <a:bodyPr anchorCtr="0" anchor="t" bIns="91425" lIns="91425" spcFirstLastPara="1" rIns="91425" wrap="square" tIns="91425">
             <a:noAutofit/>
           </a:bodyPr>
           <a:lstStyle/>
           <a:p>
-            <a:pPr marL="0" lvl="0" indent="0" algn="l" rtl="0">
+            <a:pPr indent="0" lvl="0" marL="0" rtl="0" algn="l">
               <a:spcBef>
                 <a:spcPts val="0"/>
               </a:spcBef>
@@ -9067,11 +8877,9 @@
       <p:sp>
         <p:nvSpPr>
           <p:cNvPr id="115" name="Google Shape;115;p16"/>
-          <p:cNvSpPr txBox="1">
-            <a:spLocks noGrp="1"/>
-          </p:cNvSpPr>
+          <p:cNvSpPr txBox="1"/>
           <p:nvPr>
-            <p:ph type="body" idx="1"/>
+            <p:ph idx="1" type="body"/>
           </p:nvPr>
         </p:nvSpPr>
         <p:spPr>
@@ -9084,12 +8892,12 @@
           </a:prstGeom>
         </p:spPr>
         <p:txBody>
-          <a:bodyPr spcFirstLastPara="1" wrap="square" lIns="91425" tIns="91425" rIns="91425" bIns="91425" anchor="t" anchorCtr="0">
+          <a:bodyPr anchorCtr="0" anchor="t" bIns="91425" lIns="91425" spcFirstLastPara="1" rIns="91425" wrap="square" tIns="91425">
             <a:noAutofit/>
           </a:bodyPr>
           <a:lstStyle/>
           <a:p>
-            <a:pPr marL="457200" lvl="0" indent="-342900" algn="l" rtl="0">
+            <a:pPr indent="-342900" lvl="0" marL="457200" rtl="0" algn="l">
               <a:spcBef>
                 <a:spcPts val="0"/>
               </a:spcBef>
@@ -9100,7 +8908,7 @@
               <a:buChar char="●"/>
             </a:pPr>
             <a:r>
-              <a:rPr lang="ko" b="1" dirty="0">
+              <a:rPr b="1" lang="ko">
                 <a:latin typeface="Oswald"/>
                 <a:ea typeface="Oswald"/>
                 <a:cs typeface="Oswald"/>
@@ -9109,7 +8917,7 @@
               <a:t>extends</a:t>
             </a:r>
             <a:r>
-              <a:rPr lang="ko" dirty="0">
+              <a:rPr lang="ko">
                 <a:latin typeface="Oswald"/>
                 <a:ea typeface="Oswald"/>
                 <a:cs typeface="Oswald"/>
@@ -9117,7 +8925,7 @@
               </a:rPr>
               <a:t> +(상속받고자 하는 class)</a:t>
             </a:r>
-            <a:endParaRPr dirty="0">
+            <a:endParaRPr>
               <a:latin typeface="Oswald"/>
               <a:ea typeface="Oswald"/>
               <a:cs typeface="Oswald"/>
@@ -9125,7 +8933,7 @@
             </a:endParaRPr>
           </a:p>
           <a:p>
-            <a:pPr marL="457200" lvl="0" indent="-342900" algn="l" rtl="0">
+            <a:pPr indent="-342900" lvl="0" marL="457200" rtl="0" algn="l">
               <a:spcBef>
                 <a:spcPts val="0"/>
               </a:spcBef>
@@ -9137,7 +8945,7 @@
               <a:buChar char="●"/>
             </a:pPr>
             <a:r>
-              <a:rPr lang="ko" dirty="0">
+              <a:rPr lang="ko">
                 <a:latin typeface="Oswald"/>
                 <a:ea typeface="Oswald"/>
                 <a:cs typeface="Oswald"/>
@@ -9145,7 +8953,7 @@
               </a:rPr>
               <a:t>단일 상속만 가능하다.</a:t>
             </a:r>
-            <a:endParaRPr dirty="0">
+            <a:endParaRPr>
               <a:latin typeface="Oswald"/>
               <a:ea typeface="Oswald"/>
               <a:cs typeface="Oswald"/>
@@ -9153,7 +8961,7 @@
             </a:endParaRPr>
           </a:p>
           <a:p>
-            <a:pPr marL="0" lvl="0" indent="0" algn="l" rtl="0">
+            <a:pPr indent="0" lvl="0" marL="0" rtl="0" algn="l">
               <a:spcBef>
                 <a:spcPts val="1600"/>
               </a:spcBef>
@@ -9162,7 +8970,10 @@
               </a:spcAft>
               <a:buNone/>
             </a:pPr>
-            <a:endParaRPr dirty="0">
+            <a:r>
+              <a:t/>
+            </a:r>
+            <a:endParaRPr>
               <a:latin typeface="Oswald"/>
               <a:ea typeface="Oswald"/>
               <a:cs typeface="Oswald"/>
@@ -9207,12 +9018,12 @@
             </a:ln>
           </p:spPr>
           <p:txBody>
-            <a:bodyPr spcFirstLastPara="1" wrap="square" lIns="91425" tIns="91425" rIns="91425" bIns="91425" anchor="t" anchorCtr="0">
+            <a:bodyPr anchorCtr="0" anchor="t" bIns="91425" lIns="91425" spcFirstLastPara="1" rIns="91425" wrap="square" tIns="91425">
               <a:noAutofit/>
             </a:bodyPr>
             <a:lstStyle/>
             <a:p>
-              <a:pPr marL="0" lvl="0" indent="0" algn="ctr" rtl="0">
+              <a:pPr indent="0" lvl="0" marL="0" rtl="0" algn="ctr">
                 <a:spcBef>
                   <a:spcPts val="0"/>
                 </a:spcBef>
@@ -9222,7 +9033,7 @@
                 <a:buNone/>
               </a:pPr>
               <a:r>
-                <a:rPr lang="ko" b="1">
+                <a:rPr b="1" lang="ko">
                   <a:solidFill>
                     <a:srgbClr val="FF0000"/>
                   </a:solidFill>
@@ -9274,14 +9085,14 @@
                 <a:avLst/>
               </a:prstGeom>
               <a:noFill/>
-              <a:ln w="28575" cap="flat" cmpd="sng">
+              <a:ln cap="flat" cmpd="sng" w="28575">
                 <a:solidFill>
                   <a:srgbClr val="FF0000"/>
                 </a:solidFill>
                 <a:prstDash val="solid"/>
                 <a:round/>
-                <a:headEnd type="none" w="med" len="med"/>
-                <a:tailEnd type="none" w="med" len="med"/>
+                <a:headEnd len="med" w="med" type="none"/>
+                <a:tailEnd len="med" w="med" type="none"/>
               </a:ln>
             </p:spPr>
           </p:cxnSp>
@@ -9292,7 +9103,7 @@
               <p:nvPr/>
             </p:nvCxnSpPr>
             <p:spPr>
-              <a:xfrm rot="10800000" flipH="1">
+              <a:xfrm flipH="1" rot="10800000">
                 <a:off x="6513975" y="983550"/>
                 <a:ext cx="1386600" cy="403200"/>
               </a:xfrm>
@@ -9300,14 +9111,14 @@
                 <a:avLst/>
               </a:prstGeom>
               <a:noFill/>
-              <a:ln w="28575" cap="flat" cmpd="sng">
+              <a:ln cap="flat" cmpd="sng" w="28575">
                 <a:solidFill>
                   <a:srgbClr val="FF0000"/>
                 </a:solidFill>
                 <a:prstDash val="solid"/>
                 <a:round/>
-                <a:headEnd type="none" w="med" len="med"/>
-                <a:tailEnd type="none" w="med" len="med"/>
+                <a:headEnd len="med" w="med" type="none"/>
+                <a:tailEnd len="med" w="med" type="none"/>
               </a:ln>
             </p:spPr>
           </p:cxnSp>
@@ -9321,38 +9132,38 @@
   <p:timing>
     <p:tnLst>
       <p:par>
-        <p:cTn id="1" dur="indefinite" restart="never" nodeType="tmRoot">
+        <p:cTn dur="indefinite" nodeType="tmRoot" restart="never">
           <p:childTnLst>
             <p:seq concurrent="1" nextAc="seek">
-              <p:cTn id="2" dur="indefinite" nodeType="mainSeq">
+              <p:cTn dur="indefinite" id="2" nodeType="mainSeq">
                 <p:childTnLst>
                   <p:par>
-                    <p:cTn id="3" fill="hold">
+                    <p:cTn fill="hold">
                       <p:stCondLst>
                         <p:cond delay="indefinite"/>
                       </p:stCondLst>
                       <p:childTnLst>
                         <p:par>
-                          <p:cTn id="4" fill="hold">
+                          <p:cTn fill="hold">
                             <p:stCondLst>
                               <p:cond delay="0"/>
                             </p:stCondLst>
                             <p:childTnLst>
                               <p:par>
-                                <p:cTn id="5" presetID="1" presetClass="entr" presetSubtype="0" fill="hold" nodeType="clickEffect">
+                                <p:cTn fill="hold" nodeType="clickEffect" presetClass="entr" presetID="1" presetSubtype="0">
                                   <p:stCondLst>
                                     <p:cond delay="0"/>
                                   </p:stCondLst>
                                   <p:childTnLst>
                                     <p:set>
                                       <p:cBhvr>
-                                        <p:cTn id="6" dur="1" fill="hold">
+                                        <p:cTn dur="1" fill="hold">
                                           <p:stCondLst>
                                             <p:cond delay="0"/>
                                           </p:stCondLst>
                                         </p:cTn>
                                         <p:tgtEl>
-                                          <p:spTgt spid="107"/>
+                                          <p:spTgt spid="108"/>
                                         </p:tgtEl>
                                         <p:attrNameLst>
                                           <p:attrName>style.visibility</p:attrName>
@@ -9372,26 +9183,26 @@
                     </p:cTn>
                   </p:par>
                   <p:par>
-                    <p:cTn id="7" fill="hold">
+                    <p:cTn fill="hold">
                       <p:stCondLst>
                         <p:cond delay="indefinite"/>
                       </p:stCondLst>
                       <p:childTnLst>
                         <p:par>
-                          <p:cTn id="8" fill="hold">
+                          <p:cTn fill="hold">
                             <p:stCondLst>
                               <p:cond delay="0"/>
                             </p:stCondLst>
                             <p:childTnLst>
                               <p:par>
-                                <p:cTn id="9" presetID="1" presetClass="entr" presetSubtype="0" fill="hold" nodeType="clickEffect">
+                                <p:cTn fill="hold" nodeType="clickEffect" presetClass="entr" presetID="1" presetSubtype="0">
                                   <p:stCondLst>
                                     <p:cond delay="0"/>
                                   </p:stCondLst>
                                   <p:childTnLst>
                                     <p:set>
                                       <p:cBhvr>
-                                        <p:cTn id="10" dur="1" fill="hold">
+                                        <p:cTn dur="1" fill="hold">
                                           <p:stCondLst>
                                             <p:cond delay="0"/>
                                           </p:stCondLst>
@@ -9417,71 +9228,26 @@
                     </p:cTn>
                   </p:par>
                   <p:par>
-                    <p:cTn id="11" fill="hold">
+                    <p:cTn fill="hold">
                       <p:stCondLst>
                         <p:cond delay="indefinite"/>
                       </p:stCondLst>
                       <p:childTnLst>
                         <p:par>
-                          <p:cTn id="12" fill="hold">
+                          <p:cTn fill="hold">
                             <p:stCondLst>
                               <p:cond delay="0"/>
                             </p:stCondLst>
                             <p:childTnLst>
                               <p:par>
-                                <p:cTn id="13" presetID="1" presetClass="entr" presetSubtype="0" fill="hold" nodeType="clickEffect">
+                                <p:cTn fill="hold" nodeType="clickEffect" presetClass="entr" presetID="1" presetSubtype="0">
                                   <p:stCondLst>
                                     <p:cond delay="0"/>
                                   </p:stCondLst>
                                   <p:childTnLst>
                                     <p:set>
                                       <p:cBhvr>
-                                        <p:cTn id="14" dur="1" fill="hold">
-                                          <p:stCondLst>
-                                            <p:cond delay="0"/>
-                                          </p:stCondLst>
-                                        </p:cTn>
-                                        <p:tgtEl>
-                                          <p:spTgt spid="108"/>
-                                        </p:tgtEl>
-                                        <p:attrNameLst>
-                                          <p:attrName>style.visibility</p:attrName>
-                                        </p:attrNameLst>
-                                      </p:cBhvr>
-                                      <p:to>
-                                        <p:strVal val="visible"/>
-                                      </p:to>
-                                    </p:set>
-                                  </p:childTnLst>
-                                </p:cTn>
-                              </p:par>
-                            </p:childTnLst>
-                          </p:cTn>
-                        </p:par>
-                      </p:childTnLst>
-                    </p:cTn>
-                  </p:par>
-                  <p:par>
-                    <p:cTn id="15" fill="hold">
-                      <p:stCondLst>
-                        <p:cond delay="indefinite"/>
-                      </p:stCondLst>
-                      <p:childTnLst>
-                        <p:par>
-                          <p:cTn id="16" fill="hold">
-                            <p:stCondLst>
-                              <p:cond delay="0"/>
-                            </p:stCondLst>
-                            <p:childTnLst>
-                              <p:par>
-                                <p:cTn id="17" presetID="1" presetClass="entr" presetSubtype="0" fill="hold" nodeType="clickEffect">
-                                  <p:stCondLst>
-                                    <p:cond delay="0"/>
-                                  </p:stCondLst>
-                                  <p:childTnLst>
-                                    <p:set>
-                                      <p:cBhvr>
-                                        <p:cTn id="18" dur="1" fill="hold">
+                                        <p:cTn dur="1" fill="hold">
                                           <p:stCondLst>
                                             <p:cond delay="0"/>
                                           </p:stCondLst>
@@ -9507,26 +9273,26 @@
                     </p:cTn>
                   </p:par>
                   <p:par>
-                    <p:cTn id="19" fill="hold">
+                    <p:cTn fill="hold">
                       <p:stCondLst>
                         <p:cond delay="indefinite"/>
                       </p:stCondLst>
                       <p:childTnLst>
                         <p:par>
-                          <p:cTn id="20" fill="hold">
+                          <p:cTn fill="hold">
                             <p:stCondLst>
                               <p:cond delay="0"/>
                             </p:stCondLst>
                             <p:childTnLst>
                               <p:par>
-                                <p:cTn id="21" presetID="1" presetClass="entr" presetSubtype="0" fill="hold" nodeType="clickEffect">
+                                <p:cTn fill="hold" nodeType="clickEffect" presetClass="entr" presetID="1" presetSubtype="0">
                                   <p:stCondLst>
                                     <p:cond delay="0"/>
                                   </p:stCondLst>
                                   <p:childTnLst>
                                     <p:set>
                                       <p:cBhvr>
-                                        <p:cTn id="22" dur="1" fill="hold">
+                                        <p:cTn dur="1" fill="hold">
                                           <p:stCondLst>
                                             <p:cond delay="0"/>
                                           </p:stCondLst>
@@ -9552,26 +9318,26 @@
                     </p:cTn>
                   </p:par>
                   <p:par>
-                    <p:cTn id="23" fill="hold">
+                    <p:cTn fill="hold">
                       <p:stCondLst>
                         <p:cond delay="indefinite"/>
                       </p:stCondLst>
                       <p:childTnLst>
                         <p:par>
-                          <p:cTn id="24" fill="hold">
+                          <p:cTn fill="hold">
                             <p:stCondLst>
                               <p:cond delay="0"/>
                             </p:stCondLst>
                             <p:childTnLst>
                               <p:par>
-                                <p:cTn id="25" presetID="1" presetClass="entr" presetSubtype="0" fill="hold" nodeType="clickEffect">
+                                <p:cTn fill="hold" nodeType="clickEffect" presetClass="entr" presetID="1" presetSubtype="0">
                                   <p:stCondLst>
                                     <p:cond delay="0"/>
                                   </p:stCondLst>
                                   <p:childTnLst>
                                     <p:set>
                                       <p:cBhvr>
-                                        <p:cTn id="26" dur="1" fill="hold">
+                                        <p:cTn dur="1" fill="hold">
                                           <p:stCondLst>
                                             <p:cond delay="0"/>
                                           </p:stCondLst>
@@ -9599,14 +9365,14 @@
                 </p:childTnLst>
               </p:cTn>
               <p:prevCondLst>
-                <p:cond evt="onPrev" delay="0">
+                <p:cond evt="onPrev">
                   <p:tgtEl>
                     <p:sldTgt/>
                   </p:tgtEl>
                 </p:cond>
               </p:prevCondLst>
               <p:nextCondLst>
-                <p:cond evt="onNext" delay="0">
+                <p:cond evt="onNext">
                   <p:tgtEl>
                     <p:sldTgt/>
                   </p:tgtEl>
@@ -9622,11 +9388,11 @@
 </file>
 
 <file path=ppt/slides/slide5.xml><?xml version="1.0" encoding="utf-8"?>
-<p:sld xmlns:a="http://schemas.openxmlformats.org/drawingml/2006/main" xmlns:r="http://schemas.openxmlformats.org/officeDocument/2006/relationships" xmlns:p="http://schemas.openxmlformats.org/presentationml/2006/main">
+<p:sld xmlns:a="http://schemas.openxmlformats.org/drawingml/2006/main" xmlns:r="http://schemas.openxmlformats.org/officeDocument/2006/relationships" xmlns:mc="http://schemas.openxmlformats.org/markup-compatibility/2006" xmlns:mv="urn:schemas-microsoft-com:mac:vml" xmlns:p="http://schemas.openxmlformats.org/presentationml/2006/main" xmlns:c="http://schemas.openxmlformats.org/drawingml/2006/chart" xmlns:dgm="http://schemas.openxmlformats.org/drawingml/2006/diagram" xmlns:o="urn:schemas-microsoft-com:office:office" xmlns:v="urn:schemas-microsoft-com:vml" xmlns:pvml="urn:schemas-microsoft-com:office:powerpoint" xmlns:com="http://schemas.openxmlformats.org/drawingml/2006/compatibility" xmlns:p14="http://schemas.microsoft.com/office/powerpoint/2010/main" xmlns:p15="http://schemas.microsoft.com/office/powerpoint/2012/main">
   <p:cSld>
     <p:spTree>
       <p:nvGrpSpPr>
-        <p:cNvPr id="1" name="Shape 124"/>
+        <p:cNvPr id="124" name="Shape 124"/>
         <p:cNvGrpSpPr/>
         <p:nvPr/>
       </p:nvGrpSpPr>
@@ -9641,11 +9407,9 @@
       <p:sp>
         <p:nvSpPr>
           <p:cNvPr id="125" name="Google Shape;125;p17"/>
-          <p:cNvSpPr txBox="1">
-            <a:spLocks noGrp="1"/>
-          </p:cNvSpPr>
+          <p:cNvSpPr txBox="1"/>
           <p:nvPr>
-            <p:ph type="body" idx="1"/>
+            <p:ph idx="1" type="body"/>
           </p:nvPr>
         </p:nvSpPr>
         <p:spPr>
@@ -9658,12 +9422,12 @@
           </a:prstGeom>
         </p:spPr>
         <p:txBody>
-          <a:bodyPr spcFirstLastPara="1" wrap="square" lIns="91425" tIns="91425" rIns="91425" bIns="91425" anchor="t" anchorCtr="0">
+          <a:bodyPr anchorCtr="0" anchor="t" bIns="91425" lIns="91425" spcFirstLastPara="1" rIns="91425" wrap="square" tIns="91425">
             <a:noAutofit/>
           </a:bodyPr>
           <a:lstStyle/>
           <a:p>
-            <a:pPr marL="0" lvl="0" indent="0" algn="ctr" rtl="0">
+            <a:pPr indent="0" lvl="0" marL="0" rtl="0" algn="ctr">
               <a:spcBef>
                 <a:spcPts val="0"/>
               </a:spcBef>
@@ -9679,7 +9443,16 @@
                 <a:cs typeface="Oswald"/>
                 <a:sym typeface="Oswald"/>
               </a:rPr>
-              <a:t>자손 클래스</a:t>
+              <a:t>하위</a:t>
+            </a:r>
+            <a:r>
+              <a:rPr lang="ko" sz="2000">
+                <a:latin typeface="Oswald"/>
+                <a:ea typeface="Oswald"/>
+                <a:cs typeface="Oswald"/>
+                <a:sym typeface="Oswald"/>
+              </a:rPr>
+              <a:t> 클래스</a:t>
             </a:r>
             <a:endParaRPr sz="2000">
               <a:latin typeface="Oswald"/>
@@ -9689,7 +9462,7 @@
             </a:endParaRPr>
           </a:p>
           <a:p>
-            <a:pPr marL="0" lvl="0" indent="0" algn="ctr" rtl="0">
+            <a:pPr indent="0" lvl="0" marL="0" rtl="0" algn="ctr">
               <a:spcBef>
                 <a:spcPts val="1600"/>
               </a:spcBef>
@@ -9715,7 +9488,7 @@
             </a:endParaRPr>
           </a:p>
           <a:p>
-            <a:pPr marL="0" lvl="0" indent="0" algn="ctr" rtl="0">
+            <a:pPr indent="0" lvl="0" marL="0" rtl="0" algn="ctr">
               <a:spcBef>
                 <a:spcPts val="1600"/>
               </a:spcBef>
@@ -9724,6 +9497,9 @@
               </a:spcAft>
               <a:buNone/>
             </a:pPr>
+            <a:r>
+              <a:t/>
+            </a:r>
             <a:endParaRPr sz="2000">
               <a:latin typeface="Oswald"/>
               <a:ea typeface="Oswald"/>
@@ -9736,9 +9512,7 @@
       <p:sp>
         <p:nvSpPr>
           <p:cNvPr id="126" name="Google Shape;126;p17"/>
-          <p:cNvSpPr txBox="1">
-            <a:spLocks noGrp="1"/>
-          </p:cNvSpPr>
+          <p:cNvSpPr txBox="1"/>
           <p:nvPr>
             <p:ph type="title"/>
           </p:nvPr>
@@ -9753,12 +9527,12 @@
           </a:prstGeom>
         </p:spPr>
         <p:txBody>
-          <a:bodyPr spcFirstLastPara="1" wrap="square" lIns="91425" tIns="91425" rIns="91425" bIns="91425" anchor="t" anchorCtr="0">
+          <a:bodyPr anchorCtr="0" anchor="t" bIns="91425" lIns="91425" spcFirstLastPara="1" rIns="91425" wrap="square" tIns="91425">
             <a:noAutofit/>
           </a:bodyPr>
           <a:lstStyle/>
           <a:p>
-            <a:pPr marL="0" lvl="0" indent="0" algn="l" rtl="0">
+            <a:pPr indent="0" lvl="0" marL="0" rtl="0" algn="l">
               <a:spcBef>
                 <a:spcPts val="0"/>
               </a:spcBef>
@@ -9841,12 +9615,12 @@
             </a:ln>
           </p:spPr>
           <p:txBody>
-            <a:bodyPr spcFirstLastPara="1" wrap="square" lIns="91425" tIns="91425" rIns="91425" bIns="91425" anchor="ctr" anchorCtr="0">
+            <a:bodyPr anchorCtr="0" anchor="ctr" bIns="91425" lIns="91425" spcFirstLastPara="1" rIns="91425" wrap="square" tIns="91425">
               <a:noAutofit/>
             </a:bodyPr>
             <a:lstStyle/>
             <a:p>
-              <a:pPr marL="0" lvl="0" indent="0" algn="l" rtl="0">
+              <a:pPr indent="0" lvl="0" marL="0" rtl="0" algn="l">
                 <a:spcBef>
                   <a:spcPts val="0"/>
                 </a:spcBef>
@@ -9855,6 +9629,9 @@
                 </a:spcAft>
                 <a:buNone/>
               </a:pPr>
+              <a:r>
+                <a:t/>
+              </a:r>
               <a:endParaRPr/>
             </a:p>
           </p:txBody>
@@ -9883,12 +9660,12 @@
             </a:ln>
           </p:spPr>
           <p:txBody>
-            <a:bodyPr spcFirstLastPara="1" wrap="square" lIns="91425" tIns="91425" rIns="91425" bIns="91425" anchor="ctr" anchorCtr="0">
+            <a:bodyPr anchorCtr="0" anchor="ctr" bIns="91425" lIns="91425" spcFirstLastPara="1" rIns="91425" wrap="square" tIns="91425">
               <a:noAutofit/>
             </a:bodyPr>
             <a:lstStyle/>
             <a:p>
-              <a:pPr marL="0" lvl="0" indent="0" algn="l" rtl="0">
+              <a:pPr indent="0" lvl="0" marL="0" rtl="0" algn="l">
                 <a:spcBef>
                   <a:spcPts val="0"/>
                 </a:spcBef>
@@ -9897,6 +9674,9 @@
                 </a:spcAft>
                 <a:buNone/>
               </a:pPr>
+              <a:r>
+                <a:t/>
+              </a:r>
               <a:endParaRPr/>
             </a:p>
           </p:txBody>
@@ -9940,12 +9720,12 @@
             </a:ln>
           </p:spPr>
           <p:txBody>
-            <a:bodyPr spcFirstLastPara="1" wrap="square" lIns="91425" tIns="91425" rIns="91425" bIns="91425" anchor="ctr" anchorCtr="0">
+            <a:bodyPr anchorCtr="0" anchor="ctr" bIns="91425" lIns="91425" spcFirstLastPara="1" rIns="91425" wrap="square" tIns="91425">
               <a:noAutofit/>
             </a:bodyPr>
             <a:lstStyle/>
             <a:p>
-              <a:pPr marL="0" lvl="0" indent="0" algn="l" rtl="0">
+              <a:pPr indent="0" lvl="0" marL="0" rtl="0" algn="l">
                 <a:spcBef>
                   <a:spcPts val="0"/>
                 </a:spcBef>
@@ -9954,6 +9734,9 @@
                 </a:spcAft>
                 <a:buNone/>
               </a:pPr>
+              <a:r>
+                <a:t/>
+              </a:r>
               <a:endParaRPr/>
             </a:p>
           </p:txBody>
@@ -9982,12 +9765,12 @@
             </a:ln>
           </p:spPr>
           <p:txBody>
-            <a:bodyPr spcFirstLastPara="1" wrap="square" lIns="91425" tIns="91425" rIns="91425" bIns="91425" anchor="ctr" anchorCtr="0">
+            <a:bodyPr anchorCtr="0" anchor="ctr" bIns="91425" lIns="91425" spcFirstLastPara="1" rIns="91425" wrap="square" tIns="91425">
               <a:noAutofit/>
             </a:bodyPr>
             <a:lstStyle/>
             <a:p>
-              <a:pPr marL="0" lvl="0" indent="0" algn="l" rtl="0">
+              <a:pPr indent="0" lvl="0" marL="0" rtl="0" algn="l">
                 <a:spcBef>
                   <a:spcPts val="0"/>
                 </a:spcBef>
@@ -9996,6 +9779,9 @@
                 </a:spcAft>
                 <a:buNone/>
               </a:pPr>
+              <a:r>
+                <a:t/>
+              </a:r>
               <a:endParaRPr/>
             </a:p>
           </p:txBody>
@@ -10039,12 +9825,12 @@
             </a:ln>
           </p:spPr>
           <p:txBody>
-            <a:bodyPr spcFirstLastPara="1" wrap="square" lIns="91425" tIns="91425" rIns="91425" bIns="91425" anchor="ctr" anchorCtr="0">
+            <a:bodyPr anchorCtr="0" anchor="ctr" bIns="91425" lIns="91425" spcFirstLastPara="1" rIns="91425" wrap="square" tIns="91425">
               <a:noAutofit/>
             </a:bodyPr>
             <a:lstStyle/>
             <a:p>
-              <a:pPr marL="0" lvl="0" indent="0" algn="l" rtl="0">
+              <a:pPr indent="0" lvl="0" marL="0" rtl="0" algn="l">
                 <a:spcBef>
                   <a:spcPts val="0"/>
                 </a:spcBef>
@@ -10053,6 +9839,9 @@
                 </a:spcAft>
                 <a:buNone/>
               </a:pPr>
+              <a:r>
+                <a:t/>
+              </a:r>
               <a:endParaRPr/>
             </a:p>
           </p:txBody>
@@ -10081,12 +9870,12 @@
             </a:ln>
           </p:spPr>
           <p:txBody>
-            <a:bodyPr spcFirstLastPara="1" wrap="square" lIns="91425" tIns="91425" rIns="91425" bIns="91425" anchor="ctr" anchorCtr="0">
+            <a:bodyPr anchorCtr="0" anchor="ctr" bIns="91425" lIns="91425" spcFirstLastPara="1" rIns="91425" wrap="square" tIns="91425">
               <a:noAutofit/>
             </a:bodyPr>
             <a:lstStyle/>
             <a:p>
-              <a:pPr marL="0" lvl="0" indent="0" algn="l" rtl="0">
+              <a:pPr indent="0" lvl="0" marL="0" rtl="0" algn="l">
                 <a:spcBef>
                   <a:spcPts val="0"/>
                 </a:spcBef>
@@ -10095,6 +9884,9 @@
                 </a:spcAft>
                 <a:buNone/>
               </a:pPr>
+              <a:r>
+                <a:t/>
+              </a:r>
               <a:endParaRPr/>
             </a:p>
           </p:txBody>
@@ -10123,12 +9915,12 @@
             </a:ln>
           </p:spPr>
           <p:txBody>
-            <a:bodyPr spcFirstLastPara="1" wrap="square" lIns="91425" tIns="91425" rIns="91425" bIns="91425" anchor="ctr" anchorCtr="0">
+            <a:bodyPr anchorCtr="0" anchor="ctr" bIns="91425" lIns="91425" spcFirstLastPara="1" rIns="91425" wrap="square" tIns="91425">
               <a:noAutofit/>
             </a:bodyPr>
             <a:lstStyle/>
             <a:p>
-              <a:pPr marL="0" lvl="0" indent="0" algn="l" rtl="0">
+              <a:pPr indent="0" lvl="0" marL="0" rtl="0" algn="l">
                 <a:spcBef>
                   <a:spcPts val="0"/>
                 </a:spcBef>
@@ -10137,6 +9929,9 @@
                 </a:spcAft>
                 <a:buNone/>
               </a:pPr>
+              <a:r>
+                <a:t/>
+              </a:r>
               <a:endParaRPr/>
             </a:p>
           </p:txBody>
@@ -10165,12 +9960,12 @@
             </a:ln>
           </p:spPr>
           <p:txBody>
-            <a:bodyPr spcFirstLastPara="1" wrap="square" lIns="91425" tIns="91425" rIns="91425" bIns="91425" anchor="ctr" anchorCtr="0">
+            <a:bodyPr anchorCtr="0" anchor="ctr" bIns="91425" lIns="91425" spcFirstLastPara="1" rIns="91425" wrap="square" tIns="91425">
               <a:noAutofit/>
             </a:bodyPr>
             <a:lstStyle/>
             <a:p>
-              <a:pPr marL="0" lvl="0" indent="0" algn="l" rtl="0">
+              <a:pPr indent="0" lvl="0" marL="0" rtl="0" algn="l">
                 <a:spcBef>
                   <a:spcPts val="0"/>
                 </a:spcBef>
@@ -10179,6 +9974,9 @@
                 </a:spcAft>
                 <a:buNone/>
               </a:pPr>
+              <a:r>
+                <a:t/>
+              </a:r>
               <a:endParaRPr/>
             </a:p>
           </p:txBody>
@@ -10187,11 +9985,9 @@
       <p:sp>
         <p:nvSpPr>
           <p:cNvPr id="139" name="Google Shape;139;p17"/>
-          <p:cNvSpPr txBox="1">
-            <a:spLocks noGrp="1"/>
-          </p:cNvSpPr>
+          <p:cNvSpPr txBox="1"/>
           <p:nvPr>
-            <p:ph type="body" idx="1"/>
+            <p:ph idx="1" type="body"/>
           </p:nvPr>
         </p:nvSpPr>
         <p:spPr>
@@ -10204,12 +10000,12 @@
           </a:prstGeom>
         </p:spPr>
         <p:txBody>
-          <a:bodyPr spcFirstLastPara="1" wrap="square" lIns="91425" tIns="91425" rIns="91425" bIns="91425" anchor="t" anchorCtr="0">
+          <a:bodyPr anchorCtr="0" anchor="t" bIns="91425" lIns="91425" spcFirstLastPara="1" rIns="91425" wrap="square" tIns="91425">
             <a:noAutofit/>
           </a:bodyPr>
           <a:lstStyle/>
           <a:p>
-            <a:pPr marL="0" lvl="0" indent="0" algn="ctr" rtl="0">
+            <a:pPr indent="0" lvl="0" marL="0" rtl="0" algn="ctr">
               <a:spcBef>
                 <a:spcPts val="0"/>
               </a:spcBef>
@@ -10225,7 +10021,16 @@
                 <a:cs typeface="Oswald"/>
                 <a:sym typeface="Oswald"/>
               </a:rPr>
-              <a:t>조상 클래스</a:t>
+              <a:t>상위</a:t>
+            </a:r>
+            <a:r>
+              <a:rPr lang="ko" sz="2000">
+                <a:latin typeface="Oswald"/>
+                <a:ea typeface="Oswald"/>
+                <a:cs typeface="Oswald"/>
+                <a:sym typeface="Oswald"/>
+              </a:rPr>
+              <a:t> 클래스</a:t>
             </a:r>
             <a:endParaRPr sz="2000">
               <a:latin typeface="Oswald"/>
@@ -10235,7 +10040,7 @@
             </a:endParaRPr>
           </a:p>
           <a:p>
-            <a:pPr marL="0" lvl="0" indent="0" algn="ctr" rtl="0">
+            <a:pPr indent="0" lvl="0" marL="0" rtl="0" algn="ctr">
               <a:spcBef>
                 <a:spcPts val="1600"/>
               </a:spcBef>
@@ -10251,7 +10056,16 @@
                 <a:cs typeface="Oswald"/>
                 <a:sym typeface="Oswald"/>
               </a:rPr>
-              <a:t> 멤버개수</a:t>
+              <a:t> </a:t>
+            </a:r>
+            <a:r>
+              <a:rPr lang="ko" sz="2000">
+                <a:latin typeface="Oswald"/>
+                <a:ea typeface="Oswald"/>
+                <a:cs typeface="Oswald"/>
+                <a:sym typeface="Oswald"/>
+              </a:rPr>
+              <a:t>멤버개수</a:t>
             </a:r>
             <a:endParaRPr sz="2000">
               <a:latin typeface="Oswald"/>
@@ -10261,7 +10075,7 @@
             </a:endParaRPr>
           </a:p>
           <a:p>
-            <a:pPr marL="0" lvl="0" indent="0" algn="ctr" rtl="0">
+            <a:pPr indent="0" lvl="0" marL="0" rtl="0" algn="ctr">
               <a:spcBef>
                 <a:spcPts val="1600"/>
               </a:spcBef>
@@ -10270,6 +10084,9 @@
               </a:spcAft>
               <a:buNone/>
             </a:pPr>
+            <a:r>
+              <a:t/>
+            </a:r>
             <a:endParaRPr sz="2000">
               <a:latin typeface="Oswald"/>
               <a:ea typeface="Oswald"/>
@@ -10299,12 +10116,12 @@
           </a:ln>
         </p:spPr>
         <p:txBody>
-          <a:bodyPr spcFirstLastPara="1" wrap="square" lIns="91425" tIns="91425" rIns="91425" bIns="91425" anchor="t" anchorCtr="0">
+          <a:bodyPr anchorCtr="0" anchor="t" bIns="91425" lIns="91425" spcFirstLastPara="1" rIns="91425" wrap="square" tIns="91425">
             <a:noAutofit/>
           </a:bodyPr>
           <a:lstStyle/>
           <a:p>
-            <a:pPr marL="0" lvl="0" indent="0" algn="l" rtl="0">
+            <a:pPr indent="0" lvl="0" marL="0" rtl="0" algn="l">
               <a:spcBef>
                 <a:spcPts val="0"/>
               </a:spcBef>
@@ -10314,7 +10131,7 @@
               <a:buNone/>
             </a:pPr>
             <a:r>
-              <a:rPr lang="ko" sz="6000" b="1">
+              <a:rPr b="1" lang="ko" sz="6000">
                 <a:solidFill>
                   <a:srgbClr val="FF0000"/>
                 </a:solidFill>
@@ -10325,7 +10142,7 @@
               </a:rPr>
               <a:t>≧</a:t>
             </a:r>
-            <a:endParaRPr sz="6000" b="1">
+            <a:endParaRPr b="1" sz="6000">
               <a:solidFill>
                 <a:srgbClr val="FF0000"/>
               </a:solidFill>
@@ -10352,23 +10169,23 @@
             <a:avLst/>
           </a:prstGeom>
           <a:noFill/>
-          <a:ln w="38100" cap="flat" cmpd="sng">
+          <a:ln cap="flat" cmpd="sng" w="38100">
             <a:solidFill>
               <a:srgbClr val="FF0000"/>
             </a:solidFill>
             <a:prstDash val="solid"/>
             <a:round/>
-            <a:headEnd type="none" w="sm" len="sm"/>
-            <a:tailEnd type="none" w="sm" len="sm"/>
+            <a:headEnd len="sm" w="sm" type="none"/>
+            <a:tailEnd len="sm" w="sm" type="none"/>
           </a:ln>
         </p:spPr>
         <p:txBody>
-          <a:bodyPr spcFirstLastPara="1" wrap="square" lIns="91425" tIns="91425" rIns="91425" bIns="91425" anchor="ctr" anchorCtr="0">
+          <a:bodyPr anchorCtr="0" anchor="ctr" bIns="91425" lIns="91425" spcFirstLastPara="1" rIns="91425" wrap="square" tIns="91425">
             <a:noAutofit/>
           </a:bodyPr>
           <a:lstStyle/>
           <a:p>
-            <a:pPr marL="0" lvl="0" indent="0" algn="l" rtl="0">
+            <a:pPr indent="0" lvl="0" marL="0" rtl="0" algn="l">
               <a:spcBef>
                 <a:spcPts val="0"/>
               </a:spcBef>
@@ -10377,6 +10194,9 @@
               </a:spcAft>
               <a:buNone/>
             </a:pPr>
+            <a:r>
+              <a:t/>
+            </a:r>
             <a:endParaRPr/>
           </a:p>
         </p:txBody>
@@ -10405,12 +10225,12 @@
           </a:ln>
         </p:spPr>
         <p:txBody>
-          <a:bodyPr spcFirstLastPara="1" wrap="square" lIns="91425" tIns="91425" rIns="91425" bIns="91425" anchor="ctr" anchorCtr="0">
+          <a:bodyPr anchorCtr="0" anchor="ctr" bIns="91425" lIns="91425" spcFirstLastPara="1" rIns="91425" wrap="square" tIns="91425">
             <a:noAutofit/>
           </a:bodyPr>
           <a:lstStyle/>
           <a:p>
-            <a:pPr marL="0" lvl="0" indent="0" algn="l" rtl="0">
+            <a:pPr indent="0" lvl="0" marL="0" rtl="0" algn="l">
               <a:spcBef>
                 <a:spcPts val="0"/>
               </a:spcBef>
@@ -10419,6 +10239,9 @@
               </a:spcAft>
               <a:buNone/>
             </a:pPr>
+            <a:r>
+              <a:t/>
+            </a:r>
             <a:endParaRPr/>
           </a:p>
         </p:txBody>
@@ -10442,23 +10265,17 @@
               <a:alpha val="71860"/>
             </a:srgbClr>
           </a:solidFill>
-          <a:ln w="9525" cap="flat" cmpd="sng">
-            <a:solidFill>
-              <a:schemeClr val="dk2"/>
-            </a:solidFill>
-            <a:prstDash val="solid"/>
-            <a:round/>
-            <a:headEnd type="none" w="sm" len="sm"/>
-            <a:tailEnd type="none" w="sm" len="sm"/>
+          <a:ln>
+            <a:noFill/>
           </a:ln>
         </p:spPr>
         <p:txBody>
-          <a:bodyPr spcFirstLastPara="1" wrap="square" lIns="91425" tIns="91425" rIns="91425" bIns="91425" anchor="ctr" anchorCtr="0">
+          <a:bodyPr anchorCtr="0" anchor="ctr" bIns="91425" lIns="91425" spcFirstLastPara="1" rIns="91425" wrap="square" tIns="91425">
             <a:noAutofit/>
           </a:bodyPr>
           <a:lstStyle/>
           <a:p>
-            <a:pPr marL="0" lvl="0" indent="0" algn="ctr" rtl="0">
+            <a:pPr indent="0" lvl="0" marL="0" rtl="0" algn="ctr">
               <a:spcBef>
                 <a:spcPts val="0"/>
               </a:spcBef>
@@ -10506,23 +10323,23 @@
             <a:avLst/>
           </a:prstGeom>
           <a:noFill/>
-          <a:ln w="28575" cap="flat" cmpd="sng">
+          <a:ln cap="flat" cmpd="sng" w="28575">
             <a:solidFill>
               <a:srgbClr val="FF0000"/>
             </a:solidFill>
             <a:prstDash val="solid"/>
             <a:round/>
-            <a:headEnd type="none" w="sm" len="sm"/>
-            <a:tailEnd type="none" w="sm" len="sm"/>
+            <a:headEnd len="sm" w="sm" type="none"/>
+            <a:tailEnd len="sm" w="sm" type="none"/>
           </a:ln>
         </p:spPr>
         <p:txBody>
-          <a:bodyPr spcFirstLastPara="1" wrap="square" lIns="91425" tIns="91425" rIns="91425" bIns="91425" anchor="ctr" anchorCtr="0">
+          <a:bodyPr anchorCtr="0" anchor="ctr" bIns="91425" lIns="91425" spcFirstLastPara="1" rIns="91425" wrap="square" tIns="91425">
             <a:noAutofit/>
           </a:bodyPr>
           <a:lstStyle/>
           <a:p>
-            <a:pPr marL="0" lvl="0" indent="0" algn="l" rtl="0">
+            <a:pPr indent="0" lvl="0" marL="0" rtl="0" algn="l">
               <a:spcBef>
                 <a:spcPts val="0"/>
               </a:spcBef>
@@ -10531,6 +10348,9 @@
               </a:spcAft>
               <a:buNone/>
             </a:pPr>
+            <a:r>
+              <a:t/>
+            </a:r>
             <a:endParaRPr/>
           </a:p>
         </p:txBody>
@@ -10550,17 +10370,79 @@
             <a:avLst/>
           </a:prstGeom>
           <a:noFill/>
-          <a:ln w="28575" cap="flat" cmpd="sng">
+          <a:ln cap="flat" cmpd="sng" w="28575">
             <a:solidFill>
               <a:srgbClr val="FF0000"/>
             </a:solidFill>
             <a:prstDash val="solid"/>
             <a:round/>
-            <a:headEnd type="none" w="med" len="med"/>
-            <a:tailEnd type="none" w="med" len="med"/>
+            <a:headEnd len="med" w="med" type="none"/>
+            <a:tailEnd len="med" w="med" type="none"/>
           </a:ln>
         </p:spPr>
       </p:cxnSp>
+      <p:sp>
+        <p:nvSpPr>
+          <p:cNvPr id="146" name="Google Shape;146;p17"/>
+          <p:cNvSpPr txBox="1"/>
+          <p:nvPr/>
+        </p:nvSpPr>
+        <p:spPr>
+          <a:xfrm>
+            <a:off x="1370550" y="2487175"/>
+            <a:ext cx="1709100" cy="426300"/>
+          </a:xfrm>
+          <a:prstGeom prst="rect">
+            <a:avLst/>
+          </a:prstGeom>
+          <a:solidFill>
+            <a:srgbClr val="DC6F6F">
+              <a:alpha val="62280"/>
+            </a:srgbClr>
+          </a:solidFill>
+          <a:ln>
+            <a:noFill/>
+          </a:ln>
+        </p:spPr>
+        <p:txBody>
+          <a:bodyPr anchorCtr="0" anchor="t" bIns="91425" lIns="91425" spcFirstLastPara="1" rIns="91425" wrap="square" tIns="91425">
+            <a:noAutofit/>
+          </a:bodyPr>
+          <a:lstStyle/>
+          <a:p>
+            <a:pPr indent="0" lvl="0" marL="0" rtl="0" algn="ctr">
+              <a:spcBef>
+                <a:spcPts val="0"/>
+              </a:spcBef>
+              <a:spcAft>
+                <a:spcPts val="0"/>
+              </a:spcAft>
+              <a:buNone/>
+            </a:pPr>
+            <a:r>
+              <a:rPr b="1" lang="ko" sz="1800">
+                <a:solidFill>
+                  <a:srgbClr val="FFFFFF"/>
+                </a:solidFill>
+                <a:latin typeface="Oswald"/>
+                <a:ea typeface="Oswald"/>
+                <a:cs typeface="Oswald"/>
+                <a:sym typeface="Oswald"/>
+              </a:rPr>
+              <a:t>코드의 재사용</a:t>
+            </a:r>
+            <a:endParaRPr b="1" sz="1800">
+              <a:solidFill>
+                <a:srgbClr val="FFFFFF"/>
+              </a:solidFill>
+              <a:latin typeface="Oswald"/>
+              <a:ea typeface="Oswald"/>
+              <a:cs typeface="Oswald"/>
+              <a:sym typeface="Oswald"/>
+            </a:endParaRPr>
+          </a:p>
+        </p:txBody>
+      </p:sp>
     </p:spTree>
   </p:cSld>
   <p:clrMapOvr>
@@ -10569,32 +10451,122 @@
   <p:timing>
     <p:tnLst>
       <p:par>
-        <p:cTn id="1" dur="indefinite" restart="never" nodeType="tmRoot">
+        <p:cTn dur="indefinite" nodeType="tmRoot" restart="never">
           <p:childTnLst>
             <p:seq concurrent="1" nextAc="seek">
-              <p:cTn id="2" dur="indefinite" nodeType="mainSeq">
+              <p:cTn dur="indefinite" id="2" nodeType="mainSeq">
                 <p:childTnLst>
                   <p:par>
-                    <p:cTn id="3" fill="hold">
+                    <p:cTn fill="hold">
                       <p:stCondLst>
                         <p:cond delay="indefinite"/>
                       </p:stCondLst>
                       <p:childTnLst>
                         <p:par>
-                          <p:cTn id="4" fill="hold">
+                          <p:cTn fill="hold">
                             <p:stCondLst>
                               <p:cond delay="0"/>
                             </p:stCondLst>
                             <p:childTnLst>
                               <p:par>
-                                <p:cTn id="5" presetID="1" presetClass="entr" presetSubtype="0" fill="hold" nodeType="clickEffect">
+                                <p:cTn fill="hold" nodeType="clickEffect" presetClass="entr" presetID="1" presetSubtype="0">
                                   <p:stCondLst>
                                     <p:cond delay="0"/>
                                   </p:stCondLst>
                                   <p:childTnLst>
                                     <p:set>
                                       <p:cBhvr>
-                                        <p:cTn id="6" dur="1" fill="hold">
+                                        <p:cTn dur="1" fill="hold">
+                                          <p:stCondLst>
+                                            <p:cond delay="0"/>
+                                          </p:stCondLst>
+                                        </p:cTn>
+                                        <p:tgtEl>
+                                          <p:spTgt spid="140"/>
+                                        </p:tgtEl>
+                                        <p:attrNameLst>
+                                          <p:attrName>style.visibility</p:attrName>
+                                        </p:attrNameLst>
+                                      </p:cBhvr>
+                                      <p:to>
+                                        <p:strVal val="visible"/>
+                                      </p:to>
+                                    </p:set>
+                                  </p:childTnLst>
+                                </p:cTn>
+                              </p:par>
+                            </p:childTnLst>
+                          </p:cTn>
+                        </p:par>
+                      </p:childTnLst>
+                    </p:cTn>
+                  </p:par>
+                  <p:par>
+                    <p:cTn fill="hold">
+                      <p:stCondLst>
+                        <p:cond delay="indefinite"/>
+                      </p:stCondLst>
+                      <p:childTnLst>
+                        <p:par>
+                          <p:cTn fill="hold">
+                            <p:stCondLst>
+                              <p:cond delay="0"/>
+                            </p:stCondLst>
+                            <p:childTnLst>
+                              <p:par>
+                                <p:cTn fill="hold" nodeType="clickEffect" presetClass="entr" presetID="1" presetSubtype="0">
+                                  <p:stCondLst>
+                                    <p:cond delay="0"/>
+                                  </p:stCondLst>
+                                  <p:childTnLst>
+                                    <p:set>
+                                      <p:cBhvr>
+                                        <p:cTn dur="1" fill="hold">
+                                          <p:stCondLst>
+                                            <p:cond delay="0"/>
+                                          </p:stCondLst>
+                                        </p:cTn>
+                                        <p:tgtEl>
+                                          <p:spTgt spid="146"/>
+                                        </p:tgtEl>
+                                        <p:attrNameLst>
+                                          <p:attrName>style.visibility</p:attrName>
+                                        </p:attrNameLst>
+                                      </p:cBhvr>
+                                      <p:to>
+                                        <p:strVal val="visible"/>
+                                      </p:to>
+                                    </p:set>
+                                  </p:childTnLst>
+                                </p:cTn>
+                              </p:par>
+                            </p:childTnLst>
+                          </p:cTn>
+                        </p:par>
+                      </p:childTnLst>
+                    </p:cTn>
+                  </p:par>
+                  <p:par>
+                    <p:cTn fill="hold">
+                      <p:stCondLst>
+                        <p:cond delay="indefinite"/>
+                      </p:stCondLst>
+                      <p:childTnLst>
+                        <p:par>
+                          <p:cTn fill="hold">
+                            <p:stCondLst>
+                              <p:cond delay="0"/>
+                            </p:stCondLst>
+                            <p:childTnLst>
+                              <p:par>
+                                <p:cTn fill="hold" nodeType="clickEffect" presetClass="entr" presetID="1" presetSubtype="0">
+                                  <p:stCondLst>
+                                    <p:cond delay="0"/>
+                                  </p:stCondLst>
+                                  <p:childTnLst>
+                                    <p:set>
+                                      <p:cBhvr>
+                                        <p:cTn dur="1" fill="hold">
                                           <p:stCondLst>
                                             <p:cond delay="0"/>
                                           </p:stCondLst>
@@ -10620,71 +10592,26 @@
                     </p:cTn>
                   </p:par>
                   <p:par>
-                    <p:cTn id="7" fill="hold">
+                    <p:cTn fill="hold">
                       <p:stCondLst>
                         <p:cond delay="indefinite"/>
                       </p:stCondLst>
                       <p:childTnLst>
                         <p:par>
-                          <p:cTn id="8" fill="hold">
+                          <p:cTn fill="hold">
                             <p:stCondLst>
                               <p:cond delay="0"/>
                             </p:stCondLst>
                             <p:childTnLst>
                               <p:par>
-                                <p:cTn id="9" presetID="1" presetClass="entr" presetSubtype="0" fill="hold" nodeType="clickEffect">
+                                <p:cTn fill="hold" nodeType="clickEffect" presetClass="entr" presetID="1" presetSubtype="0">
                                   <p:stCondLst>
                                     <p:cond delay="0"/>
                                   </p:stCondLst>
                                   <p:childTnLst>
                                     <p:set>
                                       <p:cBhvr>
-                                        <p:cTn id="10" dur="1" fill="hold">
-                                          <p:stCondLst>
-                                            <p:cond delay="0"/>
-                                          </p:stCondLst>
-                                        </p:cTn>
-                                        <p:tgtEl>
-                                          <p:spTgt spid="140"/>
-                                        </p:tgtEl>
-                                        <p:attrNameLst>
-                                          <p:attrName>style.visibility</p:attrName>
-                                        </p:attrNameLst>
-                                      </p:cBhvr>
-                                      <p:to>
-                                        <p:strVal val="visible"/>
-                                      </p:to>
-                                    </p:set>
-                                  </p:childTnLst>
-                                </p:cTn>
-                              </p:par>
-                            </p:childTnLst>
-                          </p:cTn>
-                        </p:par>
-                      </p:childTnLst>
-                    </p:cTn>
-                  </p:par>
-                  <p:par>
-                    <p:cTn id="11" fill="hold">
-                      <p:stCondLst>
-                        <p:cond delay="indefinite"/>
-                      </p:stCondLst>
-                      <p:childTnLst>
-                        <p:par>
-                          <p:cTn id="12" fill="hold">
-                            <p:stCondLst>
-                              <p:cond delay="0"/>
-                            </p:stCondLst>
-                            <p:childTnLst>
-                              <p:par>
-                                <p:cTn id="13" presetID="1" presetClass="entr" presetSubtype="0" fill="hold" nodeType="clickEffect">
-                                  <p:stCondLst>
-                                    <p:cond delay="0"/>
-                                  </p:stCondLst>
-                                  <p:childTnLst>
-                                    <p:set>
-                                      <p:cBhvr>
-                                        <p:cTn id="14" dur="1" fill="hold">
+                                        <p:cTn dur="1" fill="hold">
                                           <p:stCondLst>
                                             <p:cond delay="0"/>
                                           </p:stCondLst>
@@ -10710,26 +10637,26 @@
                     </p:cTn>
                   </p:par>
                   <p:par>
-                    <p:cTn id="15" fill="hold">
+                    <p:cTn fill="hold">
                       <p:stCondLst>
                         <p:cond delay="indefinite"/>
                       </p:stCondLst>
                       <p:childTnLst>
                         <p:par>
-                          <p:cTn id="16" fill="hold">
+                          <p:cTn fill="hold">
                             <p:stCondLst>
                               <p:cond delay="0"/>
                             </p:stCondLst>
                             <p:childTnLst>
                               <p:par>
-                                <p:cTn id="17" presetID="1" presetClass="entr" presetSubtype="0" fill="hold" nodeType="clickEffect">
+                                <p:cTn fill="hold" nodeType="clickEffect" presetClass="entr" presetID="1" presetSubtype="0">
                                   <p:stCondLst>
                                     <p:cond delay="0"/>
                                   </p:stCondLst>
                                   <p:childTnLst>
                                     <p:set>
                                       <p:cBhvr>
-                                        <p:cTn id="18" dur="1" fill="hold">
+                                        <p:cTn dur="1" fill="hold">
                                           <p:stCondLst>
                                             <p:cond delay="0"/>
                                           </p:stCondLst>
@@ -10755,26 +10682,26 @@
                     </p:cTn>
                   </p:par>
                   <p:par>
-                    <p:cTn id="19" fill="hold">
+                    <p:cTn fill="hold">
                       <p:stCondLst>
                         <p:cond delay="indefinite"/>
                       </p:stCondLst>
                       <p:childTnLst>
                         <p:par>
-                          <p:cTn id="20" fill="hold">
+                          <p:cTn fill="hold">
                             <p:stCondLst>
                               <p:cond delay="0"/>
                             </p:stCondLst>
                             <p:childTnLst>
                               <p:par>
-                                <p:cTn id="21" presetID="1" presetClass="entr" presetSubtype="0" fill="hold" nodeType="clickEffect">
+                                <p:cTn fill="hold" nodeType="clickEffect" presetClass="entr" presetID="1" presetSubtype="0">
                                   <p:stCondLst>
                                     <p:cond delay="0"/>
                                   </p:stCondLst>
                                   <p:childTnLst>
                                     <p:set>
                                       <p:cBhvr>
-                                        <p:cTn id="22" dur="1" fill="hold">
+                                        <p:cTn dur="1" fill="hold">
                                           <p:stCondLst>
                                             <p:cond delay="0"/>
                                           </p:stCondLst>
@@ -10800,26 +10727,26 @@
                     </p:cTn>
                   </p:par>
                   <p:par>
-                    <p:cTn id="23" fill="hold">
+                    <p:cTn fill="hold">
                       <p:stCondLst>
                         <p:cond delay="indefinite"/>
                       </p:stCondLst>
                       <p:childTnLst>
                         <p:par>
-                          <p:cTn id="24" fill="hold">
+                          <p:cTn fill="hold">
                             <p:stCondLst>
                               <p:cond delay="0"/>
                             </p:stCondLst>
                             <p:childTnLst>
                               <p:par>
-                                <p:cTn id="25" presetID="1" presetClass="entr" presetSubtype="0" fill="hold" nodeType="clickEffect">
+                                <p:cTn fill="hold" nodeType="clickEffect" presetClass="entr" presetID="1" presetSubtype="0">
                                   <p:stCondLst>
                                     <p:cond delay="0"/>
                                   </p:stCondLst>
                                   <p:childTnLst>
                                     <p:set>
                                       <p:cBhvr>
-                                        <p:cTn id="26" dur="1" fill="hold">
+                                        <p:cTn dur="1" fill="hold">
                                           <p:stCondLst>
                                             <p:cond delay="0"/>
                                           </p:stCondLst>
@@ -10845,26 +10772,26 @@
                     </p:cTn>
                   </p:par>
                   <p:par>
-                    <p:cTn id="27" fill="hold">
+                    <p:cTn fill="hold">
                       <p:stCondLst>
                         <p:cond delay="indefinite"/>
                       </p:stCondLst>
                       <p:childTnLst>
                         <p:par>
-                          <p:cTn id="28" fill="hold">
+                          <p:cTn fill="hold">
                             <p:stCondLst>
                               <p:cond delay="0"/>
                             </p:stCondLst>
                             <p:childTnLst>
                               <p:par>
-                                <p:cTn id="29" presetID="1" presetClass="entr" presetSubtype="0" fill="hold" nodeType="clickEffect">
+                                <p:cTn fill="hold" nodeType="clickEffect" presetClass="entr" presetID="1" presetSubtype="0">
                                   <p:stCondLst>
                                     <p:cond delay="0"/>
                                   </p:stCondLst>
                                   <p:childTnLst>
                                     <p:set>
                                       <p:cBhvr>
-                                        <p:cTn id="30" dur="1" fill="hold">
+                                        <p:cTn dur="1" fill="hold">
                                           <p:stCondLst>
                                             <p:cond delay="0"/>
                                           </p:stCondLst>
@@ -10890,26 +10817,26 @@
                     </p:cTn>
                   </p:par>
                   <p:par>
-                    <p:cTn id="31" fill="hold">
+                    <p:cTn fill="hold">
                       <p:stCondLst>
                         <p:cond delay="indefinite"/>
                       </p:stCondLst>
                       <p:childTnLst>
                         <p:par>
-                          <p:cTn id="32" fill="hold">
+                          <p:cTn fill="hold">
                             <p:stCondLst>
                               <p:cond delay="0"/>
                             </p:stCondLst>
                             <p:childTnLst>
                               <p:par>
-                                <p:cTn id="33" presetID="1" presetClass="entr" presetSubtype="0" fill="hold" nodeType="clickEffect">
+                                <p:cTn fill="hold" nodeType="clickEffect" presetClass="entr" presetID="1" presetSubtype="0">
                                   <p:stCondLst>
                                     <p:cond delay="0"/>
                                   </p:stCondLst>
                                   <p:childTnLst>
                                     <p:set>
                                       <p:cBhvr>
-                                        <p:cTn id="34" dur="1" fill="hold">
+                                        <p:cTn dur="1" fill="hold">
                                           <p:stCondLst>
                                             <p:cond delay="0"/>
                                           </p:stCondLst>
@@ -10935,26 +10862,26 @@
                     </p:cTn>
                   </p:par>
                   <p:par>
-                    <p:cTn id="35" fill="hold">
+                    <p:cTn fill="hold">
                       <p:stCondLst>
                         <p:cond delay="indefinite"/>
                       </p:stCondLst>
                       <p:childTnLst>
                         <p:par>
-                          <p:cTn id="36" fill="hold">
+                          <p:cTn fill="hold">
                             <p:stCondLst>
                               <p:cond delay="0"/>
                             </p:stCondLst>
                             <p:childTnLst>
                               <p:par>
-                                <p:cTn id="37" presetID="1" presetClass="entr" presetSubtype="0" fill="hold" nodeType="clickEffect">
+                                <p:cTn fill="hold" nodeType="clickEffect" presetClass="entr" presetID="1" presetSubtype="0">
                                   <p:stCondLst>
                                     <p:cond delay="0"/>
                                   </p:stCondLst>
                                   <p:childTnLst>
                                     <p:set>
                                       <p:cBhvr>
-                                        <p:cTn id="38" dur="1" fill="hold">
+                                        <p:cTn dur="1" fill="hold">
                                           <p:stCondLst>
                                             <p:cond delay="0"/>
                                           </p:stCondLst>
@@ -10982,14 +10909,14 @@
                 </p:childTnLst>
               </p:cTn>
               <p:prevCondLst>
-                <p:cond evt="onPrev" delay="0">
+                <p:cond evt="onPrev">
                   <p:tgtEl>
                     <p:sldTgt/>
                   </p:tgtEl>
                 </p:cond>
               </p:prevCondLst>
               <p:nextCondLst>
-                <p:cond evt="onNext" delay="0">
+                <p:cond evt="onNext">
                   <p:tgtEl>
                     <p:sldTgt/>
                   </p:tgtEl>
@@ -11005,11 +10932,11 @@
 </file>
 
 <file path=ppt/slides/slide6.xml><?xml version="1.0" encoding="utf-8"?>
-<p:sld xmlns:a="http://schemas.openxmlformats.org/drawingml/2006/main" xmlns:r="http://schemas.openxmlformats.org/officeDocument/2006/relationships" xmlns:p="http://schemas.openxmlformats.org/presentationml/2006/main">
+<p:sld xmlns:a="http://schemas.openxmlformats.org/drawingml/2006/main" xmlns:r="http://schemas.openxmlformats.org/officeDocument/2006/relationships" xmlns:mc="http://schemas.openxmlformats.org/markup-compatibility/2006" xmlns:mv="urn:schemas-microsoft-com:mac:vml" xmlns:p="http://schemas.openxmlformats.org/presentationml/2006/main" xmlns:c="http://schemas.openxmlformats.org/drawingml/2006/chart" xmlns:dgm="http://schemas.openxmlformats.org/drawingml/2006/diagram" xmlns:o="urn:schemas-microsoft-com:office:office" xmlns:v="urn:schemas-microsoft-com:vml" xmlns:pvml="urn:schemas-microsoft-com:office:powerpoint" xmlns:com="http://schemas.openxmlformats.org/drawingml/2006/compatibility" xmlns:p14="http://schemas.microsoft.com/office/powerpoint/2010/main" xmlns:p15="http://schemas.microsoft.com/office/powerpoint/2012/main">
   <p:cSld>
     <p:spTree>
       <p:nvGrpSpPr>
-        <p:cNvPr id="1" name="Shape 149"/>
+        <p:cNvPr id="150" name="Shape 150"/>
         <p:cNvGrpSpPr/>
         <p:nvPr/>
       </p:nvGrpSpPr>
@@ -11023,10 +10950,8 @@
       </p:grpSpPr>
       <p:sp>
         <p:nvSpPr>
-          <p:cNvPr id="150" name="Google Shape;150;p18"/>
-          <p:cNvSpPr txBox="1">
-            <a:spLocks noGrp="1"/>
-          </p:cNvSpPr>
+          <p:cNvPr id="151" name="Google Shape;151;p18"/>
+          <p:cNvSpPr txBox="1"/>
           <p:nvPr>
             <p:ph type="title"/>
           </p:nvPr>
@@ -11041,12 +10966,12 @@
           </a:prstGeom>
         </p:spPr>
         <p:txBody>
-          <a:bodyPr spcFirstLastPara="1" wrap="square" lIns="91425" tIns="91425" rIns="91425" bIns="91425" anchor="t" anchorCtr="0">
+          <a:bodyPr anchorCtr="0" anchor="t" bIns="91425" lIns="91425" spcFirstLastPara="1" rIns="91425" wrap="square" tIns="91425">
             <a:noAutofit/>
           </a:bodyPr>
           <a:lstStyle/>
           <a:p>
-            <a:pPr marL="0" lvl="0" indent="0" algn="l" rtl="0">
+            <a:pPr indent="0" lvl="0" marL="0" rtl="0" algn="l">
               <a:spcBef>
                 <a:spcPts val="0"/>
               </a:spcBef>
@@ -11065,7 +10990,7 @@
       </p:sp>
       <p:pic>
         <p:nvPicPr>
-          <p:cNvPr id="151" name="Google Shape;151;p18"/>
+          <p:cNvPr id="152" name="Google Shape;152;p18"/>
           <p:cNvPicPr preferRelativeResize="0"/>
           <p:nvPr/>
         </p:nvPicPr>
@@ -11093,7 +11018,7 @@
       </p:pic>
       <p:sp>
         <p:nvSpPr>
-          <p:cNvPr id="152" name="Google Shape;152;p18"/>
+          <p:cNvPr id="153" name="Google Shape;153;p18"/>
           <p:cNvSpPr/>
           <p:nvPr/>
         </p:nvSpPr>
@@ -11115,12 +11040,12 @@
           </a:ln>
         </p:spPr>
         <p:txBody>
-          <a:bodyPr spcFirstLastPara="1" wrap="square" lIns="91425" tIns="91425" rIns="91425" bIns="91425" anchor="ctr" anchorCtr="0">
+          <a:bodyPr anchorCtr="0" anchor="ctr" bIns="91425" lIns="91425" spcFirstLastPara="1" rIns="91425" wrap="square" tIns="91425">
             <a:noAutofit/>
           </a:bodyPr>
           <a:lstStyle/>
           <a:p>
-            <a:pPr marL="0" lvl="0" indent="0" algn="l" rtl="0">
+            <a:pPr indent="0" lvl="0" marL="0" rtl="0" algn="l">
               <a:spcBef>
                 <a:spcPts val="0"/>
               </a:spcBef>
@@ -11129,13 +11054,16 @@
               </a:spcAft>
               <a:buNone/>
             </a:pPr>
+            <a:r>
+              <a:t/>
+            </a:r>
             <a:endParaRPr/>
           </a:p>
         </p:txBody>
       </p:sp>
       <p:sp>
         <p:nvSpPr>
-          <p:cNvPr id="153" name="Google Shape;153;p18"/>
+          <p:cNvPr id="154" name="Google Shape;154;p18"/>
           <p:cNvSpPr/>
           <p:nvPr/>
         </p:nvSpPr>
@@ -11157,12 +11085,12 @@
           </a:ln>
         </p:spPr>
         <p:txBody>
-          <a:bodyPr spcFirstLastPara="1" wrap="square" lIns="91425" tIns="91425" rIns="91425" bIns="91425" anchor="ctr" anchorCtr="0">
+          <a:bodyPr anchorCtr="0" anchor="ctr" bIns="91425" lIns="91425" spcFirstLastPara="1" rIns="91425" wrap="square" tIns="91425">
             <a:noAutofit/>
           </a:bodyPr>
           <a:lstStyle/>
           <a:p>
-            <a:pPr marL="0" lvl="0" indent="0" algn="l" rtl="0">
+            <a:pPr indent="0" lvl="0" marL="0" rtl="0" algn="l">
               <a:spcBef>
                 <a:spcPts val="0"/>
               </a:spcBef>
@@ -11171,13 +11099,16 @@
               </a:spcAft>
               <a:buNone/>
             </a:pPr>
+            <a:r>
+              <a:t/>
+            </a:r>
             <a:endParaRPr/>
           </a:p>
         </p:txBody>
       </p:sp>
       <p:sp>
         <p:nvSpPr>
-          <p:cNvPr id="154" name="Google Shape;154;p18"/>
+          <p:cNvPr id="155" name="Google Shape;155;p18"/>
           <p:cNvSpPr/>
           <p:nvPr/>
         </p:nvSpPr>
@@ -11199,12 +11130,12 @@
           </a:ln>
         </p:spPr>
         <p:txBody>
-          <a:bodyPr spcFirstLastPara="1" wrap="square" lIns="91425" tIns="91425" rIns="91425" bIns="91425" anchor="ctr" anchorCtr="0">
+          <a:bodyPr anchorCtr="0" anchor="ctr" bIns="91425" lIns="91425" spcFirstLastPara="1" rIns="91425" wrap="square" tIns="91425">
             <a:noAutofit/>
           </a:bodyPr>
           <a:lstStyle/>
           <a:p>
-            <a:pPr marL="0" lvl="0" indent="0" algn="l" rtl="0">
+            <a:pPr indent="0" lvl="0" marL="0" rtl="0" algn="l">
               <a:spcBef>
                 <a:spcPts val="0"/>
               </a:spcBef>
@@ -11213,13 +11144,16 @@
               </a:spcAft>
               <a:buNone/>
             </a:pPr>
+            <a:r>
+              <a:t/>
+            </a:r>
             <a:endParaRPr/>
           </a:p>
         </p:txBody>
       </p:sp>
       <p:sp>
         <p:nvSpPr>
-          <p:cNvPr id="155" name="Google Shape;155;p18"/>
+          <p:cNvPr id="156" name="Google Shape;156;p18"/>
           <p:cNvSpPr/>
           <p:nvPr/>
         </p:nvSpPr>
@@ -11241,12 +11175,12 @@
           </a:ln>
         </p:spPr>
         <p:txBody>
-          <a:bodyPr spcFirstLastPara="1" wrap="square" lIns="91425" tIns="91425" rIns="91425" bIns="91425" anchor="ctr" anchorCtr="0">
+          <a:bodyPr anchorCtr="0" anchor="ctr" bIns="91425" lIns="91425" spcFirstLastPara="1" rIns="91425" wrap="square" tIns="91425">
             <a:noAutofit/>
           </a:bodyPr>
           <a:lstStyle/>
           <a:p>
-            <a:pPr marL="0" lvl="0" indent="0" algn="l" rtl="0">
+            <a:pPr indent="0" lvl="0" marL="0" rtl="0" algn="l">
               <a:spcBef>
                 <a:spcPts val="0"/>
               </a:spcBef>
@@ -11255,13 +11189,16 @@
               </a:spcAft>
               <a:buNone/>
             </a:pPr>
+            <a:r>
+              <a:t/>
+            </a:r>
             <a:endParaRPr/>
           </a:p>
         </p:txBody>
       </p:sp>
       <p:sp>
         <p:nvSpPr>
-          <p:cNvPr id="156" name="Google Shape;156;p18"/>
+          <p:cNvPr id="157" name="Google Shape;157;p18"/>
           <p:cNvSpPr/>
           <p:nvPr/>
         </p:nvSpPr>
@@ -11278,23 +11215,23 @@
               <a:alpha val="28740"/>
             </a:srgbClr>
           </a:solidFill>
-          <a:ln w="28575" cap="flat" cmpd="sng">
+          <a:ln cap="flat" cmpd="sng" w="28575">
             <a:solidFill>
               <a:srgbClr val="FF0000"/>
             </a:solidFill>
             <a:prstDash val="solid"/>
             <a:round/>
-            <a:headEnd type="none" w="sm" len="sm"/>
-            <a:tailEnd type="none" w="sm" len="sm"/>
+            <a:headEnd len="sm" w="sm" type="none"/>
+            <a:tailEnd len="sm" w="sm" type="none"/>
           </a:ln>
         </p:spPr>
         <p:txBody>
-          <a:bodyPr spcFirstLastPara="1" wrap="square" lIns="91425" tIns="91425" rIns="91425" bIns="91425" anchor="ctr" anchorCtr="0">
+          <a:bodyPr anchorCtr="0" anchor="ctr" bIns="91425" lIns="91425" spcFirstLastPara="1" rIns="91425" wrap="square" tIns="91425">
             <a:noAutofit/>
           </a:bodyPr>
           <a:lstStyle/>
           <a:p>
-            <a:pPr marL="0" lvl="0" indent="0" algn="l" rtl="0">
+            <a:pPr indent="0" lvl="0" marL="0" rtl="0" algn="l">
               <a:spcBef>
                 <a:spcPts val="0"/>
               </a:spcBef>
@@ -11303,13 +11240,16 @@
               </a:spcAft>
               <a:buNone/>
             </a:pPr>
+            <a:r>
+              <a:t/>
+            </a:r>
             <a:endParaRPr/>
           </a:p>
         </p:txBody>
       </p:sp>
       <p:grpSp>
         <p:nvGrpSpPr>
-          <p:cNvPr id="157" name="Google Shape;157;p18"/>
+          <p:cNvPr id="158" name="Google Shape;158;p18"/>
           <p:cNvGrpSpPr/>
           <p:nvPr/>
         </p:nvGrpSpPr>
@@ -11323,7 +11263,7 @@
         </p:grpSpPr>
         <p:grpSp>
           <p:nvGrpSpPr>
-            <p:cNvPr id="158" name="Google Shape;158;p18"/>
+            <p:cNvPr id="159" name="Google Shape;159;p18"/>
             <p:cNvGrpSpPr/>
             <p:nvPr/>
           </p:nvGrpSpPr>
@@ -11337,7 +11277,7 @@
           </p:grpSpPr>
           <p:sp>
             <p:nvSpPr>
-              <p:cNvPr id="159" name="Google Shape;159;p18"/>
+              <p:cNvPr id="160" name="Google Shape;160;p18"/>
               <p:cNvSpPr/>
               <p:nvPr/>
             </p:nvSpPr>
@@ -11352,23 +11292,23 @@
               <a:solidFill>
                 <a:schemeClr val="dk1"/>
               </a:solidFill>
-              <a:ln w="28575" cap="flat" cmpd="sng">
+              <a:ln cap="flat" cmpd="sng" w="28575">
                 <a:solidFill>
                   <a:srgbClr val="FF0000"/>
                 </a:solidFill>
                 <a:prstDash val="solid"/>
                 <a:round/>
-                <a:headEnd type="none" w="sm" len="sm"/>
-                <a:tailEnd type="none" w="sm" len="sm"/>
+                <a:headEnd len="sm" w="sm" type="none"/>
+                <a:tailEnd len="sm" w="sm" type="none"/>
               </a:ln>
             </p:spPr>
             <p:txBody>
-              <a:bodyPr spcFirstLastPara="1" wrap="square" lIns="91425" tIns="91425" rIns="91425" bIns="91425" anchor="ctr" anchorCtr="0">
+              <a:bodyPr anchorCtr="0" anchor="ctr" bIns="91425" lIns="91425" spcFirstLastPara="1" rIns="91425" wrap="square" tIns="91425">
                 <a:noAutofit/>
               </a:bodyPr>
               <a:lstStyle/>
               <a:p>
-                <a:pPr marL="0" lvl="0" indent="0" algn="l" rtl="0">
+                <a:pPr indent="0" lvl="0" marL="0" rtl="0" algn="l">
                   <a:spcBef>
                     <a:spcPts val="0"/>
                   </a:spcBef>
@@ -11377,13 +11317,16 @@
                   </a:spcAft>
                   <a:buNone/>
                 </a:pPr>
+                <a:r>
+                  <a:t/>
+                </a:r>
                 <a:endParaRPr/>
               </a:p>
             </p:txBody>
           </p:sp>
           <p:pic>
             <p:nvPicPr>
-              <p:cNvPr id="160" name="Google Shape;160;p18"/>
+              <p:cNvPr id="161" name="Google Shape;161;p18"/>
               <p:cNvPicPr preferRelativeResize="0"/>
               <p:nvPr/>
             </p:nvPicPr>
@@ -11412,7 +11355,7 @@
         </p:grpSp>
         <p:sp>
           <p:nvSpPr>
-            <p:cNvPr id="161" name="Google Shape;161;p18"/>
+            <p:cNvPr id="162" name="Google Shape;162;p18"/>
             <p:cNvSpPr/>
             <p:nvPr/>
           </p:nvSpPr>
@@ -11429,23 +11372,23 @@
                 <a:alpha val="41920"/>
               </a:srgbClr>
             </a:solidFill>
-            <a:ln w="28575" cap="flat" cmpd="sng">
+            <a:ln cap="flat" cmpd="sng" w="28575">
               <a:solidFill>
                 <a:srgbClr val="FF0000"/>
               </a:solidFill>
               <a:prstDash val="solid"/>
               <a:round/>
-              <a:headEnd type="none" w="sm" len="sm"/>
-              <a:tailEnd type="none" w="sm" len="sm"/>
+              <a:headEnd len="sm" w="sm" type="none"/>
+              <a:tailEnd len="sm" w="sm" type="none"/>
             </a:ln>
           </p:spPr>
           <p:txBody>
-            <a:bodyPr spcFirstLastPara="1" wrap="square" lIns="91425" tIns="91425" rIns="91425" bIns="91425" anchor="ctr" anchorCtr="0">
+            <a:bodyPr anchorCtr="0" anchor="ctr" bIns="91425" lIns="91425" spcFirstLastPara="1" rIns="91425" wrap="square" tIns="91425">
               <a:noAutofit/>
             </a:bodyPr>
             <a:lstStyle/>
             <a:p>
-              <a:pPr marL="0" lvl="0" indent="0" algn="l" rtl="0">
+              <a:pPr indent="0" lvl="0" marL="0" rtl="0" algn="l">
                 <a:spcBef>
                   <a:spcPts val="0"/>
                 </a:spcBef>
@@ -11454,6 +11397,9 @@
                 </a:spcAft>
                 <a:buNone/>
               </a:pPr>
+              <a:r>
+                <a:t/>
+              </a:r>
               <a:endParaRPr/>
             </a:p>
           </p:txBody>
@@ -11461,14 +11407,14 @@
       </p:grpSp>
       <p:sp>
         <p:nvSpPr>
-          <p:cNvPr id="162" name="Google Shape;162;p18"/>
+          <p:cNvPr id="163" name="Google Shape;163;p18"/>
           <p:cNvSpPr txBox="1"/>
           <p:nvPr/>
         </p:nvSpPr>
         <p:spPr>
           <a:xfrm>
-            <a:off x="210250" y="1489724"/>
-            <a:ext cx="3875100" cy="1161267"/>
+            <a:off x="210250" y="1489725"/>
+            <a:ext cx="3875100" cy="850800"/>
           </a:xfrm>
           <a:prstGeom prst="rect">
             <a:avLst/>
@@ -11479,12 +11425,12 @@
           </a:ln>
         </p:spPr>
         <p:txBody>
-          <a:bodyPr spcFirstLastPara="1" wrap="square" lIns="91425" tIns="91425" rIns="91425" bIns="91425" anchor="t" anchorCtr="0">
+          <a:bodyPr anchorCtr="0" anchor="t" bIns="91425" lIns="91425" spcFirstLastPara="1" rIns="91425" wrap="square" tIns="91425">
             <a:noAutofit/>
           </a:bodyPr>
           <a:lstStyle/>
           <a:p>
-            <a:pPr marL="0" lvl="0" indent="0" algn="ctr" rtl="0">
+            <a:pPr indent="0" lvl="0" marL="0" rtl="0" algn="ctr">
               <a:lnSpc>
                 <a:spcPct val="115000"/>
               </a:lnSpc>
@@ -11497,7 +11443,7 @@
               <a:buNone/>
             </a:pPr>
             <a:r>
-              <a:rPr lang="ko" sz="2000" dirty="0">
+              <a:rPr lang="ko" sz="2000">
                 <a:highlight>
                   <a:srgbClr val="FFFFFF"/>
                 </a:highlight>
@@ -11506,44 +11452,9 @@
                 <a:cs typeface="Oswald"/>
                 <a:sym typeface="Oswald"/>
               </a:rPr>
-              <a:t>상속받은 메서드의 내용을 </a:t>
+              <a:t>상속받은 메서드의 내용을 변경하는 것</a:t>
             </a:r>
-            <a:endParaRPr lang="en-US" altLang="ko" sz="2000" dirty="0">
-              <a:highlight>
-                <a:srgbClr val="FFFFFF"/>
-              </a:highlight>
-              <a:latin typeface="Oswald"/>
-              <a:ea typeface="Oswald"/>
-              <a:cs typeface="Oswald"/>
-              <a:sym typeface="Oswald"/>
-            </a:endParaRPr>
-          </a:p>
-          <a:p>
-            <a:pPr marL="0" lvl="0" indent="0" algn="ctr" rtl="0">
-              <a:lnSpc>
-                <a:spcPct val="115000"/>
-              </a:lnSpc>
-              <a:spcBef>
-                <a:spcPts val="0"/>
-              </a:spcBef>
-              <a:spcAft>
-                <a:spcPts val="1600"/>
-              </a:spcAft>
-              <a:buNone/>
-            </a:pPr>
-            <a:r>
-              <a:rPr lang="ko" sz="2000" dirty="0">
-                <a:highlight>
-                  <a:srgbClr val="FFFFFF"/>
-                </a:highlight>
-                <a:latin typeface="Oswald"/>
-                <a:ea typeface="Oswald"/>
-                <a:cs typeface="Oswald"/>
-                <a:sym typeface="Oswald"/>
-              </a:rPr>
-              <a:t>변경하는 것</a:t>
-            </a:r>
-            <a:endParaRPr dirty="0">
+            <a:endParaRPr>
               <a:highlight>
                 <a:srgbClr val="FFFFFF"/>
               </a:highlight>
@@ -11557,7 +11468,7 @@
       </p:sp>
       <p:sp>
         <p:nvSpPr>
-          <p:cNvPr id="163" name="Google Shape;163;p18"/>
+          <p:cNvPr id="164" name="Google Shape;164;p18"/>
           <p:cNvSpPr txBox="1"/>
           <p:nvPr/>
         </p:nvSpPr>
@@ -11575,12 +11486,12 @@
           </a:ln>
         </p:spPr>
         <p:txBody>
-          <a:bodyPr spcFirstLastPara="1" wrap="square" lIns="91425" tIns="91425" rIns="91425" bIns="91425" anchor="t" anchorCtr="0">
+          <a:bodyPr anchorCtr="0" anchor="t" bIns="91425" lIns="91425" spcFirstLastPara="1" rIns="91425" wrap="square" tIns="91425">
             <a:noAutofit/>
           </a:bodyPr>
           <a:lstStyle/>
           <a:p>
-            <a:pPr marL="0" lvl="0" indent="0" algn="ctr" rtl="0">
+            <a:pPr indent="0" lvl="0" marL="0" rtl="0" algn="ctr">
               <a:lnSpc>
                 <a:spcPct val="100000"/>
               </a:lnSpc>
@@ -11593,7 +11504,7 @@
               <a:buNone/>
             </a:pPr>
             <a:r>
-              <a:rPr lang="ko" sz="2000" dirty="0">
+              <a:rPr lang="ko" sz="2000">
                 <a:solidFill>
                   <a:schemeClr val="accent3"/>
                 </a:solidFill>
@@ -11604,7 +11515,7 @@
               </a:rPr>
               <a:t>상속받은 메서드가 사라지는 것이 아니라</a:t>
             </a:r>
-            <a:endParaRPr sz="2000" dirty="0">
+            <a:endParaRPr sz="2000">
               <a:solidFill>
                 <a:schemeClr val="accent3"/>
               </a:solidFill>
@@ -11615,7 +11526,7 @@
             </a:endParaRPr>
           </a:p>
           <a:p>
-            <a:pPr marL="0" lvl="0" indent="0" algn="ctr" rtl="0">
+            <a:pPr indent="0" lvl="0" marL="0" rtl="0" algn="ctr">
               <a:lnSpc>
                 <a:spcPct val="100000"/>
               </a:lnSpc>
@@ -11628,7 +11539,7 @@
               <a:buNone/>
             </a:pPr>
             <a:r>
-              <a:rPr lang="ko" sz="2000" dirty="0">
+              <a:rPr lang="ko" sz="2000">
                 <a:solidFill>
                   <a:schemeClr val="accent3"/>
                 </a:solidFill>
@@ -11639,7 +11550,93 @@
               </a:rPr>
               <a:t>그것보다 우선순위인 내용을 얹는 것</a:t>
             </a:r>
-            <a:endParaRPr dirty="0">
+            <a:endParaRPr>
+              <a:latin typeface="Oswald"/>
+              <a:ea typeface="Oswald"/>
+              <a:cs typeface="Oswald"/>
+              <a:sym typeface="Oswald"/>
+            </a:endParaRPr>
+          </a:p>
+        </p:txBody>
+      </p:sp>
+      <p:sp>
+        <p:nvSpPr>
+          <p:cNvPr id="165" name="Google Shape;165;p18"/>
+          <p:cNvSpPr txBox="1"/>
+          <p:nvPr/>
+        </p:nvSpPr>
+        <p:spPr>
+          <a:xfrm>
+            <a:off x="4772650" y="1435025"/>
+            <a:ext cx="3973200" cy="850800"/>
+          </a:xfrm>
+          <a:prstGeom prst="rect">
+            <a:avLst/>
+          </a:prstGeom>
+          <a:solidFill>
+            <a:schemeClr val="dk1"/>
+          </a:solidFill>
+          <a:ln>
+            <a:noFill/>
+          </a:ln>
+        </p:spPr>
+        <p:txBody>
+          <a:bodyPr anchorCtr="0" anchor="t" bIns="91425" lIns="91425" spcFirstLastPara="1" rIns="91425" wrap="square" tIns="91425">
+            <a:noAutofit/>
+          </a:bodyPr>
+          <a:lstStyle/>
+          <a:p>
+            <a:pPr indent="0" lvl="0" marL="0" rtl="0" algn="ctr">
+              <a:spcBef>
+                <a:spcPts val="0"/>
+              </a:spcBef>
+              <a:spcAft>
+                <a:spcPts val="0"/>
+              </a:spcAft>
+              <a:buNone/>
+            </a:pPr>
+            <a:r>
+              <a:rPr b="1" lang="ko" sz="2000">
+                <a:latin typeface="Oswald"/>
+                <a:ea typeface="Oswald"/>
+                <a:cs typeface="Oswald"/>
+                <a:sym typeface="Oswald"/>
+              </a:rPr>
+              <a:t>조건</a:t>
+            </a:r>
+            <a:endParaRPr b="1" sz="2000">
+              <a:latin typeface="Oswald"/>
+              <a:ea typeface="Oswald"/>
+              <a:cs typeface="Oswald"/>
+              <a:sym typeface="Oswald"/>
+            </a:endParaRPr>
+          </a:p>
+          <a:p>
+            <a:pPr indent="0" lvl="0" marL="0" rtl="0" algn="ctr">
+              <a:spcBef>
+                <a:spcPts val="0"/>
+              </a:spcBef>
+              <a:spcAft>
+                <a:spcPts val="0"/>
+              </a:spcAft>
+              <a:buNone/>
+            </a:pPr>
+            <a:r>
+              <a:rPr b="1" lang="ko" sz="1800">
+                <a:solidFill>
+                  <a:srgbClr val="434343"/>
+                </a:solidFill>
+                <a:latin typeface="Oswald"/>
+                <a:ea typeface="Oswald"/>
+                <a:cs typeface="Oswald"/>
+                <a:sym typeface="Oswald"/>
+              </a:rPr>
+              <a:t>같은 메서드 타입, 매개변수, 반환타입</a:t>
+            </a:r>
+            <a:endParaRPr b="1" sz="1800">
+              <a:solidFill>
+                <a:srgbClr val="434343"/>
+              </a:solidFill>
               <a:latin typeface="Oswald"/>
               <a:ea typeface="Oswald"/>
               <a:cs typeface="Oswald"/>
@@ -11656,77 +11653,32 @@
   <p:timing>
     <p:tnLst>
       <p:par>
-        <p:cTn id="1" dur="indefinite" restart="never" nodeType="tmRoot">
+        <p:cTn dur="indefinite" nodeType="tmRoot" restart="never">
           <p:childTnLst>
             <p:seq concurrent="1" nextAc="seek">
-              <p:cTn id="2" dur="indefinite" nodeType="mainSeq">
+              <p:cTn dur="indefinite" id="2" nodeType="mainSeq">
                 <p:childTnLst>
                   <p:par>
-                    <p:cTn id="3" fill="hold">
+                    <p:cTn fill="hold">
                       <p:stCondLst>
                         <p:cond delay="indefinite"/>
                       </p:stCondLst>
                       <p:childTnLst>
                         <p:par>
-                          <p:cTn id="4" fill="hold">
+                          <p:cTn fill="hold">
                             <p:stCondLst>
                               <p:cond delay="0"/>
                             </p:stCondLst>
                             <p:childTnLst>
                               <p:par>
-                                <p:cTn id="5" presetID="1" presetClass="entr" presetSubtype="0" fill="hold" nodeType="clickEffect">
+                                <p:cTn fill="hold" nodeType="clickEffect" presetClass="entr" presetID="1" presetSubtype="0">
                                   <p:stCondLst>
                                     <p:cond delay="0"/>
                                   </p:stCondLst>
                                   <p:childTnLst>
                                     <p:set>
                                       <p:cBhvr>
-                                        <p:cTn id="6" dur="1" fill="hold">
-                                          <p:stCondLst>
-                                            <p:cond delay="0"/>
-                                          </p:stCondLst>
-                                        </p:cTn>
-                                        <p:tgtEl>
-                                          <p:spTgt spid="152"/>
-                                        </p:tgtEl>
-                                        <p:attrNameLst>
-                                          <p:attrName>style.visibility</p:attrName>
-                                        </p:attrNameLst>
-                                      </p:cBhvr>
-                                      <p:to>
-                                        <p:strVal val="visible"/>
-                                      </p:to>
-                                    </p:set>
-                                  </p:childTnLst>
-                                </p:cTn>
-                              </p:par>
-                            </p:childTnLst>
-                          </p:cTn>
-                        </p:par>
-                      </p:childTnLst>
-                    </p:cTn>
-                  </p:par>
-                  <p:par>
-                    <p:cTn id="7" fill="hold">
-                      <p:stCondLst>
-                        <p:cond delay="indefinite"/>
-                      </p:stCondLst>
-                      <p:childTnLst>
-                        <p:par>
-                          <p:cTn id="8" fill="hold">
-                            <p:stCondLst>
-                              <p:cond delay="0"/>
-                            </p:stCondLst>
-                            <p:childTnLst>
-                              <p:par>
-                                <p:cTn id="9" presetID="1" presetClass="entr" presetSubtype="0" fill="hold" nodeType="clickEffect">
-                                  <p:stCondLst>
-                                    <p:cond delay="0"/>
-                                  </p:stCondLst>
-                                  <p:childTnLst>
-                                    <p:set>
-                                      <p:cBhvr>
-                                        <p:cTn id="10" dur="1" fill="hold">
+                                        <p:cTn dur="1" fill="hold">
                                           <p:stCondLst>
                                             <p:cond delay="0"/>
                                           </p:stCondLst>
@@ -11752,26 +11704,26 @@
                     </p:cTn>
                   </p:par>
                   <p:par>
-                    <p:cTn id="11" fill="hold">
+                    <p:cTn fill="hold">
                       <p:stCondLst>
                         <p:cond delay="indefinite"/>
                       </p:stCondLst>
                       <p:childTnLst>
                         <p:par>
-                          <p:cTn id="12" fill="hold">
+                          <p:cTn fill="hold">
                             <p:stCondLst>
                               <p:cond delay="0"/>
                             </p:stCondLst>
                             <p:childTnLst>
                               <p:par>
-                                <p:cTn id="13" presetID="1" presetClass="entr" presetSubtype="0" fill="hold" nodeType="clickEffect">
+                                <p:cTn fill="hold" nodeType="clickEffect" presetClass="entr" presetID="1" presetSubtype="0">
                                   <p:stCondLst>
                                     <p:cond delay="0"/>
                                   </p:stCondLst>
                                   <p:childTnLst>
                                     <p:set>
                                       <p:cBhvr>
-                                        <p:cTn id="14" dur="1" fill="hold">
+                                        <p:cTn dur="1" fill="hold">
                                           <p:stCondLst>
                                             <p:cond delay="0"/>
                                           </p:stCondLst>
@@ -11797,26 +11749,26 @@
                     </p:cTn>
                   </p:par>
                   <p:par>
-                    <p:cTn id="15" fill="hold">
+                    <p:cTn fill="hold">
                       <p:stCondLst>
                         <p:cond delay="indefinite"/>
                       </p:stCondLst>
                       <p:childTnLst>
                         <p:par>
-                          <p:cTn id="16" fill="hold">
+                          <p:cTn fill="hold">
                             <p:stCondLst>
                               <p:cond delay="0"/>
                             </p:stCondLst>
                             <p:childTnLst>
                               <p:par>
-                                <p:cTn id="17" presetID="1" presetClass="entr" presetSubtype="0" fill="hold" nodeType="clickEffect">
+                                <p:cTn fill="hold" nodeType="clickEffect" presetClass="entr" presetID="1" presetSubtype="0">
                                   <p:stCondLst>
                                     <p:cond delay="0"/>
                                   </p:stCondLst>
                                   <p:childTnLst>
                                     <p:set>
                                       <p:cBhvr>
-                                        <p:cTn id="18" dur="1" fill="hold">
+                                        <p:cTn dur="1" fill="hold">
                                           <p:stCondLst>
                                             <p:cond delay="0"/>
                                           </p:stCondLst>
@@ -11842,26 +11794,26 @@
                     </p:cTn>
                   </p:par>
                   <p:par>
-                    <p:cTn id="19" fill="hold">
+                    <p:cTn fill="hold">
                       <p:stCondLst>
                         <p:cond delay="indefinite"/>
                       </p:stCondLst>
                       <p:childTnLst>
                         <p:par>
-                          <p:cTn id="20" fill="hold">
+                          <p:cTn fill="hold">
                             <p:stCondLst>
                               <p:cond delay="0"/>
                             </p:stCondLst>
                             <p:childTnLst>
                               <p:par>
-                                <p:cTn id="21" presetID="1" presetClass="entr" presetSubtype="0" fill="hold" nodeType="clickEffect">
+                                <p:cTn fill="hold" nodeType="clickEffect" presetClass="entr" presetID="1" presetSubtype="0">
                                   <p:stCondLst>
                                     <p:cond delay="0"/>
                                   </p:stCondLst>
                                   <p:childTnLst>
                                     <p:set>
                                       <p:cBhvr>
-                                        <p:cTn id="22" dur="1" fill="hold">
+                                        <p:cTn dur="1" fill="hold">
                                           <p:stCondLst>
                                             <p:cond delay="0"/>
                                           </p:stCondLst>
@@ -11887,71 +11839,26 @@
                     </p:cTn>
                   </p:par>
                   <p:par>
-                    <p:cTn id="23" fill="hold">
+                    <p:cTn fill="hold">
                       <p:stCondLst>
                         <p:cond delay="indefinite"/>
                       </p:stCondLst>
                       <p:childTnLst>
                         <p:par>
-                          <p:cTn id="24" fill="hold">
+                          <p:cTn fill="hold">
                             <p:stCondLst>
                               <p:cond delay="0"/>
                             </p:stCondLst>
                             <p:childTnLst>
                               <p:par>
-                                <p:cTn id="25" presetID="1" presetClass="entr" presetSubtype="0" fill="hold" nodeType="clickEffect">
+                                <p:cTn fill="hold" nodeType="clickEffect" presetClass="entr" presetID="1" presetSubtype="0">
                                   <p:stCondLst>
                                     <p:cond delay="0"/>
                                   </p:stCondLst>
                                   <p:childTnLst>
                                     <p:set>
                                       <p:cBhvr>
-                                        <p:cTn id="26" dur="1" fill="hold">
-                                          <p:stCondLst>
-                                            <p:cond delay="0"/>
-                                          </p:stCondLst>
-                                        </p:cTn>
-                                        <p:tgtEl>
-                                          <p:spTgt spid="163"/>
-                                        </p:tgtEl>
-                                        <p:attrNameLst>
-                                          <p:attrName>style.visibility</p:attrName>
-                                        </p:attrNameLst>
-                                      </p:cBhvr>
-                                      <p:to>
-                                        <p:strVal val="visible"/>
-                                      </p:to>
-                                    </p:set>
-                                  </p:childTnLst>
-                                </p:cTn>
-                              </p:par>
-                            </p:childTnLst>
-                          </p:cTn>
-                        </p:par>
-                      </p:childTnLst>
-                    </p:cTn>
-                  </p:par>
-                  <p:par>
-                    <p:cTn id="27" fill="hold">
-                      <p:stCondLst>
-                        <p:cond delay="indefinite"/>
-                      </p:stCondLst>
-                      <p:childTnLst>
-                        <p:par>
-                          <p:cTn id="28" fill="hold">
-                            <p:stCondLst>
-                              <p:cond delay="0"/>
-                            </p:stCondLst>
-                            <p:childTnLst>
-                              <p:par>
-                                <p:cTn id="29" presetID="1" presetClass="entr" presetSubtype="0" fill="hold" nodeType="clickEffect">
-                                  <p:stCondLst>
-                                    <p:cond delay="0"/>
-                                  </p:stCondLst>
-                                  <p:childTnLst>
-                                    <p:set>
-                                      <p:cBhvr>
-                                        <p:cTn id="30" dur="1" fill="hold">
+                                        <p:cTn dur="1" fill="hold">
                                           <p:stCondLst>
                                             <p:cond delay="0"/>
                                           </p:stCondLst>
@@ -11976,17 +11883,152 @@
                       </p:childTnLst>
                     </p:cTn>
                   </p:par>
+                  <p:par>
+                    <p:cTn fill="hold">
+                      <p:stCondLst>
+                        <p:cond delay="indefinite"/>
+                      </p:stCondLst>
+                      <p:childTnLst>
+                        <p:par>
+                          <p:cTn fill="hold">
+                            <p:stCondLst>
+                              <p:cond delay="0"/>
+                            </p:stCondLst>
+                            <p:childTnLst>
+                              <p:par>
+                                <p:cTn fill="hold" nodeType="clickEffect" presetClass="entr" presetID="1" presetSubtype="0">
+                                  <p:stCondLst>
+                                    <p:cond delay="0"/>
+                                  </p:stCondLst>
+                                  <p:childTnLst>
+                                    <p:set>
+                                      <p:cBhvr>
+                                        <p:cTn dur="1" fill="hold">
+                                          <p:stCondLst>
+                                            <p:cond delay="0"/>
+                                          </p:stCondLst>
+                                        </p:cTn>
+                                        <p:tgtEl>
+                                          <p:spTgt spid="164"/>
+                                        </p:tgtEl>
+                                        <p:attrNameLst>
+                                          <p:attrName>style.visibility</p:attrName>
+                                        </p:attrNameLst>
+                                      </p:cBhvr>
+                                      <p:to>
+                                        <p:strVal val="visible"/>
+                                      </p:to>
+                                    </p:set>
+                                  </p:childTnLst>
+                                </p:cTn>
+                              </p:par>
+                            </p:childTnLst>
+                          </p:cTn>
+                        </p:par>
+                      </p:childTnLst>
+                    </p:cTn>
+                  </p:par>
+                  <p:par>
+                    <p:cTn fill="hold">
+                      <p:stCondLst>
+                        <p:cond delay="indefinite"/>
+                      </p:stCondLst>
+                      <p:childTnLst>
+                        <p:par>
+                          <p:cTn fill="hold">
+                            <p:stCondLst>
+                              <p:cond delay="0"/>
+                            </p:stCondLst>
+                            <p:childTnLst>
+                              <p:par>
+                                <p:cTn fill="hold" nodeType="clickEffect" presetClass="entr" presetID="1" presetSubtype="0">
+                                  <p:stCondLst>
+                                    <p:cond delay="0"/>
+                                  </p:stCondLst>
+                                  <p:childTnLst>
+                                    <p:set>
+                                      <p:cBhvr>
+                                        <p:cTn dur="1" fill="hold">
+                                          <p:stCondLst>
+                                            <p:cond delay="0"/>
+                                          </p:stCondLst>
+                                        </p:cTn>
+                                        <p:tgtEl>
+                                          <p:spTgt spid="158"/>
+                                        </p:tgtEl>
+                                        <p:attrNameLst>
+                                          <p:attrName>style.visibility</p:attrName>
+                                        </p:attrNameLst>
+                                      </p:cBhvr>
+                                      <p:to>
+                                        <p:strVal val="visible"/>
+                                      </p:to>
+                                    </p:set>
+                                  </p:childTnLst>
+                                </p:cTn>
+                              </p:par>
+                            </p:childTnLst>
+                          </p:cTn>
+                        </p:par>
+                      </p:childTnLst>
+                    </p:cTn>
+                  </p:par>
+                  <p:par>
+                    <p:cTn fill="hold">
+                      <p:stCondLst>
+                        <p:cond delay="indefinite"/>
+                      </p:stCondLst>
+                      <p:childTnLst>
+                        <p:par>
+                          <p:cTn fill="hold">
+                            <p:stCondLst>
+                              <p:cond delay="0"/>
+                            </p:stCondLst>
+                            <p:childTnLst>
+                              <p:par>
+                                <p:cTn fill="hold" nodeType="clickEffect" presetClass="entr" presetID="1" presetSubtype="0">
+                                  <p:stCondLst>
+                                    <p:cond delay="0"/>
+                                  </p:stCondLst>
+                                  <p:childTnLst>
+                                    <p:set>
+                                      <p:cBhvr>
+                                        <p:cTn dur="1" fill="hold">
+                                          <p:stCondLst>
+                                            <p:cond delay="0"/>
+                                          </p:stCondLst>
+                                        </p:cTn>
+                                        <p:tgtEl>
+                                          <p:spTgt spid="165"/>
+                                        </p:tgtEl>
+                                        <p:attrNameLst>
+                                          <p:attrName>style.visibility</p:attrName>
+                                        </p:attrNameLst>
+                                      </p:cBhvr>
+                                      <p:to>
+                                        <p:strVal val="visible"/>
+                                      </p:to>
+                                    </p:set>
+                                  </p:childTnLst>
+                                </p:cTn>
+                              </p:par>
+                            </p:childTnLst>
+                          </p:cTn>
+                        </p:par>
+                      </p:childTnLst>
+                    </p:cTn>
+                  </p:par>
                 </p:childTnLst>
               </p:cTn>
               <p:prevCondLst>
-                <p:cond evt="onPrev" delay="0">
+                <p:cond evt="onPrev">
                   <p:tgtEl>
                     <p:sldTgt/>
                   </p:tgtEl>
                 </p:cond>
               </p:prevCondLst>
               <p:nextCondLst>
-                <p:cond evt="onNext" delay="0">
+                <p:cond evt="onNext">
                   <p:tgtEl>
                     <p:sldTgt/>
                   </p:tgtEl>
@@ -12002,7 +12044,7 @@
 </file>
 
 <file path=ppt/theme/theme1.xml><?xml version="1.0" encoding="utf-8"?>
-<a:theme xmlns:a="http://schemas.openxmlformats.org/drawingml/2006/main" name="Slate">
+<a:theme xmlns:a="http://schemas.openxmlformats.org/drawingml/2006/main" xmlns:r="http://schemas.openxmlformats.org/officeDocument/2006/relationships" name="Slate">
   <a:themeElements>
     <a:clrScheme name="Slate">
       <a:dk1>
@@ -12277,13 +12319,11 @@
       </a:bgFillStyleLst>
     </a:fmtScheme>
   </a:themeElements>
-  <a:objectDefaults/>
-  <a:extraClrSchemeLst/>
 </a:theme>
 </file>
 
 <file path=ppt/theme/theme2.xml><?xml version="1.0" encoding="utf-8"?>
-<a:theme xmlns:a="http://schemas.openxmlformats.org/drawingml/2006/main">
+<a:theme xmlns:a="http://schemas.openxmlformats.org/drawingml/2006/main" xmlns:r="http://schemas.openxmlformats.org/officeDocument/2006/relationships">
   <a:themeElements>
     <a:clrScheme name="Default">
       <a:dk1>
@@ -12558,7 +12598,5 @@
       </a:bgFillStyleLst>
     </a:fmtScheme>
   </a:themeElements>
-  <a:objectDefaults/>
-  <a:extraClrSchemeLst/>
 </a:theme>
 </file>